--- a/Presentacion de Clase.pptx
+++ b/Presentacion de Clase.pptx
@@ -124,7 +124,7 @@
   </p:defaultTextStyle>
   <p:extLst>
     <p:ext uri="{EFAFB233-063F-42B5-8137-9DF3F51BA10A}">
-      <p15:sldGuideLst xmlns:p15="http://schemas.microsoft.com/office/powerpoint/2012/main"/>
+      <p15:sldGuideLst xmlns:p15="http://schemas.microsoft.com/office/powerpoint/2012/main" xmlns=""/>
     </p:ext>
   </p:extLst>
 </p:presentation>
@@ -7040,7 +7040,9 @@
         </p:nvSpPr>
         <p:spPr/>
         <p:txBody>
-          <a:bodyPr/>
+          <a:bodyPr>
+            <a:normAutofit/>
+          </a:bodyPr>
           <a:lstStyle/>
           <a:p>
             <a:pPr lvl="0"/>
@@ -7079,13 +7081,8 @@
             <a:pPr lvl="0"/>
             <a:r>
               <a:rPr lang="es-ES" dirty="0"/>
-              <a:t>Desarrollador</a:t>
-            </a:r>
-            <a:r>
-              <a:rPr lang="es-ES"/>
-              <a:t>: </a:t>
-            </a:r>
-            <a:endParaRPr lang="es-ES" dirty="0"/>
+              <a:t>Desarrollador: </a:t>
+            </a:r>
           </a:p>
           <a:p>
             <a:pPr lvl="0"/>
@@ -7100,6 +7097,82 @@
             <a:r>
               <a:rPr lang="es-ES" dirty="0" smtClean="0"/>
               <a:t>:</a:t>
+            </a:r>
+            <a:r>
+              <a:rPr lang="es-PY" dirty="0" smtClean="0"/>
+              <a:t>es el encargado de  planificar </a:t>
+            </a:r>
+            <a:r>
+              <a:rPr lang="es-PY" dirty="0"/>
+              <a:t>y </a:t>
+            </a:r>
+            <a:r>
+              <a:rPr lang="es-PY" dirty="0" smtClean="0"/>
+              <a:t>llevar </a:t>
+            </a:r>
+            <a:r>
+              <a:rPr lang="es-PY" dirty="0"/>
+              <a:t>a cabo </a:t>
+            </a:r>
+            <a:r>
+              <a:rPr lang="es-PY" dirty="0" smtClean="0"/>
+              <a:t>las pruebas del </a:t>
+            </a:r>
+            <a:r>
+              <a:rPr lang="es-PY" dirty="0"/>
+              <a:t>software </a:t>
+            </a:r>
+            <a:r>
+              <a:rPr lang="es-PY" dirty="0" smtClean="0"/>
+              <a:t>para </a:t>
+            </a:r>
+            <a:r>
+              <a:rPr lang="es-PY" dirty="0"/>
+              <a:t>comprobar si </a:t>
+            </a:r>
+            <a:r>
+              <a:rPr lang="es-PY" dirty="0" smtClean="0"/>
+              <a:t>funciona correctamente</a:t>
+            </a:r>
+            <a:r>
+              <a:rPr lang="es-PY" dirty="0"/>
+              <a:t>. </a:t>
+            </a:r>
+            <a:r>
+              <a:rPr lang="es-PY" dirty="0" smtClean="0"/>
+              <a:t>También identifican </a:t>
+            </a:r>
+            <a:r>
+              <a:rPr lang="es-PY" dirty="0"/>
+              <a:t>el riesgo de sufrir </a:t>
+            </a:r>
+            <a:r>
+              <a:rPr lang="es-PY" dirty="0" smtClean="0"/>
+              <a:t>errores en el mismo, </a:t>
+            </a:r>
+            <a:r>
+              <a:rPr lang="es-PY" dirty="0"/>
+              <a:t>detectan errores y los comunican. </a:t>
+            </a:r>
+            <a:r>
+              <a:rPr lang="es-PY" dirty="0" smtClean="0"/>
+              <a:t>Evalúa el </a:t>
+            </a:r>
+            <a:r>
+              <a:rPr lang="es-PY" dirty="0"/>
+              <a:t>funcionamiento general del </a:t>
+            </a:r>
+            <a:r>
+              <a:rPr lang="es-PY" dirty="0" smtClean="0"/>
+              <a:t>sistema y </a:t>
+            </a:r>
+            <a:r>
+              <a:rPr lang="es-PY" dirty="0"/>
+              <a:t>sugieren formas de </a:t>
+            </a:r>
+            <a:r>
+              <a:rPr lang="es-PY" dirty="0" smtClean="0"/>
+              <a:t>mejorarlo.</a:t>
             </a:r>
             <a:endParaRPr lang="es-ES" dirty="0"/>
           </a:p>
@@ -8572,11 +8645,11 @@
               <a:buNone/>
             </a:pPr>
             <a:r>
-              <a:rPr lang="es-419" b="1" dirty="0"/>
+              <a:rPr lang="x-none" b="1" dirty="0"/>
               <a:t>El sistema DeliverYApp permitirá realizar las siguientes </a:t>
             </a:r>
             <a:r>
-              <a:rPr lang="es-419" b="1" dirty="0" smtClean="0"/>
+              <a:rPr lang="x-none" b="1" dirty="0" smtClean="0"/>
               <a:t>funciones</a:t>
             </a:r>
             <a:r>
@@ -8764,10 +8837,9 @@
               <a:buNone/>
             </a:pPr>
             <a:r>
-              <a:rPr lang="es-419" sz="3000" b="1" dirty="0"/>
+              <a:rPr lang="x-none" sz="3000" b="1" dirty="0"/>
               <a:t>Características de los usuarios: </a:t>
             </a:r>
-            <a:endParaRPr lang="es-419" sz="3000" b="1" dirty="0"/>
           </a:p>
           <a:p>
             <a:pPr lvl="0"/>
@@ -9051,7 +9123,7 @@
     </a:clrScheme>
     <a:fontScheme name="Ion">
       <a:majorFont>
-        <a:latin typeface="Century Gothic" panose="020B0502020202020204"/>
+        <a:latin typeface="Century Gothic"/>
         <a:ea typeface=""/>
         <a:cs typeface=""/>
         <a:font script="Jpan" typeface="メイリオ"/>
@@ -9086,7 +9158,7 @@
         <a:font script="Geor" typeface="Sylfaen"/>
       </a:majorFont>
       <a:minorFont>
-        <a:latin typeface="Century Gothic" panose="020B0502020202020204"/>
+        <a:latin typeface="Century Gothic"/>
         <a:ea typeface=""/>
         <a:cs typeface=""/>
         <a:font script="Jpan" typeface="メイリオ"/>
@@ -9268,7 +9340,7 @@
   <a:extraClrSchemeLst/>
   <a:extLst>
     <a:ext uri="{05A4C25C-085E-4340-85A3-A5531E510DB2}">
-      <thm15:themeFamily xmlns:thm15="http://schemas.microsoft.com/office/thememl/2012/main" name="Ion" id="{B8441ADB-2E43-4AF7-B97A-BD870242C6A8}" vid="{292E63A9-BB86-4E3D-B92A-7223C6510D2E}"/>
+      <thm15:themeFamily xmlns:thm15="http://schemas.microsoft.com/office/thememl/2012/main" xmlns="" name="Ion" id="{B8441ADB-2E43-4AF7-B97A-BD870242C6A8}" vid="{292E63A9-BB86-4E3D-B92A-7223C6510D2E}"/>
     </a:ext>
   </a:extLst>
 </a:theme>

--- a/Presentacion de Clase.pptx
+++ b/Presentacion de Clase.pptx
@@ -124,7 +124,7 @@
   </p:defaultTextStyle>
   <p:extLst>
     <p:ext uri="{EFAFB233-063F-42B5-8137-9DF3F51BA10A}">
-      <p15:sldGuideLst xmlns:p15="http://schemas.microsoft.com/office/powerpoint/2012/main" xmlns=""/>
+      <p15:sldGuideLst xmlns="" xmlns:p15="http://schemas.microsoft.com/office/powerpoint/2012/main"/>
     </p:ext>
   </p:extLst>
 </p:presentation>
@@ -7100,7 +7100,11 @@
             </a:r>
             <a:r>
               <a:rPr lang="es-PY" dirty="0" smtClean="0"/>
-              <a:t>es el encargado de  planificar </a:t>
+              <a:t>es el encargado de </a:t>
+            </a:r>
+            <a:r>
+              <a:rPr lang="es-PY" dirty="0" smtClean="0"/>
+              <a:t>planificar </a:t>
             </a:r>
             <a:r>
               <a:rPr lang="es-PY" dirty="0"/>
@@ -9340,7 +9344,7 @@
   <a:extraClrSchemeLst/>
   <a:extLst>
     <a:ext uri="{05A4C25C-085E-4340-85A3-A5531E510DB2}">
-      <thm15:themeFamily xmlns:thm15="http://schemas.microsoft.com/office/thememl/2012/main" xmlns="" name="Ion" id="{B8441ADB-2E43-4AF7-B97A-BD870242C6A8}" vid="{292E63A9-BB86-4E3D-B92A-7223C6510D2E}"/>
+      <thm15:themeFamily xmlns="" xmlns:thm15="http://schemas.microsoft.com/office/thememl/2012/main" name="Ion" id="{B8441ADB-2E43-4AF7-B97A-BD870242C6A8}" vid="{292E63A9-BB86-4E3D-B92A-7223C6510D2E}"/>
     </a:ext>
   </a:extLst>
 </a:theme>

--- a/Presentacion de Clase.pptx
+++ b/Presentacion de Clase.pptx
@@ -8,8 +8,16 @@
     <p:sldId id="256" r:id="rId2"/>
     <p:sldId id="258" r:id="rId3"/>
     <p:sldId id="257" r:id="rId4"/>
-    <p:sldId id="259" r:id="rId5"/>
-    <p:sldId id="260" r:id="rId6"/>
+    <p:sldId id="261" r:id="rId5"/>
+    <p:sldId id="262" r:id="rId6"/>
+    <p:sldId id="268" r:id="rId7"/>
+    <p:sldId id="266" r:id="rId8"/>
+    <p:sldId id="267" r:id="rId9"/>
+    <p:sldId id="263" r:id="rId10"/>
+    <p:sldId id="264" r:id="rId11"/>
+    <p:sldId id="265" r:id="rId12"/>
+    <p:sldId id="259" r:id="rId13"/>
+    <p:sldId id="260" r:id="rId14"/>
   </p:sldIdLst>
   <p:sldSz cx="12192000" cy="6858000"/>
   <p:notesSz cx="6858000" cy="9144000"/>
@@ -108,6 +116,11 @@
       </a:defRPr>
     </a:lvl9pPr>
   </p:defaultTextStyle>
+  <p:extLst>
+    <p:ext uri="{EFAFB233-063F-42B5-8137-9DF3F51BA10A}">
+      <p15:sldGuideLst xmlns:p15="http://schemas.microsoft.com/office/powerpoint/2012/main"/>
+    </p:ext>
+  </p:extLst>
 </p:presentation>
 </file>
 
@@ -297,7 +310,7 @@
           <a:p>
             <a:fld id="{4AAD347D-5ACD-4C99-B74B-A9C85AD731AF}" type="datetimeFigureOut">
               <a:rPr lang="en-US" dirty="0"/>
-              <a:t>4/10/2016</a:t>
+              <a:t>4/11/2016</a:t>
             </a:fld>
             <a:endParaRPr lang="en-US" dirty="0"/>
           </a:p>
@@ -567,7 +580,7 @@
           <a:p>
             <a:fld id="{4509A250-FF31-4206-8172-F9D3106AACB1}" type="datetimeFigureOut">
               <a:rPr lang="en-US" dirty="0"/>
-              <a:t>4/10/2016</a:t>
+              <a:t>4/11/2016</a:t>
             </a:fld>
             <a:endParaRPr lang="en-US" dirty="0"/>
           </a:p>
@@ -756,7 +769,7 @@
           <a:p>
             <a:fld id="{4509A250-FF31-4206-8172-F9D3106AACB1}" type="datetimeFigureOut">
               <a:rPr lang="en-US" dirty="0"/>
-              <a:t>4/10/2016</a:t>
+              <a:t>4/11/2016</a:t>
             </a:fld>
             <a:endParaRPr lang="en-US" dirty="0"/>
           </a:p>
@@ -1024,7 +1037,7 @@
           <a:p>
             <a:fld id="{4509A250-FF31-4206-8172-F9D3106AACB1}" type="datetimeFigureOut">
               <a:rPr lang="en-US" dirty="0"/>
-              <a:t>4/10/2016</a:t>
+              <a:t>4/11/2016</a:t>
             </a:fld>
             <a:endParaRPr lang="en-US" dirty="0"/>
           </a:p>
@@ -1360,7 +1373,7 @@
           <a:p>
             <a:fld id="{4509A250-FF31-4206-8172-F9D3106AACB1}" type="datetimeFigureOut">
               <a:rPr lang="en-US" dirty="0"/>
-              <a:t>4/10/2016</a:t>
+              <a:t>4/11/2016</a:t>
             </a:fld>
             <a:endParaRPr lang="en-US" dirty="0"/>
           </a:p>
@@ -1978,7 +1991,7 @@
           <a:p>
             <a:fld id="{4509A250-FF31-4206-8172-F9D3106AACB1}" type="datetimeFigureOut">
               <a:rPr lang="en-US" dirty="0"/>
-              <a:t>4/10/2016</a:t>
+              <a:t>4/11/2016</a:t>
             </a:fld>
             <a:endParaRPr lang="en-US" dirty="0"/>
           </a:p>
@@ -2833,7 +2846,7 @@
           <a:p>
             <a:fld id="{4509A250-FF31-4206-8172-F9D3106AACB1}" type="datetimeFigureOut">
               <a:rPr lang="en-US" dirty="0"/>
-              <a:t>4/10/2016</a:t>
+              <a:t>4/11/2016</a:t>
             </a:fld>
             <a:endParaRPr lang="en-US" dirty="0"/>
           </a:p>
@@ -2998,7 +3011,7 @@
           <a:p>
             <a:fld id="{4509A250-FF31-4206-8172-F9D3106AACB1}" type="datetimeFigureOut">
               <a:rPr lang="en-US" dirty="0"/>
-              <a:t>4/10/2016</a:t>
+              <a:t>4/11/2016</a:t>
             </a:fld>
             <a:endParaRPr lang="en-US" dirty="0"/>
           </a:p>
@@ -3173,7 +3186,7 @@
           <a:p>
             <a:fld id="{4509A250-FF31-4206-8172-F9D3106AACB1}" type="datetimeFigureOut">
               <a:rPr lang="en-US" dirty="0"/>
-              <a:t>4/10/2016</a:t>
+              <a:t>4/11/2016</a:t>
             </a:fld>
             <a:endParaRPr lang="en-US" dirty="0"/>
           </a:p>
@@ -3338,7 +3351,7 @@
           <a:p>
             <a:fld id="{4509A250-FF31-4206-8172-F9D3106AACB1}" type="datetimeFigureOut">
               <a:rPr lang="en-US" dirty="0"/>
-              <a:t>4/10/2016</a:t>
+              <a:t>4/11/2016</a:t>
             </a:fld>
             <a:endParaRPr lang="en-US" dirty="0"/>
           </a:p>
@@ -3580,7 +3593,7 @@
           <a:p>
             <a:fld id="{9796027F-7875-4030-9381-8BD8C4F21935}" type="datetimeFigureOut">
               <a:rPr lang="en-US" dirty="0"/>
-              <a:t>4/10/2016</a:t>
+              <a:t>4/11/2016</a:t>
             </a:fld>
             <a:endParaRPr lang="en-US" dirty="0"/>
           </a:p>
@@ -3867,7 +3880,7 @@
           <a:p>
             <a:fld id="{9796027F-7875-4030-9381-8BD8C4F21935}" type="datetimeFigureOut">
               <a:rPr lang="en-US" dirty="0"/>
-              <a:t>4/10/2016</a:t>
+              <a:t>4/11/2016</a:t>
             </a:fld>
             <a:endParaRPr lang="en-US" dirty="0"/>
           </a:p>
@@ -4306,7 +4319,7 @@
           <a:p>
             <a:fld id="{9796027F-7875-4030-9381-8BD8C4F21935}" type="datetimeFigureOut">
               <a:rPr lang="en-US" dirty="0"/>
-              <a:t>4/10/2016</a:t>
+              <a:t>4/11/2016</a:t>
             </a:fld>
             <a:endParaRPr lang="en-US" dirty="0"/>
           </a:p>
@@ -4419,7 +4432,7 @@
           <a:p>
             <a:fld id="{4509A250-FF31-4206-8172-F9D3106AACB1}" type="datetimeFigureOut">
               <a:rPr lang="en-US" dirty="0"/>
-              <a:t>4/10/2016</a:t>
+              <a:t>4/11/2016</a:t>
             </a:fld>
             <a:endParaRPr lang="en-US" dirty="0"/>
           </a:p>
@@ -4509,7 +4522,7 @@
           <a:p>
             <a:fld id="{4509A250-FF31-4206-8172-F9D3106AACB1}" type="datetimeFigureOut">
               <a:rPr lang="en-US" dirty="0"/>
-              <a:t>4/10/2016</a:t>
+              <a:t>4/11/2016</a:t>
             </a:fld>
             <a:endParaRPr lang="en-US" dirty="0"/>
           </a:p>
@@ -4783,7 +4796,7 @@
           <a:p>
             <a:fld id="{4509A250-FF31-4206-8172-F9D3106AACB1}" type="datetimeFigureOut">
               <a:rPr lang="en-US" dirty="0"/>
-              <a:t>4/10/2016</a:t>
+              <a:t>4/11/2016</a:t>
             </a:fld>
             <a:endParaRPr lang="en-US" dirty="0"/>
           </a:p>
@@ -5053,7 +5066,7 @@
           <a:p>
             <a:fld id="{4509A250-FF31-4206-8172-F9D3106AACB1}" type="datetimeFigureOut">
               <a:rPr lang="en-US" dirty="0"/>
-              <a:t>4/10/2016</a:t>
+              <a:t>4/11/2016</a:t>
             </a:fld>
             <a:endParaRPr lang="en-US" dirty="0"/>
           </a:p>
@@ -5477,7 +5490,7 @@
           <a:p>
             <a:fld id="{4AAD347D-5ACD-4C99-B74B-A9C85AD731AF}" type="datetimeFigureOut">
               <a:rPr lang="en-US" dirty="0"/>
-              <a:t>4/10/2016</a:t>
+              <a:t>4/11/2016</a:t>
             </a:fld>
             <a:endParaRPr lang="en-US" dirty="0"/>
           </a:p>
@@ -6128,10 +6141,17 @@
   <p:clrMapOvr>
     <a:masterClrMapping/>
   </p:clrMapOvr>
+  <p:timing>
+    <p:tnLst>
+      <p:par>
+        <p:cTn id="1" dur="indefinite" restart="never" nodeType="tmRoot"/>
+      </p:par>
+    </p:tnLst>
+  </p:timing>
 </p:sld>
 </file>
 
-<file path=ppt/slides/slide2.xml><?xml version="1.0" encoding="utf-8"?>
+<file path=ppt/slides/slide10.xml><?xml version="1.0" encoding="utf-8"?>
 <p:sld xmlns:a="http://schemas.openxmlformats.org/drawingml/2006/main" xmlns:r="http://schemas.openxmlformats.org/officeDocument/2006/relationships" xmlns:p="http://schemas.openxmlformats.org/presentationml/2006/main">
   <p:cSld>
     <p:spTree>
@@ -6148,77 +6168,64 @@
           <a:chExt cx="0" cy="0"/>
         </a:xfrm>
       </p:grpSpPr>
-      <p:sp>
-        <p:nvSpPr>
-          <p:cNvPr id="2" name="Título 1"/>
-          <p:cNvSpPr>
-            <a:spLocks noGrp="1"/>
-          </p:cNvSpPr>
-          <p:nvPr>
-            <p:ph type="title"/>
-          </p:nvPr>
-        </p:nvSpPr>
+      <p:pic>
+        <p:nvPicPr>
+          <p:cNvPr id="4" name="Marcador de contenido 3"/>
+          <p:cNvPicPr>
+            <a:picLocks noGrp="1" noChangeAspect="1"/>
+          </p:cNvPicPr>
+          <p:nvPr>
+            <p:ph idx="1"/>
+          </p:nvPr>
+        </p:nvPicPr>
+        <p:blipFill rotWithShape="1">
+          <a:blip r:embed="rId2"/>
+          <a:srcRect l="26698" t="29965" r="11693" b="20924"/>
+          <a:stretch/>
+        </p:blipFill>
         <p:spPr>
           <a:xfrm>
-            <a:off x="889235" y="1880687"/>
-            <a:ext cx="9404723" cy="1400530"/>
+            <a:off x="1183326" y="1043189"/>
+            <a:ext cx="9956899" cy="5127243"/>
           </a:xfrm>
+          <a:prstGeom prst="rect">
+            <a:avLst/>
+          </a:prstGeom>
+          <a:ln w="228600" cap="sq" cmpd="thickThin">
+            <a:solidFill>
+              <a:srgbClr val="000000"/>
+            </a:solidFill>
+            <a:prstDash val="solid"/>
+            <a:miter lim="800000"/>
+          </a:ln>
+          <a:effectLst>
+            <a:innerShdw blurRad="76200">
+              <a:srgbClr val="000000"/>
+            </a:innerShdw>
+          </a:effectLst>
         </p:spPr>
-        <p:txBody>
-          <a:bodyPr/>
-          <a:lstStyle/>
-          <a:p>
-            <a:pPr algn="ctr"/>
-            <a:r>
-              <a:rPr lang="es-ES" sz="9600" dirty="0"/>
-              <a:t>Grupo </a:t>
-            </a:r>
-            <a:r>
-              <a:rPr lang="es-ES" sz="9600" dirty="0" err="1"/>
-              <a:t>DeliverYapp</a:t>
-            </a:r>
-            <a:endParaRPr lang="es-ES" sz="9600" dirty="0"/>
-          </a:p>
-        </p:txBody>
-      </p:sp>
-      <p:sp>
-        <p:nvSpPr>
-          <p:cNvPr id="3" name="Marcador de contenido 2"/>
-          <p:cNvSpPr>
-            <a:spLocks noGrp="1"/>
-          </p:cNvSpPr>
-          <p:nvPr>
-            <p:ph idx="1"/>
-          </p:nvPr>
-        </p:nvSpPr>
-        <p:spPr>
-          <a:xfrm>
-            <a:off x="1133341" y="4790941"/>
-            <a:ext cx="8916512" cy="1457458"/>
-          </a:xfrm>
-        </p:spPr>
-        <p:txBody>
-          <a:bodyPr/>
-          <a:lstStyle/>
-          <a:p>
-            <a:endParaRPr lang="es-ES" dirty="0"/>
-          </a:p>
-        </p:txBody>
-      </p:sp>
+      </p:pic>
     </p:spTree>
     <p:extLst>
       <p:ext uri="{BB962C8B-B14F-4D97-AF65-F5344CB8AC3E}">
-        <p14:creationId xmlns:p14="http://schemas.microsoft.com/office/powerpoint/2010/main" val="3337829733"/>
+        <p14:creationId xmlns:p14="http://schemas.microsoft.com/office/powerpoint/2010/main" val="3314193903"/>
       </p:ext>
     </p:extLst>
   </p:cSld>
   <p:clrMapOvr>
     <a:masterClrMapping/>
   </p:clrMapOvr>
+  <p:timing>
+    <p:tnLst>
+      <p:par>
+        <p:cTn id="1" dur="indefinite" restart="never" nodeType="tmRoot"/>
+      </p:par>
+    </p:tnLst>
+  </p:timing>
 </p:sld>
 </file>
 
-<file path=ppt/slides/slide3.xml><?xml version="1.0" encoding="utf-8"?>
+<file path=ppt/slides/slide11.xml><?xml version="1.0" encoding="utf-8"?>
 <p:sld xmlns:a="http://schemas.openxmlformats.org/drawingml/2006/main" xmlns:r="http://schemas.openxmlformats.org/officeDocument/2006/relationships" xmlns:p="http://schemas.openxmlformats.org/presentationml/2006/main">
   <p:cSld>
     <p:spTree>
@@ -6235,116 +6242,95 @@
           <a:chExt cx="0" cy="0"/>
         </a:xfrm>
       </p:grpSpPr>
-      <p:sp>
-        <p:nvSpPr>
-          <p:cNvPr id="2" name="Título 1"/>
-          <p:cNvSpPr>
-            <a:spLocks noGrp="1"/>
-          </p:cNvSpPr>
-          <p:nvPr>
-            <p:ph type="title"/>
-          </p:nvPr>
-        </p:nvSpPr>
+      <p:pic>
+        <p:nvPicPr>
+          <p:cNvPr id="4" name="Marcador de contenido 3"/>
+          <p:cNvPicPr>
+            <a:picLocks noGrp="1" noChangeAspect="1"/>
+          </p:cNvPicPr>
+          <p:nvPr>
+            <p:ph idx="1"/>
+          </p:nvPr>
+        </p:nvPicPr>
+        <p:blipFill>
+          <a:blip r:embed="rId2"/>
+          <a:stretch>
+            <a:fillRect/>
+          </a:stretch>
+        </p:blipFill>
         <p:spPr>
           <a:xfrm>
-            <a:off x="1103312" y="504232"/>
-            <a:ext cx="9404723" cy="912443"/>
+            <a:off x="1103313" y="3483686"/>
+            <a:ext cx="8947150" cy="1333665"/>
           </a:xfrm>
+          <a:prstGeom prst="rect">
+            <a:avLst/>
+          </a:prstGeom>
         </p:spPr>
-        <p:txBody>
-          <a:bodyPr/>
-          <a:lstStyle/>
-          <a:p>
-            <a:r>
-              <a:rPr lang="es-ES" dirty="0" smtClean="0"/>
-              <a:t>Integrantes;</a:t>
-            </a:r>
-            <a:endParaRPr lang="es-ES" dirty="0"/>
-          </a:p>
-        </p:txBody>
-      </p:sp>
-      <p:sp>
-        <p:nvSpPr>
-          <p:cNvPr id="3" name="Marcador de contenido 2"/>
-          <p:cNvSpPr>
-            <a:spLocks noGrp="1"/>
-          </p:cNvSpPr>
-          <p:nvPr>
-            <p:ph idx="1"/>
-          </p:nvPr>
-        </p:nvSpPr>
+      </p:pic>
+      <p:pic>
+        <p:nvPicPr>
+          <p:cNvPr id="6" name="Imagen 5"/>
+          <p:cNvPicPr>
+            <a:picLocks noChangeAspect="1"/>
+          </p:cNvPicPr>
+          <p:nvPr/>
+        </p:nvPicPr>
+        <p:blipFill>
+          <a:blip r:embed="rId2"/>
+          <a:stretch>
+            <a:fillRect/>
+          </a:stretch>
+        </p:blipFill>
         <p:spPr>
           <a:xfrm>
-            <a:off x="1103312" y="2052918"/>
-            <a:ext cx="8946541" cy="3240299"/>
+            <a:off x="1392528" y="2727899"/>
+            <a:ext cx="9406943" cy="1402202"/>
           </a:xfrm>
+          <a:prstGeom prst="rect">
+            <a:avLst/>
+          </a:prstGeom>
         </p:spPr>
-        <p:txBody>
-          <a:bodyPr/>
-          <a:lstStyle/>
-          <a:p>
-            <a:r>
-              <a:rPr lang="es-ES" dirty="0" smtClean="0"/>
-              <a:t>Francisco Benitez</a:t>
-            </a:r>
-          </a:p>
-          <a:p>
-            <a:r>
-              <a:rPr lang="es-ES" dirty="0" smtClean="0"/>
-              <a:t>Melanie </a:t>
-            </a:r>
-            <a:r>
-              <a:rPr lang="es-ES" dirty="0" err="1" smtClean="0"/>
-              <a:t>Florentin</a:t>
-            </a:r>
-            <a:endParaRPr lang="es-ES" dirty="0" smtClean="0"/>
-          </a:p>
-          <a:p>
-            <a:r>
-              <a:rPr lang="es-ES" dirty="0" err="1" smtClean="0"/>
-              <a:t>Miryam</a:t>
-            </a:r>
-            <a:r>
-              <a:rPr lang="es-ES" dirty="0" smtClean="0"/>
-              <a:t> Medina</a:t>
-            </a:r>
-          </a:p>
-          <a:p>
-            <a:r>
-              <a:rPr lang="es-ES" dirty="0" smtClean="0"/>
-              <a:t>Ricardo Maciel</a:t>
-            </a:r>
-          </a:p>
-          <a:p>
-            <a:r>
-              <a:rPr lang="es-ES" dirty="0" smtClean="0"/>
-              <a:t>Sebastian Kazlauskas</a:t>
-            </a:r>
-          </a:p>
-          <a:p>
-            <a:r>
-              <a:rPr lang="es-ES" dirty="0" smtClean="0"/>
-              <a:t>Jorge </a:t>
-            </a:r>
-            <a:r>
-              <a:rPr lang="es-ES" dirty="0" err="1" smtClean="0"/>
-              <a:t>Sanchez</a:t>
-            </a:r>
-            <a:endParaRPr lang="es-ES" dirty="0" smtClean="0"/>
-          </a:p>
-          <a:p>
-            <a:r>
-              <a:rPr lang="es-ES" dirty="0" smtClean="0"/>
-              <a:t>Orlando Cardozo</a:t>
-            </a:r>
-            <a:endParaRPr lang="es-ES" dirty="0"/>
-          </a:p>
-        </p:txBody>
-      </p:sp>
+      </p:pic>
+      <p:pic>
+        <p:nvPicPr>
+          <p:cNvPr id="7" name="Imagen 6"/>
+          <p:cNvPicPr>
+            <a:picLocks noChangeAspect="1"/>
+          </p:cNvPicPr>
+          <p:nvPr/>
+        </p:nvPicPr>
+        <p:blipFill rotWithShape="1">
+          <a:blip r:embed="rId3"/>
+          <a:srcRect l="27802" t="21407" r="15069" b="18151"/>
+          <a:stretch/>
+        </p:blipFill>
+        <p:spPr>
+          <a:xfrm>
+            <a:off x="1340075" y="1114022"/>
+            <a:ext cx="8710388" cy="5181179"/>
+          </a:xfrm>
+          <a:prstGeom prst="rect">
+            <a:avLst/>
+          </a:prstGeom>
+          <a:ln w="228600" cap="sq" cmpd="thickThin">
+            <a:solidFill>
+              <a:srgbClr val="000000"/>
+            </a:solidFill>
+            <a:prstDash val="solid"/>
+            <a:miter lim="800000"/>
+          </a:ln>
+          <a:effectLst>
+            <a:innerShdw blurRad="76200">
+              <a:srgbClr val="000000"/>
+            </a:innerShdw>
+          </a:effectLst>
+        </p:spPr>
+      </p:pic>
     </p:spTree>
     <p:extLst>
       <p:ext uri="{BB962C8B-B14F-4D97-AF65-F5344CB8AC3E}">
-        <p14:creationId xmlns:p14="http://schemas.microsoft.com/office/powerpoint/2010/main" val="2888070594"/>
+        <p14:creationId xmlns:p14="http://schemas.microsoft.com/office/powerpoint/2010/main" val="3111995629"/>
       </p:ext>
     </p:extLst>
   </p:cSld>
@@ -6354,7 +6340,7 @@
 </p:sld>
 </file>
 
-<file path=ppt/slides/slide4.xml><?xml version="1.0" encoding="utf-8"?>
+<file path=ppt/slides/slide12.xml><?xml version="1.0" encoding="utf-8"?>
 <p:sld xmlns:a="http://schemas.openxmlformats.org/drawingml/2006/main" xmlns:r="http://schemas.openxmlformats.org/officeDocument/2006/relationships" xmlns:p="http://schemas.openxmlformats.org/presentationml/2006/main">
   <p:cSld>
     <p:spTree>
@@ -6407,6 +6393,521 @@
   <p:clrMapOvr>
     <a:masterClrMapping/>
   </p:clrMapOvr>
+  <p:timing>
+    <p:tnLst>
+      <p:par>
+        <p:cTn id="1" dur="indefinite" restart="never" nodeType="tmRoot"/>
+      </p:par>
+    </p:tnLst>
+  </p:timing>
+</p:sld>
+</file>
+
+<file path=ppt/slides/slide13.xml><?xml version="1.0" encoding="utf-8"?>
+<p:sld xmlns:a="http://schemas.openxmlformats.org/drawingml/2006/main" xmlns:r="http://schemas.openxmlformats.org/officeDocument/2006/relationships" xmlns:p="http://schemas.openxmlformats.org/presentationml/2006/main">
+  <p:cSld>
+    <p:spTree>
+      <p:nvGrpSpPr>
+        <p:cNvPr id="1" name=""/>
+        <p:cNvGrpSpPr/>
+        <p:nvPr/>
+      </p:nvGrpSpPr>
+      <p:grpSpPr>
+        <a:xfrm>
+          <a:off x="0" y="0"/>
+          <a:ext cx="0" cy="0"/>
+          <a:chOff x="0" y="0"/>
+          <a:chExt cx="0" cy="0"/>
+        </a:xfrm>
+      </p:grpSpPr>
+      <p:sp>
+        <p:nvSpPr>
+          <p:cNvPr id="2" name="Título 1"/>
+          <p:cNvSpPr>
+            <a:spLocks noGrp="1"/>
+          </p:cNvSpPr>
+          <p:nvPr>
+            <p:ph type="title"/>
+          </p:nvPr>
+        </p:nvSpPr>
+        <p:spPr/>
+        <p:txBody>
+          <a:bodyPr/>
+          <a:lstStyle/>
+          <a:p>
+            <a:r>
+              <a:rPr lang="es-ES" dirty="0" smtClean="0"/>
+              <a:t>Roles del Grupo</a:t>
+            </a:r>
+            <a:br>
+              <a:rPr lang="es-ES" dirty="0" smtClean="0"/>
+            </a:br>
+            <a:endParaRPr lang="es-ES" dirty="0"/>
+          </a:p>
+        </p:txBody>
+      </p:sp>
+      <p:sp>
+        <p:nvSpPr>
+          <p:cNvPr id="3" name="Marcador de contenido 2"/>
+          <p:cNvSpPr>
+            <a:spLocks noGrp="1"/>
+          </p:cNvSpPr>
+          <p:nvPr>
+            <p:ph idx="1"/>
+          </p:nvPr>
+        </p:nvSpPr>
+        <p:spPr/>
+        <p:txBody>
+          <a:bodyPr/>
+          <a:lstStyle/>
+          <a:p>
+            <a:pPr lvl="0"/>
+            <a:r>
+              <a:rPr lang="es-ES" dirty="0"/>
+              <a:t>Líder: </a:t>
+            </a:r>
+          </a:p>
+          <a:p>
+            <a:pPr lvl="0"/>
+            <a:r>
+              <a:rPr lang="es-ES" dirty="0"/>
+              <a:t>Riesgos: </a:t>
+            </a:r>
+          </a:p>
+          <a:p>
+            <a:pPr lvl="0"/>
+            <a:r>
+              <a:rPr lang="es-ES" dirty="0"/>
+              <a:t>Documentación: </a:t>
+            </a:r>
+          </a:p>
+          <a:p>
+            <a:pPr lvl="0"/>
+            <a:r>
+              <a:rPr lang="es-ES" dirty="0"/>
+              <a:t>Gestor de configuraciones</a:t>
+            </a:r>
+            <a:r>
+              <a:rPr lang="es-ES" dirty="0" smtClean="0"/>
+              <a:t>:</a:t>
+            </a:r>
+            <a:endParaRPr lang="es-ES" dirty="0"/>
+          </a:p>
+          <a:p>
+            <a:pPr lvl="0"/>
+            <a:r>
+              <a:rPr lang="es-ES" dirty="0"/>
+              <a:t>Desarrollador</a:t>
+            </a:r>
+            <a:r>
+              <a:rPr lang="es-ES"/>
+              <a:t>: </a:t>
+            </a:r>
+            <a:endParaRPr lang="es-ES" dirty="0"/>
+          </a:p>
+          <a:p>
+            <a:pPr lvl="0"/>
+            <a:r>
+              <a:rPr lang="es-ES" dirty="0" err="1"/>
+              <a:t>Testin</a:t>
+            </a:r>
+            <a:r>
+              <a:rPr lang="es-ES" dirty="0"/>
+              <a:t> </a:t>
+            </a:r>
+            <a:r>
+              <a:rPr lang="es-ES" dirty="0" smtClean="0"/>
+              <a:t>:</a:t>
+            </a:r>
+            <a:endParaRPr lang="es-ES" dirty="0"/>
+          </a:p>
+          <a:p>
+            <a:pPr marL="0" indent="0">
+              <a:buNone/>
+            </a:pPr>
+            <a:endParaRPr lang="es-ES" dirty="0"/>
+          </a:p>
+        </p:txBody>
+      </p:sp>
+    </p:spTree>
+    <p:extLst>
+      <p:ext uri="{BB962C8B-B14F-4D97-AF65-F5344CB8AC3E}">
+        <p14:creationId xmlns:p14="http://schemas.microsoft.com/office/powerpoint/2010/main" val="2054422862"/>
+      </p:ext>
+    </p:extLst>
+  </p:cSld>
+  <p:clrMapOvr>
+    <a:masterClrMapping/>
+  </p:clrMapOvr>
+  <p:timing>
+    <p:tnLst>
+      <p:par>
+        <p:cTn id="1" dur="indefinite" restart="never" nodeType="tmRoot"/>
+      </p:par>
+    </p:tnLst>
+  </p:timing>
+</p:sld>
+</file>
+
+<file path=ppt/slides/slide2.xml><?xml version="1.0" encoding="utf-8"?>
+<p:sld xmlns:a="http://schemas.openxmlformats.org/drawingml/2006/main" xmlns:r="http://schemas.openxmlformats.org/officeDocument/2006/relationships" xmlns:p="http://schemas.openxmlformats.org/presentationml/2006/main">
+  <p:cSld>
+    <p:spTree>
+      <p:nvGrpSpPr>
+        <p:cNvPr id="1" name=""/>
+        <p:cNvGrpSpPr/>
+        <p:nvPr/>
+      </p:nvGrpSpPr>
+      <p:grpSpPr>
+        <a:xfrm>
+          <a:off x="0" y="0"/>
+          <a:ext cx="0" cy="0"/>
+          <a:chOff x="0" y="0"/>
+          <a:chExt cx="0" cy="0"/>
+        </a:xfrm>
+      </p:grpSpPr>
+      <p:sp>
+        <p:nvSpPr>
+          <p:cNvPr id="2" name="Título 1"/>
+          <p:cNvSpPr>
+            <a:spLocks noGrp="1"/>
+          </p:cNvSpPr>
+          <p:nvPr>
+            <p:ph type="title"/>
+          </p:nvPr>
+        </p:nvSpPr>
+        <p:spPr>
+          <a:xfrm>
+            <a:off x="889235" y="1880687"/>
+            <a:ext cx="9404723" cy="1400530"/>
+          </a:xfrm>
+        </p:spPr>
+        <p:txBody>
+          <a:bodyPr/>
+          <a:lstStyle/>
+          <a:p>
+            <a:pPr algn="ctr"/>
+            <a:r>
+              <a:rPr lang="es-ES" sz="9600" dirty="0"/>
+              <a:t>Grupo </a:t>
+            </a:r>
+            <a:r>
+              <a:rPr lang="es-ES" sz="9600" dirty="0" err="1"/>
+              <a:t>DeliverYapp</a:t>
+            </a:r>
+            <a:endParaRPr lang="es-ES" sz="9600" dirty="0"/>
+          </a:p>
+        </p:txBody>
+      </p:sp>
+      <p:sp>
+        <p:nvSpPr>
+          <p:cNvPr id="3" name="Marcador de contenido 2"/>
+          <p:cNvSpPr>
+            <a:spLocks noGrp="1"/>
+          </p:cNvSpPr>
+          <p:nvPr>
+            <p:ph idx="1"/>
+          </p:nvPr>
+        </p:nvSpPr>
+        <p:spPr>
+          <a:xfrm>
+            <a:off x="1133341" y="4790941"/>
+            <a:ext cx="8916512" cy="1457458"/>
+          </a:xfrm>
+        </p:spPr>
+        <p:txBody>
+          <a:bodyPr/>
+          <a:lstStyle/>
+          <a:p>
+            <a:endParaRPr lang="es-ES" dirty="0"/>
+          </a:p>
+        </p:txBody>
+      </p:sp>
+    </p:spTree>
+    <p:extLst>
+      <p:ext uri="{BB962C8B-B14F-4D97-AF65-F5344CB8AC3E}">
+        <p14:creationId xmlns:p14="http://schemas.microsoft.com/office/powerpoint/2010/main" val="3337829733"/>
+      </p:ext>
+    </p:extLst>
+  </p:cSld>
+  <p:clrMapOvr>
+    <a:masterClrMapping/>
+  </p:clrMapOvr>
+  <p:timing>
+    <p:tnLst>
+      <p:par>
+        <p:cTn id="1" dur="indefinite" restart="never" nodeType="tmRoot"/>
+      </p:par>
+    </p:tnLst>
+  </p:timing>
+</p:sld>
+</file>
+
+<file path=ppt/slides/slide3.xml><?xml version="1.0" encoding="utf-8"?>
+<p:sld xmlns:a="http://schemas.openxmlformats.org/drawingml/2006/main" xmlns:r="http://schemas.openxmlformats.org/officeDocument/2006/relationships" xmlns:p="http://schemas.openxmlformats.org/presentationml/2006/main">
+  <p:cSld>
+    <p:spTree>
+      <p:nvGrpSpPr>
+        <p:cNvPr id="1" name=""/>
+        <p:cNvGrpSpPr/>
+        <p:nvPr/>
+      </p:nvGrpSpPr>
+      <p:grpSpPr>
+        <a:xfrm>
+          <a:off x="0" y="0"/>
+          <a:ext cx="0" cy="0"/>
+          <a:chOff x="0" y="0"/>
+          <a:chExt cx="0" cy="0"/>
+        </a:xfrm>
+      </p:grpSpPr>
+      <p:sp>
+        <p:nvSpPr>
+          <p:cNvPr id="2" name="Título 1"/>
+          <p:cNvSpPr>
+            <a:spLocks noGrp="1"/>
+          </p:cNvSpPr>
+          <p:nvPr>
+            <p:ph type="title"/>
+          </p:nvPr>
+        </p:nvSpPr>
+        <p:spPr>
+          <a:xfrm>
+            <a:off x="1103312" y="504232"/>
+            <a:ext cx="9404723" cy="912443"/>
+          </a:xfrm>
+        </p:spPr>
+        <p:txBody>
+          <a:bodyPr/>
+          <a:lstStyle/>
+          <a:p>
+            <a:r>
+              <a:rPr lang="es-ES" dirty="0" smtClean="0"/>
+              <a:t>Integrantes;</a:t>
+            </a:r>
+            <a:endParaRPr lang="es-ES" dirty="0"/>
+          </a:p>
+        </p:txBody>
+      </p:sp>
+      <p:sp>
+        <p:nvSpPr>
+          <p:cNvPr id="3" name="Marcador de contenido 2"/>
+          <p:cNvSpPr>
+            <a:spLocks noGrp="1"/>
+          </p:cNvSpPr>
+          <p:nvPr>
+            <p:ph idx="1"/>
+          </p:nvPr>
+        </p:nvSpPr>
+        <p:spPr>
+          <a:xfrm>
+            <a:off x="1103312" y="2052918"/>
+            <a:ext cx="8946541" cy="3240299"/>
+          </a:xfrm>
+        </p:spPr>
+        <p:txBody>
+          <a:bodyPr/>
+          <a:lstStyle/>
+          <a:p>
+            <a:r>
+              <a:rPr lang="es-ES" dirty="0" smtClean="0"/>
+              <a:t>Francisco Benitez</a:t>
+            </a:r>
+          </a:p>
+          <a:p>
+            <a:r>
+              <a:rPr lang="es-ES" dirty="0" smtClean="0"/>
+              <a:t>Melanie </a:t>
+            </a:r>
+            <a:r>
+              <a:rPr lang="es-ES" dirty="0" err="1" smtClean="0"/>
+              <a:t>Florentin</a:t>
+            </a:r>
+            <a:endParaRPr lang="es-ES" dirty="0" smtClean="0"/>
+          </a:p>
+          <a:p>
+            <a:r>
+              <a:rPr lang="es-ES" dirty="0" err="1" smtClean="0"/>
+              <a:t>Miryam</a:t>
+            </a:r>
+            <a:r>
+              <a:rPr lang="es-ES" dirty="0" smtClean="0"/>
+              <a:t> Medina</a:t>
+            </a:r>
+          </a:p>
+          <a:p>
+            <a:r>
+              <a:rPr lang="es-ES" dirty="0" smtClean="0"/>
+              <a:t>Ricardo Maciel</a:t>
+            </a:r>
+          </a:p>
+          <a:p>
+            <a:r>
+              <a:rPr lang="es-ES" dirty="0" smtClean="0"/>
+              <a:t>Sebastian Kazlauskas</a:t>
+            </a:r>
+          </a:p>
+          <a:p>
+            <a:r>
+              <a:rPr lang="es-ES" dirty="0" smtClean="0"/>
+              <a:t>Jorge </a:t>
+            </a:r>
+            <a:r>
+              <a:rPr lang="es-ES" dirty="0" err="1" smtClean="0"/>
+              <a:t>Sanchez</a:t>
+            </a:r>
+            <a:endParaRPr lang="es-ES" dirty="0" smtClean="0"/>
+          </a:p>
+          <a:p>
+            <a:r>
+              <a:rPr lang="es-ES" dirty="0" smtClean="0"/>
+              <a:t>Orlando Cardozo</a:t>
+            </a:r>
+            <a:endParaRPr lang="es-ES" dirty="0"/>
+          </a:p>
+        </p:txBody>
+      </p:sp>
+    </p:spTree>
+    <p:extLst>
+      <p:ext uri="{BB962C8B-B14F-4D97-AF65-F5344CB8AC3E}">
+        <p14:creationId xmlns:p14="http://schemas.microsoft.com/office/powerpoint/2010/main" val="2888070594"/>
+      </p:ext>
+    </p:extLst>
+  </p:cSld>
+  <p:clrMapOvr>
+    <a:masterClrMapping/>
+  </p:clrMapOvr>
+  <p:timing>
+    <p:tnLst>
+      <p:par>
+        <p:cTn id="1" dur="indefinite" restart="never" nodeType="tmRoot"/>
+      </p:par>
+    </p:tnLst>
+  </p:timing>
+</p:sld>
+</file>
+
+<file path=ppt/slides/slide4.xml><?xml version="1.0" encoding="utf-8"?>
+<p:sld xmlns:a="http://schemas.openxmlformats.org/drawingml/2006/main" xmlns:r="http://schemas.openxmlformats.org/officeDocument/2006/relationships" xmlns:p="http://schemas.openxmlformats.org/presentationml/2006/main">
+  <p:cSld>
+    <p:spTree>
+      <p:nvGrpSpPr>
+        <p:cNvPr id="1" name=""/>
+        <p:cNvGrpSpPr/>
+        <p:nvPr/>
+      </p:nvGrpSpPr>
+      <p:grpSpPr>
+        <a:xfrm>
+          <a:off x="0" y="0"/>
+          <a:ext cx="0" cy="0"/>
+          <a:chOff x="0" y="0"/>
+          <a:chExt cx="0" cy="0"/>
+        </a:xfrm>
+      </p:grpSpPr>
+      <p:sp>
+        <p:nvSpPr>
+          <p:cNvPr id="2" name="Título 1"/>
+          <p:cNvSpPr>
+            <a:spLocks noGrp="1"/>
+          </p:cNvSpPr>
+          <p:nvPr>
+            <p:ph type="title"/>
+          </p:nvPr>
+        </p:nvSpPr>
+        <p:spPr>
+          <a:xfrm>
+            <a:off x="1032477" y="684538"/>
+            <a:ext cx="9404723" cy="1400530"/>
+          </a:xfrm>
+        </p:spPr>
+        <p:txBody>
+          <a:bodyPr/>
+          <a:lstStyle/>
+          <a:p>
+            <a:r>
+              <a:rPr lang="es-ES" sz="6000" dirty="0" smtClean="0"/>
+              <a:t>Alcance del Producto</a:t>
+            </a:r>
+            <a:endParaRPr lang="es-ES" sz="6000" dirty="0"/>
+          </a:p>
+        </p:txBody>
+      </p:sp>
+      <p:sp>
+        <p:nvSpPr>
+          <p:cNvPr id="3" name="Marcador de contenido 2"/>
+          <p:cNvSpPr>
+            <a:spLocks noGrp="1"/>
+          </p:cNvSpPr>
+          <p:nvPr>
+            <p:ph idx="1"/>
+          </p:nvPr>
+        </p:nvSpPr>
+        <p:spPr>
+          <a:xfrm>
+            <a:off x="646111" y="2434108"/>
+            <a:ext cx="10758130" cy="3567448"/>
+          </a:xfrm>
+        </p:spPr>
+        <p:txBody>
+          <a:bodyPr>
+            <a:normAutofit fontScale="92500" lnSpcReduction="10000"/>
+          </a:bodyPr>
+          <a:lstStyle/>
+          <a:p>
+            <a:r>
+              <a:rPr lang="es-ES" sz="2800" dirty="0" err="1"/>
+              <a:t>DeliverYApp</a:t>
+            </a:r>
+            <a:r>
+              <a:rPr lang="es-ES" sz="2800" dirty="0"/>
+              <a:t> será un entorno web en el que se podrán registrar las empresas gastronómicas y así de esa forma poder ofrecer el servicio de </a:t>
+            </a:r>
+            <a:r>
+              <a:rPr lang="es-ES" sz="2800" dirty="0" err="1"/>
+              <a:t>delivery</a:t>
+            </a:r>
+            <a:r>
+              <a:rPr lang="es-ES" sz="2800" dirty="0"/>
+              <a:t> dicho sistema permitirá efectuar pedidos  del menú seleccionado por el cliente, una vez confirmado el pedido el usuario recibe las notificaciones de los pedidos y los procesa. </a:t>
+            </a:r>
+            <a:endParaRPr lang="es-ES" sz="2800" dirty="0" smtClean="0"/>
+          </a:p>
+          <a:p>
+            <a:pPr marL="0" indent="0">
+              <a:buNone/>
+            </a:pPr>
+            <a:endParaRPr lang="es-ES" sz="2800" dirty="0"/>
+          </a:p>
+          <a:p>
+            <a:r>
+              <a:rPr lang="es-ES" sz="2800" dirty="0"/>
+              <a:t>No contará con la funcionalidad de facturación y contabilidad.</a:t>
+            </a:r>
+          </a:p>
+          <a:p>
+            <a:pPr marL="0" indent="0">
+              <a:buNone/>
+            </a:pPr>
+            <a:endParaRPr lang="es-ES" sz="2800" dirty="0"/>
+          </a:p>
+        </p:txBody>
+      </p:sp>
+    </p:spTree>
+    <p:extLst>
+      <p:ext uri="{BB962C8B-B14F-4D97-AF65-F5344CB8AC3E}">
+        <p14:creationId xmlns:p14="http://schemas.microsoft.com/office/powerpoint/2010/main" val="1576659830"/>
+      </p:ext>
+    </p:extLst>
+  </p:cSld>
+  <p:clrMapOvr>
+    <a:masterClrMapping/>
+  </p:clrMapOvr>
+  <p:timing>
+    <p:tnLst>
+      <p:par>
+        <p:cTn id="1" dur="indefinite" restart="never" nodeType="tmRoot"/>
+      </p:par>
+    </p:tnLst>
+  </p:timing>
 </p:sld>
 </file>
 
@@ -6437,18 +6938,20 @@
             <p:ph type="title"/>
           </p:nvPr>
         </p:nvSpPr>
-        <p:spPr/>
+        <p:spPr>
+          <a:xfrm>
+            <a:off x="1103310" y="518722"/>
+            <a:ext cx="9404723" cy="770775"/>
+          </a:xfrm>
+        </p:spPr>
         <p:txBody>
           <a:bodyPr/>
           <a:lstStyle/>
           <a:p>
             <a:r>
               <a:rPr lang="es-ES" dirty="0" smtClean="0"/>
-              <a:t>Roles del Grupo</a:t>
-            </a:r>
-            <a:br>
-              <a:rPr lang="es-ES" dirty="0" smtClean="0"/>
-            </a:br>
+              <a:t>Objetivos del Sistema</a:t>
+            </a:r>
             <a:endParaRPr lang="es-ES" dirty="0"/>
           </a:p>
         </p:txBody>
@@ -6463,75 +6966,763 @@
             <p:ph idx="1"/>
           </p:nvPr>
         </p:nvSpPr>
-        <p:spPr/>
+        <p:spPr>
+          <a:xfrm>
+            <a:off x="1103310" y="1263362"/>
+            <a:ext cx="8946541" cy="1153921"/>
+          </a:xfrm>
+        </p:spPr>
         <p:txBody>
           <a:bodyPr/>
           <a:lstStyle/>
           <a:p>
-            <a:pPr lvl="0"/>
             <a:r>
               <a:rPr lang="es-ES" dirty="0"/>
-              <a:t>Líder: </a:t>
-            </a:r>
-          </a:p>
-          <a:p>
-            <a:pPr lvl="0"/>
+              <a:t>Los objetivos del sistema son minimizar los problemas referentes a la gestión de pedidos de parte del cliente, optimizar la gestión de ventas. </a:t>
+            </a:r>
+          </a:p>
+          <a:p>
+            <a:pPr marL="0" indent="0">
+              <a:buNone/>
+            </a:pPr>
+            <a:endParaRPr lang="es-ES" dirty="0"/>
+          </a:p>
+        </p:txBody>
+      </p:sp>
+      <p:sp>
+        <p:nvSpPr>
+          <p:cNvPr id="5" name="Título 1"/>
+          <p:cNvSpPr txBox="1">
+            <a:spLocks/>
+          </p:cNvSpPr>
+          <p:nvPr/>
+        </p:nvSpPr>
+        <p:spPr>
+          <a:xfrm>
+            <a:off x="1103309" y="2316999"/>
+            <a:ext cx="9404723" cy="770775"/>
+          </a:xfrm>
+          <a:prstGeom prst="rect">
+            <a:avLst/>
+          </a:prstGeom>
+        </p:spPr>
+        <p:txBody>
+          <a:bodyPr vert="horz" lIns="91440" tIns="45720" rIns="91440" bIns="45720" rtlCol="0" anchor="t">
+            <a:noAutofit/>
+          </a:bodyPr>
+          <a:lstStyle>
+            <a:lvl1pPr algn="l" defTabSz="457200" rtl="0" eaLnBrk="1" latinLnBrk="0" hangingPunct="1">
+              <a:spcBef>
+                <a:spcPct val="0"/>
+              </a:spcBef>
+              <a:buNone/>
+              <a:defRPr sz="4200" b="0" i="0" kern="1200">
+                <a:solidFill>
+                  <a:schemeClr val="tx2"/>
+                </a:solidFill>
+                <a:latin typeface="+mj-lt"/>
+                <a:ea typeface="+mj-ea"/>
+                <a:cs typeface="+mj-cs"/>
+              </a:defRPr>
+            </a:lvl1pPr>
+            <a:lvl2pPr eaLnBrk="1" hangingPunct="1">
+              <a:defRPr>
+                <a:solidFill>
+                  <a:schemeClr val="tx2"/>
+                </a:solidFill>
+              </a:defRPr>
+            </a:lvl2pPr>
+            <a:lvl3pPr eaLnBrk="1" hangingPunct="1">
+              <a:defRPr>
+                <a:solidFill>
+                  <a:schemeClr val="tx2"/>
+                </a:solidFill>
+              </a:defRPr>
+            </a:lvl3pPr>
+            <a:lvl4pPr eaLnBrk="1" hangingPunct="1">
+              <a:defRPr>
+                <a:solidFill>
+                  <a:schemeClr val="tx2"/>
+                </a:solidFill>
+              </a:defRPr>
+            </a:lvl4pPr>
+            <a:lvl5pPr eaLnBrk="1" hangingPunct="1">
+              <a:defRPr>
+                <a:solidFill>
+                  <a:schemeClr val="tx2"/>
+                </a:solidFill>
+              </a:defRPr>
+            </a:lvl5pPr>
+            <a:lvl6pPr eaLnBrk="1" hangingPunct="1">
+              <a:defRPr>
+                <a:solidFill>
+                  <a:schemeClr val="tx2"/>
+                </a:solidFill>
+              </a:defRPr>
+            </a:lvl6pPr>
+            <a:lvl7pPr eaLnBrk="1" hangingPunct="1">
+              <a:defRPr>
+                <a:solidFill>
+                  <a:schemeClr val="tx2"/>
+                </a:solidFill>
+              </a:defRPr>
+            </a:lvl7pPr>
+            <a:lvl8pPr eaLnBrk="1" hangingPunct="1">
+              <a:defRPr>
+                <a:solidFill>
+                  <a:schemeClr val="tx2"/>
+                </a:solidFill>
+              </a:defRPr>
+            </a:lvl8pPr>
+            <a:lvl9pPr eaLnBrk="1" hangingPunct="1">
+              <a:defRPr>
+                <a:solidFill>
+                  <a:schemeClr val="tx2"/>
+                </a:solidFill>
+              </a:defRPr>
+            </a:lvl9pPr>
+          </a:lstStyle>
+          <a:p>
+            <a:r>
+              <a:rPr lang="es-ES" dirty="0" smtClean="0"/>
+              <a:t>Los Beneficios del sistemas</a:t>
+            </a:r>
+            <a:endParaRPr lang="es-ES" dirty="0"/>
+          </a:p>
+        </p:txBody>
+      </p:sp>
+      <p:sp>
+        <p:nvSpPr>
+          <p:cNvPr id="7" name="Marcador de contenido 2"/>
+          <p:cNvSpPr txBox="1">
+            <a:spLocks/>
+          </p:cNvSpPr>
+          <p:nvPr/>
+        </p:nvSpPr>
+        <p:spPr>
+          <a:xfrm>
+            <a:off x="1103309" y="3161923"/>
+            <a:ext cx="8946541" cy="865031"/>
+          </a:xfrm>
+          <a:prstGeom prst="rect">
+            <a:avLst/>
+          </a:prstGeom>
+        </p:spPr>
+        <p:txBody>
+          <a:bodyPr vert="horz" lIns="91440" tIns="45720" rIns="91440" bIns="45720" rtlCol="0">
+            <a:normAutofit/>
+          </a:bodyPr>
+          <a:lstStyle>
+            <a:lvl1pPr marL="342900" indent="-342900" algn="l" defTabSz="457200" rtl="0" eaLnBrk="1" latinLnBrk="0" hangingPunct="1">
+              <a:spcBef>
+                <a:spcPts val="1000"/>
+              </a:spcBef>
+              <a:spcAft>
+                <a:spcPts val="0"/>
+              </a:spcAft>
+              <a:buClr>
+                <a:schemeClr val="bg2">
+                  <a:lumMod val="40000"/>
+                  <a:lumOff val="60000"/>
+                </a:schemeClr>
+              </a:buClr>
+              <a:buSzPct val="80000"/>
+              <a:buFont typeface="Wingdings 3" charset="2"/>
+              <a:buChar char=""/>
+              <a:defRPr sz="2000" b="0" i="0" kern="1200">
+                <a:solidFill>
+                  <a:schemeClr val="tx1"/>
+                </a:solidFill>
+                <a:latin typeface="+mj-lt"/>
+                <a:ea typeface="+mj-ea"/>
+                <a:cs typeface="+mj-cs"/>
+              </a:defRPr>
+            </a:lvl1pPr>
+            <a:lvl2pPr marL="742950" indent="-285750" algn="l" defTabSz="457200" rtl="0" eaLnBrk="1" latinLnBrk="0" hangingPunct="1">
+              <a:spcBef>
+                <a:spcPts val="1000"/>
+              </a:spcBef>
+              <a:spcAft>
+                <a:spcPts val="0"/>
+              </a:spcAft>
+              <a:buClr>
+                <a:schemeClr val="bg2">
+                  <a:lumMod val="40000"/>
+                  <a:lumOff val="60000"/>
+                </a:schemeClr>
+              </a:buClr>
+              <a:buSzPct val="80000"/>
+              <a:buFont typeface="Wingdings 3" charset="2"/>
+              <a:buChar char=""/>
+              <a:defRPr sz="1800" b="0" i="0" kern="1200">
+                <a:solidFill>
+                  <a:schemeClr val="tx1"/>
+                </a:solidFill>
+                <a:latin typeface="+mj-lt"/>
+                <a:ea typeface="+mj-ea"/>
+                <a:cs typeface="+mj-cs"/>
+              </a:defRPr>
+            </a:lvl2pPr>
+            <a:lvl3pPr marL="1143000" indent="-228600" algn="l" defTabSz="457200" rtl="0" eaLnBrk="1" latinLnBrk="0" hangingPunct="1">
+              <a:spcBef>
+                <a:spcPts val="1000"/>
+              </a:spcBef>
+              <a:spcAft>
+                <a:spcPts val="0"/>
+              </a:spcAft>
+              <a:buClr>
+                <a:schemeClr val="bg2">
+                  <a:lumMod val="40000"/>
+                  <a:lumOff val="60000"/>
+                </a:schemeClr>
+              </a:buClr>
+              <a:buSzPct val="80000"/>
+              <a:buFont typeface="Wingdings 3" charset="2"/>
+              <a:buChar char=""/>
+              <a:defRPr sz="1600" b="0" i="0" kern="1200">
+                <a:solidFill>
+                  <a:schemeClr val="tx1"/>
+                </a:solidFill>
+                <a:latin typeface="+mj-lt"/>
+                <a:ea typeface="+mj-ea"/>
+                <a:cs typeface="+mj-cs"/>
+              </a:defRPr>
+            </a:lvl3pPr>
+            <a:lvl4pPr marL="1600200" indent="-228600" algn="l" defTabSz="457200" rtl="0" eaLnBrk="1" latinLnBrk="0" hangingPunct="1">
+              <a:spcBef>
+                <a:spcPts val="1000"/>
+              </a:spcBef>
+              <a:spcAft>
+                <a:spcPts val="0"/>
+              </a:spcAft>
+              <a:buClr>
+                <a:schemeClr val="bg2">
+                  <a:lumMod val="40000"/>
+                  <a:lumOff val="60000"/>
+                </a:schemeClr>
+              </a:buClr>
+              <a:buSzPct val="80000"/>
+              <a:buFont typeface="Wingdings 3" charset="2"/>
+              <a:buChar char=""/>
+              <a:defRPr sz="1400" b="0" i="0" kern="1200">
+                <a:solidFill>
+                  <a:schemeClr val="tx1"/>
+                </a:solidFill>
+                <a:latin typeface="+mj-lt"/>
+                <a:ea typeface="+mj-ea"/>
+                <a:cs typeface="+mj-cs"/>
+              </a:defRPr>
+            </a:lvl4pPr>
+            <a:lvl5pPr marL="2057400" indent="-228600" algn="l" defTabSz="457200" rtl="0" eaLnBrk="1" latinLnBrk="0" hangingPunct="1">
+              <a:spcBef>
+                <a:spcPts val="1000"/>
+              </a:spcBef>
+              <a:spcAft>
+                <a:spcPts val="0"/>
+              </a:spcAft>
+              <a:buClr>
+                <a:schemeClr val="bg2">
+                  <a:lumMod val="40000"/>
+                  <a:lumOff val="60000"/>
+                </a:schemeClr>
+              </a:buClr>
+              <a:buSzPct val="80000"/>
+              <a:buFont typeface="Wingdings 3" charset="2"/>
+              <a:buChar char=""/>
+              <a:defRPr sz="1400" b="0" i="0" kern="1200">
+                <a:solidFill>
+                  <a:schemeClr val="tx1"/>
+                </a:solidFill>
+                <a:latin typeface="+mj-lt"/>
+                <a:ea typeface="+mj-ea"/>
+                <a:cs typeface="+mj-cs"/>
+              </a:defRPr>
+            </a:lvl5pPr>
+            <a:lvl6pPr marL="2506000" indent="-228600" algn="l" defTabSz="457200" rtl="0" eaLnBrk="1" latinLnBrk="0" hangingPunct="1">
+              <a:spcBef>
+                <a:spcPts val="1000"/>
+              </a:spcBef>
+              <a:spcAft>
+                <a:spcPts val="0"/>
+              </a:spcAft>
+              <a:buClr>
+                <a:schemeClr val="bg2">
+                  <a:lumMod val="40000"/>
+                  <a:lumOff val="60000"/>
+                </a:schemeClr>
+              </a:buClr>
+              <a:buSzPct val="80000"/>
+              <a:buFont typeface="Wingdings 3" charset="2"/>
+              <a:buChar char=""/>
+              <a:defRPr sz="1400" b="0" i="0" kern="1200">
+                <a:solidFill>
+                  <a:schemeClr val="tx1"/>
+                </a:solidFill>
+                <a:latin typeface="+mj-lt"/>
+                <a:ea typeface="+mj-ea"/>
+                <a:cs typeface="+mj-cs"/>
+              </a:defRPr>
+            </a:lvl6pPr>
+            <a:lvl7pPr marL="2971800" indent="-228600" algn="l" defTabSz="457200" rtl="0" eaLnBrk="1" latinLnBrk="0" hangingPunct="1">
+              <a:spcBef>
+                <a:spcPts val="1000"/>
+              </a:spcBef>
+              <a:spcAft>
+                <a:spcPts val="0"/>
+              </a:spcAft>
+              <a:buClr>
+                <a:schemeClr val="bg2">
+                  <a:lumMod val="40000"/>
+                  <a:lumOff val="60000"/>
+                </a:schemeClr>
+              </a:buClr>
+              <a:buSzPct val="80000"/>
+              <a:buFont typeface="Wingdings 3" charset="2"/>
+              <a:buChar char=""/>
+              <a:defRPr sz="1400" b="0" i="0" kern="1200">
+                <a:solidFill>
+                  <a:schemeClr val="tx1"/>
+                </a:solidFill>
+                <a:latin typeface="+mj-lt"/>
+                <a:ea typeface="+mj-ea"/>
+                <a:cs typeface="+mj-cs"/>
+              </a:defRPr>
+            </a:lvl7pPr>
+            <a:lvl8pPr marL="3429000" indent="-228600" algn="l" defTabSz="457200" rtl="0" eaLnBrk="1" latinLnBrk="0" hangingPunct="1">
+              <a:spcBef>
+                <a:spcPts val="1000"/>
+              </a:spcBef>
+              <a:spcAft>
+                <a:spcPts val="0"/>
+              </a:spcAft>
+              <a:buClr>
+                <a:schemeClr val="bg2">
+                  <a:lumMod val="40000"/>
+                  <a:lumOff val="60000"/>
+                </a:schemeClr>
+              </a:buClr>
+              <a:buSzPct val="80000"/>
+              <a:buFont typeface="Wingdings 3" charset="2"/>
+              <a:buChar char=""/>
+              <a:defRPr sz="1400" b="0" i="0" kern="1200">
+                <a:solidFill>
+                  <a:schemeClr val="tx1"/>
+                </a:solidFill>
+                <a:latin typeface="+mj-lt"/>
+                <a:ea typeface="+mj-ea"/>
+                <a:cs typeface="+mj-cs"/>
+              </a:defRPr>
+            </a:lvl8pPr>
+            <a:lvl9pPr marL="3886200" indent="-228600" algn="l" defTabSz="457200" rtl="0" eaLnBrk="1" latinLnBrk="0" hangingPunct="1">
+              <a:spcBef>
+                <a:spcPts val="1000"/>
+              </a:spcBef>
+              <a:spcAft>
+                <a:spcPts val="0"/>
+              </a:spcAft>
+              <a:buClr>
+                <a:schemeClr val="bg2">
+                  <a:lumMod val="40000"/>
+                  <a:lumOff val="60000"/>
+                </a:schemeClr>
+              </a:buClr>
+              <a:buSzPct val="80000"/>
+              <a:buFont typeface="Wingdings 3" charset="2"/>
+              <a:buChar char=""/>
+              <a:defRPr sz="1400" b="0" i="0" kern="1200">
+                <a:solidFill>
+                  <a:schemeClr val="tx1"/>
+                </a:solidFill>
+                <a:latin typeface="+mj-lt"/>
+                <a:ea typeface="+mj-ea"/>
+                <a:cs typeface="+mj-cs"/>
+              </a:defRPr>
+            </a:lvl9pPr>
+          </a:lstStyle>
+          <a:p>
             <a:r>
               <a:rPr lang="es-ES" dirty="0"/>
-              <a:t>Riesgos: </a:t>
-            </a:r>
-          </a:p>
-          <a:p>
-            <a:pPr lvl="0"/>
+              <a:t>El beneficio con que cuenta el sistema es el de agilizar los pedidos de tal forma que no se pierda tiempo con las llamadas. </a:t>
+            </a:r>
+          </a:p>
+          <a:p>
+            <a:pPr marL="0" indent="0">
+              <a:buFont typeface="Wingdings 3" charset="2"/>
+              <a:buNone/>
+            </a:pPr>
+            <a:endParaRPr lang="es-ES" dirty="0"/>
+          </a:p>
+        </p:txBody>
+      </p:sp>
+      <p:sp>
+        <p:nvSpPr>
+          <p:cNvPr id="8" name="Título 1"/>
+          <p:cNvSpPr txBox="1">
+            <a:spLocks/>
+          </p:cNvSpPr>
+          <p:nvPr/>
+        </p:nvSpPr>
+        <p:spPr>
+          <a:xfrm>
+            <a:off x="1103308" y="4026954"/>
+            <a:ext cx="9404723" cy="770775"/>
+          </a:xfrm>
+          <a:prstGeom prst="rect">
+            <a:avLst/>
+          </a:prstGeom>
+        </p:spPr>
+        <p:txBody>
+          <a:bodyPr vert="horz" lIns="91440" tIns="45720" rIns="91440" bIns="45720" rtlCol="0" anchor="t">
+            <a:noAutofit/>
+          </a:bodyPr>
+          <a:lstStyle>
+            <a:lvl1pPr algn="l" defTabSz="457200" rtl="0" eaLnBrk="1" latinLnBrk="0" hangingPunct="1">
+              <a:spcBef>
+                <a:spcPct val="0"/>
+              </a:spcBef>
+              <a:buNone/>
+              <a:defRPr sz="4200" b="0" i="0" kern="1200">
+                <a:solidFill>
+                  <a:schemeClr val="tx2"/>
+                </a:solidFill>
+                <a:latin typeface="+mj-lt"/>
+                <a:ea typeface="+mj-ea"/>
+                <a:cs typeface="+mj-cs"/>
+              </a:defRPr>
+            </a:lvl1pPr>
+            <a:lvl2pPr eaLnBrk="1" hangingPunct="1">
+              <a:defRPr>
+                <a:solidFill>
+                  <a:schemeClr val="tx2"/>
+                </a:solidFill>
+              </a:defRPr>
+            </a:lvl2pPr>
+            <a:lvl3pPr eaLnBrk="1" hangingPunct="1">
+              <a:defRPr>
+                <a:solidFill>
+                  <a:schemeClr val="tx2"/>
+                </a:solidFill>
+              </a:defRPr>
+            </a:lvl3pPr>
+            <a:lvl4pPr eaLnBrk="1" hangingPunct="1">
+              <a:defRPr>
+                <a:solidFill>
+                  <a:schemeClr val="tx2"/>
+                </a:solidFill>
+              </a:defRPr>
+            </a:lvl4pPr>
+            <a:lvl5pPr eaLnBrk="1" hangingPunct="1">
+              <a:defRPr>
+                <a:solidFill>
+                  <a:schemeClr val="tx2"/>
+                </a:solidFill>
+              </a:defRPr>
+            </a:lvl5pPr>
+            <a:lvl6pPr eaLnBrk="1" hangingPunct="1">
+              <a:defRPr>
+                <a:solidFill>
+                  <a:schemeClr val="tx2"/>
+                </a:solidFill>
+              </a:defRPr>
+            </a:lvl6pPr>
+            <a:lvl7pPr eaLnBrk="1" hangingPunct="1">
+              <a:defRPr>
+                <a:solidFill>
+                  <a:schemeClr val="tx2"/>
+                </a:solidFill>
+              </a:defRPr>
+            </a:lvl7pPr>
+            <a:lvl8pPr eaLnBrk="1" hangingPunct="1">
+              <a:defRPr>
+                <a:solidFill>
+                  <a:schemeClr val="tx2"/>
+                </a:solidFill>
+              </a:defRPr>
+            </a:lvl8pPr>
+            <a:lvl9pPr eaLnBrk="1" hangingPunct="1">
+              <a:defRPr>
+                <a:solidFill>
+                  <a:schemeClr val="tx2"/>
+                </a:solidFill>
+              </a:defRPr>
+            </a:lvl9pPr>
+          </a:lstStyle>
+          <a:p>
+            <a:r>
+              <a:rPr lang="es-ES" dirty="0" smtClean="0"/>
+              <a:t>La Meta</a:t>
+            </a:r>
+            <a:endParaRPr lang="es-ES" dirty="0"/>
+          </a:p>
+        </p:txBody>
+      </p:sp>
+      <p:sp>
+        <p:nvSpPr>
+          <p:cNvPr id="9" name="Marcador de contenido 2"/>
+          <p:cNvSpPr txBox="1">
+            <a:spLocks/>
+          </p:cNvSpPr>
+          <p:nvPr/>
+        </p:nvSpPr>
+        <p:spPr>
+          <a:xfrm>
+            <a:off x="1103307" y="4797729"/>
+            <a:ext cx="8946541" cy="865031"/>
+          </a:xfrm>
+          <a:prstGeom prst="rect">
+            <a:avLst/>
+          </a:prstGeom>
+        </p:spPr>
+        <p:txBody>
+          <a:bodyPr vert="horz" lIns="91440" tIns="45720" rIns="91440" bIns="45720" rtlCol="0">
+            <a:normAutofit/>
+          </a:bodyPr>
+          <a:lstStyle>
+            <a:lvl1pPr marL="342900" indent="-342900" algn="l" defTabSz="457200" rtl="0" eaLnBrk="1" latinLnBrk="0" hangingPunct="1">
+              <a:spcBef>
+                <a:spcPts val="1000"/>
+              </a:spcBef>
+              <a:spcAft>
+                <a:spcPts val="0"/>
+              </a:spcAft>
+              <a:buClr>
+                <a:schemeClr val="bg2">
+                  <a:lumMod val="40000"/>
+                  <a:lumOff val="60000"/>
+                </a:schemeClr>
+              </a:buClr>
+              <a:buSzPct val="80000"/>
+              <a:buFont typeface="Wingdings 3" charset="2"/>
+              <a:buChar char=""/>
+              <a:defRPr sz="2000" b="0" i="0" kern="1200">
+                <a:solidFill>
+                  <a:schemeClr val="tx1"/>
+                </a:solidFill>
+                <a:latin typeface="+mj-lt"/>
+                <a:ea typeface="+mj-ea"/>
+                <a:cs typeface="+mj-cs"/>
+              </a:defRPr>
+            </a:lvl1pPr>
+            <a:lvl2pPr marL="742950" indent="-285750" algn="l" defTabSz="457200" rtl="0" eaLnBrk="1" latinLnBrk="0" hangingPunct="1">
+              <a:spcBef>
+                <a:spcPts val="1000"/>
+              </a:spcBef>
+              <a:spcAft>
+                <a:spcPts val="0"/>
+              </a:spcAft>
+              <a:buClr>
+                <a:schemeClr val="bg2">
+                  <a:lumMod val="40000"/>
+                  <a:lumOff val="60000"/>
+                </a:schemeClr>
+              </a:buClr>
+              <a:buSzPct val="80000"/>
+              <a:buFont typeface="Wingdings 3" charset="2"/>
+              <a:buChar char=""/>
+              <a:defRPr sz="1800" b="0" i="0" kern="1200">
+                <a:solidFill>
+                  <a:schemeClr val="tx1"/>
+                </a:solidFill>
+                <a:latin typeface="+mj-lt"/>
+                <a:ea typeface="+mj-ea"/>
+                <a:cs typeface="+mj-cs"/>
+              </a:defRPr>
+            </a:lvl2pPr>
+            <a:lvl3pPr marL="1143000" indent="-228600" algn="l" defTabSz="457200" rtl="0" eaLnBrk="1" latinLnBrk="0" hangingPunct="1">
+              <a:spcBef>
+                <a:spcPts val="1000"/>
+              </a:spcBef>
+              <a:spcAft>
+                <a:spcPts val="0"/>
+              </a:spcAft>
+              <a:buClr>
+                <a:schemeClr val="bg2">
+                  <a:lumMod val="40000"/>
+                  <a:lumOff val="60000"/>
+                </a:schemeClr>
+              </a:buClr>
+              <a:buSzPct val="80000"/>
+              <a:buFont typeface="Wingdings 3" charset="2"/>
+              <a:buChar char=""/>
+              <a:defRPr sz="1600" b="0" i="0" kern="1200">
+                <a:solidFill>
+                  <a:schemeClr val="tx1"/>
+                </a:solidFill>
+                <a:latin typeface="+mj-lt"/>
+                <a:ea typeface="+mj-ea"/>
+                <a:cs typeface="+mj-cs"/>
+              </a:defRPr>
+            </a:lvl3pPr>
+            <a:lvl4pPr marL="1600200" indent="-228600" algn="l" defTabSz="457200" rtl="0" eaLnBrk="1" latinLnBrk="0" hangingPunct="1">
+              <a:spcBef>
+                <a:spcPts val="1000"/>
+              </a:spcBef>
+              <a:spcAft>
+                <a:spcPts val="0"/>
+              </a:spcAft>
+              <a:buClr>
+                <a:schemeClr val="bg2">
+                  <a:lumMod val="40000"/>
+                  <a:lumOff val="60000"/>
+                </a:schemeClr>
+              </a:buClr>
+              <a:buSzPct val="80000"/>
+              <a:buFont typeface="Wingdings 3" charset="2"/>
+              <a:buChar char=""/>
+              <a:defRPr sz="1400" b="0" i="0" kern="1200">
+                <a:solidFill>
+                  <a:schemeClr val="tx1"/>
+                </a:solidFill>
+                <a:latin typeface="+mj-lt"/>
+                <a:ea typeface="+mj-ea"/>
+                <a:cs typeface="+mj-cs"/>
+              </a:defRPr>
+            </a:lvl4pPr>
+            <a:lvl5pPr marL="2057400" indent="-228600" algn="l" defTabSz="457200" rtl="0" eaLnBrk="1" latinLnBrk="0" hangingPunct="1">
+              <a:spcBef>
+                <a:spcPts val="1000"/>
+              </a:spcBef>
+              <a:spcAft>
+                <a:spcPts val="0"/>
+              </a:spcAft>
+              <a:buClr>
+                <a:schemeClr val="bg2">
+                  <a:lumMod val="40000"/>
+                  <a:lumOff val="60000"/>
+                </a:schemeClr>
+              </a:buClr>
+              <a:buSzPct val="80000"/>
+              <a:buFont typeface="Wingdings 3" charset="2"/>
+              <a:buChar char=""/>
+              <a:defRPr sz="1400" b="0" i="0" kern="1200">
+                <a:solidFill>
+                  <a:schemeClr val="tx1"/>
+                </a:solidFill>
+                <a:latin typeface="+mj-lt"/>
+                <a:ea typeface="+mj-ea"/>
+                <a:cs typeface="+mj-cs"/>
+              </a:defRPr>
+            </a:lvl5pPr>
+            <a:lvl6pPr marL="2506000" indent="-228600" algn="l" defTabSz="457200" rtl="0" eaLnBrk="1" latinLnBrk="0" hangingPunct="1">
+              <a:spcBef>
+                <a:spcPts val="1000"/>
+              </a:spcBef>
+              <a:spcAft>
+                <a:spcPts val="0"/>
+              </a:spcAft>
+              <a:buClr>
+                <a:schemeClr val="bg2">
+                  <a:lumMod val="40000"/>
+                  <a:lumOff val="60000"/>
+                </a:schemeClr>
+              </a:buClr>
+              <a:buSzPct val="80000"/>
+              <a:buFont typeface="Wingdings 3" charset="2"/>
+              <a:buChar char=""/>
+              <a:defRPr sz="1400" b="0" i="0" kern="1200">
+                <a:solidFill>
+                  <a:schemeClr val="tx1"/>
+                </a:solidFill>
+                <a:latin typeface="+mj-lt"/>
+                <a:ea typeface="+mj-ea"/>
+                <a:cs typeface="+mj-cs"/>
+              </a:defRPr>
+            </a:lvl6pPr>
+            <a:lvl7pPr marL="2971800" indent="-228600" algn="l" defTabSz="457200" rtl="0" eaLnBrk="1" latinLnBrk="0" hangingPunct="1">
+              <a:spcBef>
+                <a:spcPts val="1000"/>
+              </a:spcBef>
+              <a:spcAft>
+                <a:spcPts val="0"/>
+              </a:spcAft>
+              <a:buClr>
+                <a:schemeClr val="bg2">
+                  <a:lumMod val="40000"/>
+                  <a:lumOff val="60000"/>
+                </a:schemeClr>
+              </a:buClr>
+              <a:buSzPct val="80000"/>
+              <a:buFont typeface="Wingdings 3" charset="2"/>
+              <a:buChar char=""/>
+              <a:defRPr sz="1400" b="0" i="0" kern="1200">
+                <a:solidFill>
+                  <a:schemeClr val="tx1"/>
+                </a:solidFill>
+                <a:latin typeface="+mj-lt"/>
+                <a:ea typeface="+mj-ea"/>
+                <a:cs typeface="+mj-cs"/>
+              </a:defRPr>
+            </a:lvl7pPr>
+            <a:lvl8pPr marL="3429000" indent="-228600" algn="l" defTabSz="457200" rtl="0" eaLnBrk="1" latinLnBrk="0" hangingPunct="1">
+              <a:spcBef>
+                <a:spcPts val="1000"/>
+              </a:spcBef>
+              <a:spcAft>
+                <a:spcPts val="0"/>
+              </a:spcAft>
+              <a:buClr>
+                <a:schemeClr val="bg2">
+                  <a:lumMod val="40000"/>
+                  <a:lumOff val="60000"/>
+                </a:schemeClr>
+              </a:buClr>
+              <a:buSzPct val="80000"/>
+              <a:buFont typeface="Wingdings 3" charset="2"/>
+              <a:buChar char=""/>
+              <a:defRPr sz="1400" b="0" i="0" kern="1200">
+                <a:solidFill>
+                  <a:schemeClr val="tx1"/>
+                </a:solidFill>
+                <a:latin typeface="+mj-lt"/>
+                <a:ea typeface="+mj-ea"/>
+                <a:cs typeface="+mj-cs"/>
+              </a:defRPr>
+            </a:lvl8pPr>
+            <a:lvl9pPr marL="3886200" indent="-228600" algn="l" defTabSz="457200" rtl="0" eaLnBrk="1" latinLnBrk="0" hangingPunct="1">
+              <a:spcBef>
+                <a:spcPts val="1000"/>
+              </a:spcBef>
+              <a:spcAft>
+                <a:spcPts val="0"/>
+              </a:spcAft>
+              <a:buClr>
+                <a:schemeClr val="bg2">
+                  <a:lumMod val="40000"/>
+                  <a:lumOff val="60000"/>
+                </a:schemeClr>
+              </a:buClr>
+              <a:buSzPct val="80000"/>
+              <a:buFont typeface="Wingdings 3" charset="2"/>
+              <a:buChar char=""/>
+              <a:defRPr sz="1400" b="0" i="0" kern="1200">
+                <a:solidFill>
+                  <a:schemeClr val="tx1"/>
+                </a:solidFill>
+                <a:latin typeface="+mj-lt"/>
+                <a:ea typeface="+mj-ea"/>
+                <a:cs typeface="+mj-cs"/>
+              </a:defRPr>
+            </a:lvl9pPr>
+          </a:lstStyle>
+          <a:p>
+            <a:r>
+              <a:rPr lang="es-ES" dirty="0" smtClean="0"/>
+              <a:t>La </a:t>
+            </a:r>
             <a:r>
               <a:rPr lang="es-ES" dirty="0"/>
-              <a:t>Documentación: </a:t>
-            </a:r>
-          </a:p>
-          <a:p>
-            <a:pPr lvl="0"/>
+              <a:t>meta a alcanzar es mejorar el servicio de </a:t>
+            </a:r>
+            <a:r>
+              <a:rPr lang="es-ES" dirty="0" err="1"/>
+              <a:t>delivery</a:t>
+            </a:r>
             <a:r>
               <a:rPr lang="es-ES" dirty="0"/>
-              <a:t>Gestor de configuraciones</a:t>
-            </a:r>
-            <a:r>
-              <a:rPr lang="es-ES" dirty="0" smtClean="0"/>
-              <a:t>:</a:t>
-            </a:r>
-            <a:endParaRPr lang="es-ES" dirty="0"/>
-          </a:p>
-          <a:p>
-            <a:pPr lvl="0"/>
-            <a:r>
-              <a:rPr lang="es-ES" dirty="0"/>
-              <a:t>Desarrollador</a:t>
-            </a:r>
-            <a:r>
-              <a:rPr lang="es-ES"/>
-              <a:t>: </a:t>
-            </a:r>
-            <a:endParaRPr lang="es-ES" dirty="0"/>
-          </a:p>
-          <a:p>
-            <a:pPr lvl="0"/>
-            <a:r>
-              <a:rPr lang="es-ES" dirty="0" err="1"/>
-              <a:t>Testin</a:t>
-            </a:r>
-            <a:r>
-              <a:rPr lang="es-ES" dirty="0"/>
-              <a:t> </a:t>
-            </a:r>
-            <a:r>
-              <a:rPr lang="es-ES" dirty="0" smtClean="0"/>
-              <a:t>:</a:t>
-            </a:r>
-            <a:endParaRPr lang="es-ES" dirty="0"/>
-          </a:p>
-          <a:p>
-            <a:pPr marL="0" indent="0">
-              <a:buNone/>
-            </a:pPr>
+              <a:t> y aumentar las ventas.</a:t>
+            </a:r>
+          </a:p>
+          <a:p>
             <a:endParaRPr lang="es-ES" dirty="0"/>
           </a:p>
         </p:txBody>
@@ -6539,13 +7730,544 @@
     </p:spTree>
     <p:extLst>
       <p:ext uri="{BB962C8B-B14F-4D97-AF65-F5344CB8AC3E}">
-        <p14:creationId xmlns:p14="http://schemas.microsoft.com/office/powerpoint/2010/main" val="2054422862"/>
+        <p14:creationId xmlns:p14="http://schemas.microsoft.com/office/powerpoint/2010/main" val="2856875304"/>
       </p:ext>
     </p:extLst>
   </p:cSld>
   <p:clrMapOvr>
     <a:masterClrMapping/>
   </p:clrMapOvr>
+  <p:timing>
+    <p:tnLst>
+      <p:par>
+        <p:cTn id="1" dur="indefinite" restart="never" nodeType="tmRoot"/>
+      </p:par>
+    </p:tnLst>
+  </p:timing>
+</p:sld>
+</file>
+
+<file path=ppt/slides/slide6.xml><?xml version="1.0" encoding="utf-8"?>
+<p:sld xmlns:a="http://schemas.openxmlformats.org/drawingml/2006/main" xmlns:r="http://schemas.openxmlformats.org/officeDocument/2006/relationships" xmlns:p="http://schemas.openxmlformats.org/presentationml/2006/main">
+  <p:cSld>
+    <p:spTree>
+      <p:nvGrpSpPr>
+        <p:cNvPr id="1" name=""/>
+        <p:cNvGrpSpPr/>
+        <p:nvPr/>
+      </p:nvGrpSpPr>
+      <p:grpSpPr>
+        <a:xfrm>
+          <a:off x="0" y="0"/>
+          <a:ext cx="0" cy="0"/>
+          <a:chOff x="0" y="0"/>
+          <a:chExt cx="0" cy="0"/>
+        </a:xfrm>
+      </p:grpSpPr>
+      <p:sp>
+        <p:nvSpPr>
+          <p:cNvPr id="5" name="Marcador de contenido 4"/>
+          <p:cNvSpPr>
+            <a:spLocks noGrp="1"/>
+          </p:cNvSpPr>
+          <p:nvPr>
+            <p:ph idx="1"/>
+          </p:nvPr>
+        </p:nvSpPr>
+        <p:spPr>
+          <a:xfrm>
+            <a:off x="1219221" y="2306644"/>
+            <a:ext cx="9663427" cy="4158551"/>
+          </a:xfrm>
+        </p:spPr>
+        <p:txBody>
+          <a:bodyPr>
+            <a:normAutofit/>
+          </a:bodyPr>
+          <a:lstStyle/>
+          <a:p>
+            <a:r>
+              <a:rPr lang="es-ES" sz="3600" dirty="0"/>
+              <a:t>El sistema </a:t>
+            </a:r>
+            <a:r>
+              <a:rPr lang="es-ES" sz="3600" dirty="0" err="1"/>
+              <a:t>DeliverYApp</a:t>
+            </a:r>
+            <a:r>
+              <a:rPr lang="es-ES" sz="3600" dirty="0"/>
+              <a:t> será un producto diseñado para trabajar en entornos web, lo que permitirá su utilización de forma descentralizada, además trabajará de manera independiente por lo tanto no interactuará con otro sistemas.</a:t>
+            </a:r>
+          </a:p>
+          <a:p>
+            <a:endParaRPr lang="es-ES" sz="3600" dirty="0"/>
+          </a:p>
+        </p:txBody>
+      </p:sp>
+      <p:sp>
+        <p:nvSpPr>
+          <p:cNvPr id="7" name="Título 1"/>
+          <p:cNvSpPr txBox="1">
+            <a:spLocks/>
+          </p:cNvSpPr>
+          <p:nvPr/>
+        </p:nvSpPr>
+        <p:spPr>
+          <a:xfrm>
+            <a:off x="646111" y="358713"/>
+            <a:ext cx="9404723" cy="629107"/>
+          </a:xfrm>
+          <a:prstGeom prst="rect">
+            <a:avLst/>
+          </a:prstGeom>
+        </p:spPr>
+        <p:txBody>
+          <a:bodyPr vert="horz" lIns="91440" tIns="45720" rIns="91440" bIns="45720" rtlCol="0" anchor="t">
+            <a:noAutofit/>
+          </a:bodyPr>
+          <a:lstStyle>
+            <a:lvl1pPr algn="l" defTabSz="457200" rtl="0" eaLnBrk="1" latinLnBrk="0" hangingPunct="1">
+              <a:spcBef>
+                <a:spcPct val="0"/>
+              </a:spcBef>
+              <a:buNone/>
+              <a:defRPr sz="4200" b="0" i="0" kern="1200">
+                <a:solidFill>
+                  <a:schemeClr val="tx2"/>
+                </a:solidFill>
+                <a:latin typeface="+mj-lt"/>
+                <a:ea typeface="+mj-ea"/>
+                <a:cs typeface="+mj-cs"/>
+              </a:defRPr>
+            </a:lvl1pPr>
+            <a:lvl2pPr eaLnBrk="1" hangingPunct="1">
+              <a:defRPr>
+                <a:solidFill>
+                  <a:schemeClr val="tx2"/>
+                </a:solidFill>
+              </a:defRPr>
+            </a:lvl2pPr>
+            <a:lvl3pPr eaLnBrk="1" hangingPunct="1">
+              <a:defRPr>
+                <a:solidFill>
+                  <a:schemeClr val="tx2"/>
+                </a:solidFill>
+              </a:defRPr>
+            </a:lvl3pPr>
+            <a:lvl4pPr eaLnBrk="1" hangingPunct="1">
+              <a:defRPr>
+                <a:solidFill>
+                  <a:schemeClr val="tx2"/>
+                </a:solidFill>
+              </a:defRPr>
+            </a:lvl4pPr>
+            <a:lvl5pPr eaLnBrk="1" hangingPunct="1">
+              <a:defRPr>
+                <a:solidFill>
+                  <a:schemeClr val="tx2"/>
+                </a:solidFill>
+              </a:defRPr>
+            </a:lvl5pPr>
+            <a:lvl6pPr eaLnBrk="1" hangingPunct="1">
+              <a:defRPr>
+                <a:solidFill>
+                  <a:schemeClr val="tx2"/>
+                </a:solidFill>
+              </a:defRPr>
+            </a:lvl6pPr>
+            <a:lvl7pPr eaLnBrk="1" hangingPunct="1">
+              <a:defRPr>
+                <a:solidFill>
+                  <a:schemeClr val="tx2"/>
+                </a:solidFill>
+              </a:defRPr>
+            </a:lvl7pPr>
+            <a:lvl8pPr eaLnBrk="1" hangingPunct="1">
+              <a:defRPr>
+                <a:solidFill>
+                  <a:schemeClr val="tx2"/>
+                </a:solidFill>
+              </a:defRPr>
+            </a:lvl8pPr>
+            <a:lvl9pPr eaLnBrk="1" hangingPunct="1">
+              <a:defRPr>
+                <a:solidFill>
+                  <a:schemeClr val="tx2"/>
+                </a:solidFill>
+              </a:defRPr>
+            </a:lvl9pPr>
+          </a:lstStyle>
+          <a:p>
+            <a:r>
+              <a:rPr lang="es-ES" sz="5400" b="1" dirty="0" smtClean="0"/>
+              <a:t>Descripción General</a:t>
+            </a:r>
+            <a:r>
+              <a:rPr lang="es-ES" dirty="0" smtClean="0"/>
+              <a:t/>
+            </a:r>
+            <a:br>
+              <a:rPr lang="es-ES" dirty="0" smtClean="0"/>
+            </a:br>
+            <a:endParaRPr lang="es-ES" dirty="0"/>
+          </a:p>
+        </p:txBody>
+      </p:sp>
+      <p:sp>
+        <p:nvSpPr>
+          <p:cNvPr id="8" name="Título 1"/>
+          <p:cNvSpPr txBox="1">
+            <a:spLocks/>
+          </p:cNvSpPr>
+          <p:nvPr/>
+        </p:nvSpPr>
+        <p:spPr>
+          <a:xfrm>
+            <a:off x="646111" y="1442953"/>
+            <a:ext cx="9251303" cy="408557"/>
+          </a:xfrm>
+          <a:prstGeom prst="rect">
+            <a:avLst/>
+          </a:prstGeom>
+        </p:spPr>
+        <p:txBody>
+          <a:bodyPr vert="horz" lIns="91440" tIns="45720" rIns="91440" bIns="45720" rtlCol="0" anchor="t">
+            <a:noAutofit/>
+          </a:bodyPr>
+          <a:lstStyle>
+            <a:lvl1pPr algn="l" defTabSz="457200" rtl="0" eaLnBrk="1" latinLnBrk="0" hangingPunct="1">
+              <a:spcBef>
+                <a:spcPct val="0"/>
+              </a:spcBef>
+              <a:buNone/>
+              <a:defRPr sz="4200" b="0" i="0" kern="1200">
+                <a:solidFill>
+                  <a:schemeClr val="tx2"/>
+                </a:solidFill>
+                <a:latin typeface="+mj-lt"/>
+                <a:ea typeface="+mj-ea"/>
+                <a:cs typeface="+mj-cs"/>
+              </a:defRPr>
+            </a:lvl1pPr>
+            <a:lvl2pPr eaLnBrk="1" hangingPunct="1">
+              <a:defRPr>
+                <a:solidFill>
+                  <a:schemeClr val="tx2"/>
+                </a:solidFill>
+              </a:defRPr>
+            </a:lvl2pPr>
+            <a:lvl3pPr eaLnBrk="1" hangingPunct="1">
+              <a:defRPr>
+                <a:solidFill>
+                  <a:schemeClr val="tx2"/>
+                </a:solidFill>
+              </a:defRPr>
+            </a:lvl3pPr>
+            <a:lvl4pPr eaLnBrk="1" hangingPunct="1">
+              <a:defRPr>
+                <a:solidFill>
+                  <a:schemeClr val="tx2"/>
+                </a:solidFill>
+              </a:defRPr>
+            </a:lvl4pPr>
+            <a:lvl5pPr eaLnBrk="1" hangingPunct="1">
+              <a:defRPr>
+                <a:solidFill>
+                  <a:schemeClr val="tx2"/>
+                </a:solidFill>
+              </a:defRPr>
+            </a:lvl5pPr>
+            <a:lvl6pPr eaLnBrk="1" hangingPunct="1">
+              <a:defRPr>
+                <a:solidFill>
+                  <a:schemeClr val="tx2"/>
+                </a:solidFill>
+              </a:defRPr>
+            </a:lvl6pPr>
+            <a:lvl7pPr eaLnBrk="1" hangingPunct="1">
+              <a:defRPr>
+                <a:solidFill>
+                  <a:schemeClr val="tx2"/>
+                </a:solidFill>
+              </a:defRPr>
+            </a:lvl7pPr>
+            <a:lvl8pPr eaLnBrk="1" hangingPunct="1">
+              <a:defRPr>
+                <a:solidFill>
+                  <a:schemeClr val="tx2"/>
+                </a:solidFill>
+              </a:defRPr>
+            </a:lvl8pPr>
+            <a:lvl9pPr eaLnBrk="1" hangingPunct="1">
+              <a:defRPr>
+                <a:solidFill>
+                  <a:schemeClr val="tx2"/>
+                </a:solidFill>
+              </a:defRPr>
+            </a:lvl9pPr>
+          </a:lstStyle>
+          <a:p>
+            <a:pPr lvl="1"/>
+            <a:r>
+              <a:rPr lang="es-ES" sz="4800" b="1" dirty="0"/>
+              <a:t>Perspectiva del </a:t>
+            </a:r>
+            <a:r>
+              <a:rPr lang="es-ES" sz="4800" b="1" dirty="0" smtClean="0"/>
+              <a:t>producto</a:t>
+            </a:r>
+            <a:endParaRPr lang="es-ES" sz="4800" dirty="0"/>
+          </a:p>
+        </p:txBody>
+      </p:sp>
+    </p:spTree>
+    <p:extLst>
+      <p:ext uri="{BB962C8B-B14F-4D97-AF65-F5344CB8AC3E}">
+        <p14:creationId xmlns:p14="http://schemas.microsoft.com/office/powerpoint/2010/main" val="2080431207"/>
+      </p:ext>
+    </p:extLst>
+  </p:cSld>
+  <p:clrMapOvr>
+    <a:masterClrMapping/>
+  </p:clrMapOvr>
+</p:sld>
+</file>
+
+<file path=ppt/slides/slide7.xml><?xml version="1.0" encoding="utf-8"?>
+<p:sld xmlns:a="http://schemas.openxmlformats.org/drawingml/2006/main" xmlns:r="http://schemas.openxmlformats.org/officeDocument/2006/relationships" xmlns:p="http://schemas.openxmlformats.org/presentationml/2006/main">
+  <p:cSld>
+    <p:spTree>
+      <p:nvGrpSpPr>
+        <p:cNvPr id="1" name=""/>
+        <p:cNvGrpSpPr/>
+        <p:nvPr/>
+      </p:nvGrpSpPr>
+      <p:grpSpPr>
+        <a:xfrm>
+          <a:off x="0" y="0"/>
+          <a:ext cx="0" cy="0"/>
+          <a:chOff x="0" y="0"/>
+          <a:chExt cx="0" cy="0"/>
+        </a:xfrm>
+      </p:grpSpPr>
+      <p:sp>
+        <p:nvSpPr>
+          <p:cNvPr id="2" name="Título 1"/>
+          <p:cNvSpPr>
+            <a:spLocks noGrp="1"/>
+          </p:cNvSpPr>
+          <p:nvPr>
+            <p:ph type="title"/>
+          </p:nvPr>
+        </p:nvSpPr>
+        <p:spPr/>
+        <p:txBody>
+          <a:bodyPr/>
+          <a:lstStyle/>
+          <a:p>
+            <a:endParaRPr lang="es-ES"/>
+          </a:p>
+        </p:txBody>
+      </p:sp>
+      <p:sp>
+        <p:nvSpPr>
+          <p:cNvPr id="3" name="Marcador de contenido 2"/>
+          <p:cNvSpPr>
+            <a:spLocks noGrp="1"/>
+          </p:cNvSpPr>
+          <p:nvPr>
+            <p:ph idx="1"/>
+          </p:nvPr>
+        </p:nvSpPr>
+        <p:spPr/>
+        <p:txBody>
+          <a:bodyPr/>
+          <a:lstStyle/>
+          <a:p>
+            <a:endParaRPr lang="es-ES"/>
+          </a:p>
+        </p:txBody>
+      </p:sp>
+    </p:spTree>
+    <p:extLst>
+      <p:ext uri="{BB962C8B-B14F-4D97-AF65-F5344CB8AC3E}">
+        <p14:creationId xmlns:p14="http://schemas.microsoft.com/office/powerpoint/2010/main" val="2762270642"/>
+      </p:ext>
+    </p:extLst>
+  </p:cSld>
+  <p:clrMapOvr>
+    <a:masterClrMapping/>
+  </p:clrMapOvr>
+</p:sld>
+</file>
+
+<file path=ppt/slides/slide8.xml><?xml version="1.0" encoding="utf-8"?>
+<p:sld xmlns:a="http://schemas.openxmlformats.org/drawingml/2006/main" xmlns:r="http://schemas.openxmlformats.org/officeDocument/2006/relationships" xmlns:p="http://schemas.openxmlformats.org/presentationml/2006/main">
+  <p:cSld>
+    <p:spTree>
+      <p:nvGrpSpPr>
+        <p:cNvPr id="1" name=""/>
+        <p:cNvGrpSpPr/>
+        <p:nvPr/>
+      </p:nvGrpSpPr>
+      <p:grpSpPr>
+        <a:xfrm>
+          <a:off x="0" y="0"/>
+          <a:ext cx="0" cy="0"/>
+          <a:chOff x="0" y="0"/>
+          <a:chExt cx="0" cy="0"/>
+        </a:xfrm>
+      </p:grpSpPr>
+      <p:sp>
+        <p:nvSpPr>
+          <p:cNvPr id="2" name="Título 1"/>
+          <p:cNvSpPr>
+            <a:spLocks noGrp="1"/>
+          </p:cNvSpPr>
+          <p:nvPr>
+            <p:ph type="title"/>
+          </p:nvPr>
+        </p:nvSpPr>
+        <p:spPr/>
+        <p:txBody>
+          <a:bodyPr/>
+          <a:lstStyle/>
+          <a:p>
+            <a:endParaRPr lang="es-ES"/>
+          </a:p>
+        </p:txBody>
+      </p:sp>
+      <p:sp>
+        <p:nvSpPr>
+          <p:cNvPr id="3" name="Marcador de contenido 2"/>
+          <p:cNvSpPr>
+            <a:spLocks noGrp="1"/>
+          </p:cNvSpPr>
+          <p:nvPr>
+            <p:ph idx="1"/>
+          </p:nvPr>
+        </p:nvSpPr>
+        <p:spPr/>
+        <p:txBody>
+          <a:bodyPr/>
+          <a:lstStyle/>
+          <a:p>
+            <a:endParaRPr lang="es-ES"/>
+          </a:p>
+        </p:txBody>
+      </p:sp>
+    </p:spTree>
+    <p:extLst>
+      <p:ext uri="{BB962C8B-B14F-4D97-AF65-F5344CB8AC3E}">
+        <p14:creationId xmlns:p14="http://schemas.microsoft.com/office/powerpoint/2010/main" val="852142279"/>
+      </p:ext>
+    </p:extLst>
+  </p:cSld>
+  <p:clrMapOvr>
+    <a:masterClrMapping/>
+  </p:clrMapOvr>
+</p:sld>
+</file>
+
+<file path=ppt/slides/slide9.xml><?xml version="1.0" encoding="utf-8"?>
+<p:sld xmlns:a="http://schemas.openxmlformats.org/drawingml/2006/main" xmlns:r="http://schemas.openxmlformats.org/officeDocument/2006/relationships" xmlns:p="http://schemas.openxmlformats.org/presentationml/2006/main">
+  <p:cSld>
+    <p:spTree>
+      <p:nvGrpSpPr>
+        <p:cNvPr id="1" name=""/>
+        <p:cNvGrpSpPr/>
+        <p:nvPr/>
+      </p:nvGrpSpPr>
+      <p:grpSpPr>
+        <a:xfrm>
+          <a:off x="0" y="0"/>
+          <a:ext cx="0" cy="0"/>
+          <a:chOff x="0" y="0"/>
+          <a:chExt cx="0" cy="0"/>
+        </a:xfrm>
+      </p:grpSpPr>
+      <p:sp>
+        <p:nvSpPr>
+          <p:cNvPr id="2" name="Título 1"/>
+          <p:cNvSpPr>
+            <a:spLocks noGrp="1"/>
+          </p:cNvSpPr>
+          <p:nvPr>
+            <p:ph type="title"/>
+          </p:nvPr>
+        </p:nvSpPr>
+        <p:spPr>
+          <a:xfrm>
+            <a:off x="787520" y="1148176"/>
+            <a:ext cx="10689465" cy="1157141"/>
+          </a:xfrm>
+        </p:spPr>
+        <p:txBody>
+          <a:bodyPr/>
+          <a:lstStyle/>
+          <a:p>
+            <a:r>
+              <a:rPr lang="es-ES" b="1" dirty="0"/>
+              <a:t>Definiciones, acrónimos y abreviaturas</a:t>
+            </a:r>
+            <a:endParaRPr lang="es-ES" dirty="0"/>
+          </a:p>
+        </p:txBody>
+      </p:sp>
+      <p:pic>
+        <p:nvPicPr>
+          <p:cNvPr id="4" name="Marcador de contenido 3"/>
+          <p:cNvPicPr>
+            <a:picLocks noGrp="1" noChangeAspect="1"/>
+          </p:cNvPicPr>
+          <p:nvPr>
+            <p:ph idx="1"/>
+          </p:nvPr>
+        </p:nvPicPr>
+        <p:blipFill rotWithShape="1">
+          <a:blip r:embed="rId2"/>
+          <a:srcRect l="27195" t="26141" r="10498" b="26192"/>
+          <a:stretch/>
+        </p:blipFill>
+        <p:spPr>
+          <a:xfrm>
+            <a:off x="1822567" y="2343952"/>
+            <a:ext cx="8361793" cy="3580327"/>
+          </a:xfrm>
+          <a:prstGeom prst="rect">
+            <a:avLst/>
+          </a:prstGeom>
+          <a:ln w="228600" cap="sq" cmpd="thickThin">
+            <a:solidFill>
+              <a:srgbClr val="000000"/>
+            </a:solidFill>
+            <a:prstDash val="solid"/>
+            <a:miter lim="800000"/>
+          </a:ln>
+          <a:effectLst>
+            <a:innerShdw blurRad="76200">
+              <a:srgbClr val="000000"/>
+            </a:innerShdw>
+          </a:effectLst>
+        </p:spPr>
+      </p:pic>
+    </p:spTree>
+    <p:extLst>
+      <p:ext uri="{BB962C8B-B14F-4D97-AF65-F5344CB8AC3E}">
+        <p14:creationId xmlns:p14="http://schemas.microsoft.com/office/powerpoint/2010/main" val="1364109173"/>
+      </p:ext>
+    </p:extLst>
+  </p:cSld>
+  <p:clrMapOvr>
+    <a:masterClrMapping/>
+  </p:clrMapOvr>
+  <p:timing>
+    <p:tnLst>
+      <p:par>
+        <p:cTn id="1" dur="indefinite" restart="never" nodeType="tmRoot"/>
+      </p:par>
+    </p:tnLst>
+  </p:timing>
 </p:sld>
 </file>
 

--- a/Presentacion de Clase.pptx
+++ b/Presentacion de Clase.pptx
@@ -13,11 +13,17 @@
     <p:sldId id="268" r:id="rId7"/>
     <p:sldId id="266" r:id="rId8"/>
     <p:sldId id="267" r:id="rId9"/>
-    <p:sldId id="263" r:id="rId10"/>
-    <p:sldId id="264" r:id="rId11"/>
-    <p:sldId id="265" r:id="rId12"/>
-    <p:sldId id="259" r:id="rId13"/>
-    <p:sldId id="260" r:id="rId14"/>
+    <p:sldId id="272" r:id="rId10"/>
+    <p:sldId id="269" r:id="rId11"/>
+    <p:sldId id="270" r:id="rId12"/>
+    <p:sldId id="273" r:id="rId13"/>
+    <p:sldId id="274" r:id="rId14"/>
+    <p:sldId id="275" r:id="rId15"/>
+    <p:sldId id="263" r:id="rId16"/>
+    <p:sldId id="264" r:id="rId17"/>
+    <p:sldId id="265" r:id="rId18"/>
+    <p:sldId id="259" r:id="rId19"/>
+    <p:sldId id="260" r:id="rId20"/>
   </p:sldIdLst>
   <p:sldSz cx="12192000" cy="6858000"/>
   <p:notesSz cx="6858000" cy="9144000"/>
@@ -6168,6 +6174,582 @@
           <a:chExt cx="0" cy="0"/>
         </a:xfrm>
       </p:grpSpPr>
+      <p:sp>
+        <p:nvSpPr>
+          <p:cNvPr id="3" name="Marcador de contenido 2"/>
+          <p:cNvSpPr>
+            <a:spLocks noGrp="1"/>
+          </p:cNvSpPr>
+          <p:nvPr>
+            <p:ph idx="1"/>
+          </p:nvPr>
+        </p:nvSpPr>
+        <p:spPr>
+          <a:xfrm>
+            <a:off x="742703" y="958213"/>
+            <a:ext cx="10925556" cy="4669855"/>
+          </a:xfrm>
+        </p:spPr>
+        <p:txBody>
+          <a:bodyPr>
+            <a:normAutofit/>
+          </a:bodyPr>
+          <a:lstStyle/>
+          <a:p>
+            <a:pPr lvl="0"/>
+            <a:r>
+              <a:rPr lang="es-ES" b="1" dirty="0"/>
+              <a:t>Lenguaje de programación:</a:t>
+            </a:r>
+            <a:r>
+              <a:rPr lang="es-ES" dirty="0"/>
+              <a:t> Todo el material que se realice para el usuario y la aplicación debe estar en lenguaje español.</a:t>
+            </a:r>
+          </a:p>
+          <a:p>
+            <a:pPr lvl="0"/>
+            <a:r>
+              <a:rPr lang="es-ES" b="1" dirty="0"/>
+              <a:t>Protocolo de comunicación:</a:t>
+            </a:r>
+            <a:r>
+              <a:rPr lang="es-ES" dirty="0"/>
+              <a:t> Se usar los protocolos TCP/IP, HTTP.</a:t>
+            </a:r>
+          </a:p>
+          <a:p>
+            <a:pPr lvl="0"/>
+            <a:r>
+              <a:rPr lang="es-ES" b="1" dirty="0"/>
+              <a:t>Requisitos de habilidad: </a:t>
+            </a:r>
+            <a:r>
+              <a:rPr lang="es-ES" dirty="0"/>
+              <a:t>La información correspondiente al pedido como numero de documento, nombre, dirección, teléfono y elección de menú  deben estar ajustado a la realidad para evitar inconvenientes y garantizar el pedido. </a:t>
+            </a:r>
+          </a:p>
+          <a:p>
+            <a:pPr lvl="0"/>
+            <a:r>
+              <a:rPr lang="es-ES" b="1" dirty="0"/>
+              <a:t>Credibilidad en la aplicación: </a:t>
+            </a:r>
+            <a:r>
+              <a:rPr lang="es-ES" dirty="0"/>
+              <a:t>El sistema deberá ser sometida a una serie de pruebas para establecer que se encuentra conforme a los requerimiento que se plasman en el documento, en tanto en la consistencia de datos como el rendimiento de la aplicación, tales como tiempo de respuesta.</a:t>
+            </a:r>
+          </a:p>
+          <a:p>
+            <a:pPr lvl="0"/>
+            <a:r>
+              <a:rPr lang="es-ES" b="1" dirty="0"/>
+              <a:t>Consideración acerca de la seguridad: </a:t>
+            </a:r>
+            <a:r>
+              <a:rPr lang="es-ES" dirty="0"/>
+              <a:t>Cada Usuario deberá autenticarse y su acceso verificado por una sola terminal para su respectiva labor de acuerdo de lo que su labor especifica</a:t>
+            </a:r>
+            <a:r>
+              <a:rPr lang="es-ES" dirty="0" smtClean="0"/>
+              <a:t>.</a:t>
+            </a:r>
+            <a:endParaRPr lang="es-ES" dirty="0"/>
+          </a:p>
+          <a:p>
+            <a:endParaRPr lang="es-ES" dirty="0"/>
+          </a:p>
+        </p:txBody>
+      </p:sp>
+    </p:spTree>
+    <p:extLst>
+      <p:ext uri="{BB962C8B-B14F-4D97-AF65-F5344CB8AC3E}">
+        <p14:creationId xmlns:p14="http://schemas.microsoft.com/office/powerpoint/2010/main" val="3000362817"/>
+      </p:ext>
+    </p:extLst>
+  </p:cSld>
+  <p:clrMapOvr>
+    <a:masterClrMapping/>
+  </p:clrMapOvr>
+</p:sld>
+</file>
+
+<file path=ppt/slides/slide11.xml><?xml version="1.0" encoding="utf-8"?>
+<p:sld xmlns:a="http://schemas.openxmlformats.org/drawingml/2006/main" xmlns:r="http://schemas.openxmlformats.org/officeDocument/2006/relationships" xmlns:p="http://schemas.openxmlformats.org/presentationml/2006/main">
+  <p:cSld>
+    <p:spTree>
+      <p:nvGrpSpPr>
+        <p:cNvPr id="1" name=""/>
+        <p:cNvGrpSpPr/>
+        <p:nvPr/>
+      </p:nvGrpSpPr>
+      <p:grpSpPr>
+        <a:xfrm>
+          <a:off x="0" y="0"/>
+          <a:ext cx="0" cy="0"/>
+          <a:chOff x="0" y="0"/>
+          <a:chExt cx="0" cy="0"/>
+        </a:xfrm>
+      </p:grpSpPr>
+      <p:sp>
+        <p:nvSpPr>
+          <p:cNvPr id="2" name="Título 1"/>
+          <p:cNvSpPr>
+            <a:spLocks noGrp="1"/>
+          </p:cNvSpPr>
+          <p:nvPr>
+            <p:ph type="title"/>
+          </p:nvPr>
+        </p:nvSpPr>
+        <p:spPr>
+          <a:xfrm>
+            <a:off x="1103312" y="652388"/>
+            <a:ext cx="9404723" cy="854440"/>
+          </a:xfrm>
+        </p:spPr>
+        <p:txBody>
+          <a:bodyPr/>
+          <a:lstStyle/>
+          <a:p>
+            <a:r>
+              <a:rPr lang="es-ES" b="1" dirty="0"/>
+              <a:t>Suposiciones y Dependencias </a:t>
+            </a:r>
+            <a:endParaRPr lang="es-ES" dirty="0"/>
+          </a:p>
+        </p:txBody>
+      </p:sp>
+      <p:sp>
+        <p:nvSpPr>
+          <p:cNvPr id="3" name="Marcador de contenido 2"/>
+          <p:cNvSpPr>
+            <a:spLocks noGrp="1"/>
+          </p:cNvSpPr>
+          <p:nvPr>
+            <p:ph idx="1"/>
+          </p:nvPr>
+        </p:nvSpPr>
+        <p:spPr/>
+        <p:txBody>
+          <a:bodyPr/>
+          <a:lstStyle/>
+          <a:p>
+            <a:pPr lvl="0"/>
+            <a:r>
+              <a:rPr lang="es-ES" dirty="0"/>
+              <a:t>La red interna deberá estar configurada para el manejo de protocolos TCP/IP, HTTP, DNS principalmente todo lo relacionado a desempeño y seguridad</a:t>
+            </a:r>
+            <a:r>
+              <a:rPr lang="es-ES" dirty="0" smtClean="0"/>
+              <a:t>.</a:t>
+            </a:r>
+          </a:p>
+          <a:p>
+            <a:pPr lvl="0"/>
+            <a:endParaRPr lang="es-ES" dirty="0"/>
+          </a:p>
+          <a:p>
+            <a:pPr marL="0" lvl="0" indent="0">
+              <a:buNone/>
+            </a:pPr>
+            <a:endParaRPr lang="es-ES" dirty="0"/>
+          </a:p>
+          <a:p>
+            <a:pPr lvl="0"/>
+            <a:r>
+              <a:rPr lang="es-ES" dirty="0"/>
+              <a:t>Debe realzarse una capacitación adecuada y acorde a lo que cada usuario va a realizar. Su capacitación se hará en el momento que sea necesario y a las personas indicadas.</a:t>
+            </a:r>
+          </a:p>
+          <a:p>
+            <a:endParaRPr lang="es-ES" dirty="0"/>
+          </a:p>
+        </p:txBody>
+      </p:sp>
+    </p:spTree>
+    <p:extLst>
+      <p:ext uri="{BB962C8B-B14F-4D97-AF65-F5344CB8AC3E}">
+        <p14:creationId xmlns:p14="http://schemas.microsoft.com/office/powerpoint/2010/main" val="2695191375"/>
+      </p:ext>
+    </p:extLst>
+  </p:cSld>
+  <p:clrMapOvr>
+    <a:masterClrMapping/>
+  </p:clrMapOvr>
+</p:sld>
+</file>
+
+<file path=ppt/slides/slide12.xml><?xml version="1.0" encoding="utf-8"?>
+<p:sld xmlns:a="http://schemas.openxmlformats.org/drawingml/2006/main" xmlns:r="http://schemas.openxmlformats.org/officeDocument/2006/relationships" xmlns:p="http://schemas.openxmlformats.org/presentationml/2006/main">
+  <p:cSld>
+    <p:spTree>
+      <p:nvGrpSpPr>
+        <p:cNvPr id="1" name=""/>
+        <p:cNvGrpSpPr/>
+        <p:nvPr/>
+      </p:nvGrpSpPr>
+      <p:grpSpPr>
+        <a:xfrm>
+          <a:off x="0" y="0"/>
+          <a:ext cx="0" cy="0"/>
+          <a:chOff x="0" y="0"/>
+          <a:chExt cx="0" cy="0"/>
+        </a:xfrm>
+      </p:grpSpPr>
+      <p:sp>
+        <p:nvSpPr>
+          <p:cNvPr id="2" name="Título 1"/>
+          <p:cNvSpPr>
+            <a:spLocks noGrp="1"/>
+          </p:cNvSpPr>
+          <p:nvPr>
+            <p:ph type="title"/>
+          </p:nvPr>
+        </p:nvSpPr>
+        <p:spPr/>
+        <p:txBody>
+          <a:bodyPr/>
+          <a:lstStyle/>
+          <a:p>
+            <a:endParaRPr lang="es-ES"/>
+          </a:p>
+        </p:txBody>
+      </p:sp>
+      <p:sp>
+        <p:nvSpPr>
+          <p:cNvPr id="3" name="Marcador de contenido 2"/>
+          <p:cNvSpPr>
+            <a:spLocks noGrp="1"/>
+          </p:cNvSpPr>
+          <p:nvPr>
+            <p:ph idx="1"/>
+          </p:nvPr>
+        </p:nvSpPr>
+        <p:spPr/>
+        <p:txBody>
+          <a:bodyPr/>
+          <a:lstStyle/>
+          <a:p>
+            <a:endParaRPr lang="es-ES"/>
+          </a:p>
+        </p:txBody>
+      </p:sp>
+    </p:spTree>
+    <p:extLst>
+      <p:ext uri="{BB962C8B-B14F-4D97-AF65-F5344CB8AC3E}">
+        <p14:creationId xmlns:p14="http://schemas.microsoft.com/office/powerpoint/2010/main" val="2249228712"/>
+      </p:ext>
+    </p:extLst>
+  </p:cSld>
+  <p:clrMapOvr>
+    <a:masterClrMapping/>
+  </p:clrMapOvr>
+</p:sld>
+</file>
+
+<file path=ppt/slides/slide13.xml><?xml version="1.0" encoding="utf-8"?>
+<p:sld xmlns:a="http://schemas.openxmlformats.org/drawingml/2006/main" xmlns:r="http://schemas.openxmlformats.org/officeDocument/2006/relationships" xmlns:p="http://schemas.openxmlformats.org/presentationml/2006/main">
+  <p:cSld>
+    <p:spTree>
+      <p:nvGrpSpPr>
+        <p:cNvPr id="1" name=""/>
+        <p:cNvGrpSpPr/>
+        <p:nvPr/>
+      </p:nvGrpSpPr>
+      <p:grpSpPr>
+        <a:xfrm>
+          <a:off x="0" y="0"/>
+          <a:ext cx="0" cy="0"/>
+          <a:chOff x="0" y="0"/>
+          <a:chExt cx="0" cy="0"/>
+        </a:xfrm>
+      </p:grpSpPr>
+      <p:sp>
+        <p:nvSpPr>
+          <p:cNvPr id="2" name="Título 1"/>
+          <p:cNvSpPr>
+            <a:spLocks noGrp="1"/>
+          </p:cNvSpPr>
+          <p:nvPr>
+            <p:ph type="title"/>
+          </p:nvPr>
+        </p:nvSpPr>
+        <p:spPr/>
+        <p:txBody>
+          <a:bodyPr/>
+          <a:lstStyle/>
+          <a:p>
+            <a:endParaRPr lang="es-ES"/>
+          </a:p>
+        </p:txBody>
+      </p:sp>
+      <p:sp>
+        <p:nvSpPr>
+          <p:cNvPr id="3" name="Marcador de contenido 2"/>
+          <p:cNvSpPr>
+            <a:spLocks noGrp="1"/>
+          </p:cNvSpPr>
+          <p:nvPr>
+            <p:ph idx="1"/>
+          </p:nvPr>
+        </p:nvSpPr>
+        <p:spPr/>
+        <p:txBody>
+          <a:bodyPr/>
+          <a:lstStyle/>
+          <a:p>
+            <a:endParaRPr lang="es-ES"/>
+          </a:p>
+        </p:txBody>
+      </p:sp>
+    </p:spTree>
+    <p:extLst>
+      <p:ext uri="{BB962C8B-B14F-4D97-AF65-F5344CB8AC3E}">
+        <p14:creationId xmlns:p14="http://schemas.microsoft.com/office/powerpoint/2010/main" val="2246452530"/>
+      </p:ext>
+    </p:extLst>
+  </p:cSld>
+  <p:clrMapOvr>
+    <a:masterClrMapping/>
+  </p:clrMapOvr>
+</p:sld>
+</file>
+
+<file path=ppt/slides/slide14.xml><?xml version="1.0" encoding="utf-8"?>
+<p:sld xmlns:a="http://schemas.openxmlformats.org/drawingml/2006/main" xmlns:r="http://schemas.openxmlformats.org/officeDocument/2006/relationships" xmlns:p="http://schemas.openxmlformats.org/presentationml/2006/main">
+  <p:cSld>
+    <p:spTree>
+      <p:nvGrpSpPr>
+        <p:cNvPr id="1" name=""/>
+        <p:cNvGrpSpPr/>
+        <p:nvPr/>
+      </p:nvGrpSpPr>
+      <p:grpSpPr>
+        <a:xfrm>
+          <a:off x="0" y="0"/>
+          <a:ext cx="0" cy="0"/>
+          <a:chOff x="0" y="0"/>
+          <a:chExt cx="0" cy="0"/>
+        </a:xfrm>
+      </p:grpSpPr>
+      <p:sp>
+        <p:nvSpPr>
+          <p:cNvPr id="2" name="Título 1"/>
+          <p:cNvSpPr>
+            <a:spLocks noGrp="1"/>
+          </p:cNvSpPr>
+          <p:nvPr>
+            <p:ph type="title"/>
+          </p:nvPr>
+        </p:nvSpPr>
+        <p:spPr/>
+        <p:txBody>
+          <a:bodyPr/>
+          <a:lstStyle/>
+          <a:p>
+            <a:pPr lvl="0"/>
+            <a:r>
+              <a:rPr lang="es-ES" b="1" dirty="0"/>
+              <a:t>Requisitos Específicos</a:t>
+            </a:r>
+            <a:r>
+              <a:rPr lang="es-ES" dirty="0"/>
+              <a:t/>
+            </a:r>
+            <a:br>
+              <a:rPr lang="es-ES" dirty="0"/>
+            </a:br>
+            <a:endParaRPr lang="es-ES" dirty="0"/>
+          </a:p>
+        </p:txBody>
+      </p:sp>
+      <p:sp>
+        <p:nvSpPr>
+          <p:cNvPr id="3" name="Marcador de contenido 2"/>
+          <p:cNvSpPr>
+            <a:spLocks noGrp="1"/>
+          </p:cNvSpPr>
+          <p:nvPr>
+            <p:ph idx="1"/>
+          </p:nvPr>
+        </p:nvSpPr>
+        <p:spPr>
+          <a:xfrm>
+            <a:off x="646111" y="1434732"/>
+            <a:ext cx="8946541" cy="4195481"/>
+          </a:xfrm>
+        </p:spPr>
+        <p:txBody>
+          <a:bodyPr/>
+          <a:lstStyle/>
+          <a:p>
+            <a:pPr marL="457200" lvl="1" indent="0">
+              <a:buNone/>
+            </a:pPr>
+            <a:r>
+              <a:rPr lang="es-ES" sz="2000" b="1" dirty="0"/>
+              <a:t>I</a:t>
+            </a:r>
+            <a:r>
+              <a:rPr lang="es-ES" sz="2000" b="1" dirty="0" smtClean="0"/>
+              <a:t>nterfaces </a:t>
+            </a:r>
+            <a:r>
+              <a:rPr lang="es-ES" sz="2000" b="1" dirty="0"/>
+              <a:t>Externas </a:t>
+            </a:r>
+            <a:endParaRPr lang="es-ES" sz="2000" dirty="0"/>
+          </a:p>
+          <a:p>
+            <a:r>
+              <a:rPr lang="es-ES" dirty="0"/>
+              <a:t>El sistema </a:t>
+            </a:r>
+            <a:r>
+              <a:rPr lang="es-ES" dirty="0" err="1"/>
+              <a:t>DeliverYApp</a:t>
+            </a:r>
+            <a:r>
+              <a:rPr lang="es-ES" dirty="0"/>
+              <a:t> no tendrá interconexión con otros sistemas informáticos por lo tanto no es necesario la utilización de interfaces específicas para este punto.</a:t>
+            </a:r>
+          </a:p>
+          <a:p>
+            <a:endParaRPr lang="es-ES" dirty="0"/>
+          </a:p>
+        </p:txBody>
+      </p:sp>
+    </p:spTree>
+    <p:extLst>
+      <p:ext uri="{BB962C8B-B14F-4D97-AF65-F5344CB8AC3E}">
+        <p14:creationId xmlns:p14="http://schemas.microsoft.com/office/powerpoint/2010/main" val="3035906080"/>
+      </p:ext>
+    </p:extLst>
+  </p:cSld>
+  <p:clrMapOvr>
+    <a:masterClrMapping/>
+  </p:clrMapOvr>
+</p:sld>
+</file>
+
+<file path=ppt/slides/slide15.xml><?xml version="1.0" encoding="utf-8"?>
+<p:sld xmlns:a="http://schemas.openxmlformats.org/drawingml/2006/main" xmlns:r="http://schemas.openxmlformats.org/officeDocument/2006/relationships" xmlns:p="http://schemas.openxmlformats.org/presentationml/2006/main">
+  <p:cSld>
+    <p:spTree>
+      <p:nvGrpSpPr>
+        <p:cNvPr id="1" name=""/>
+        <p:cNvGrpSpPr/>
+        <p:nvPr/>
+      </p:nvGrpSpPr>
+      <p:grpSpPr>
+        <a:xfrm>
+          <a:off x="0" y="0"/>
+          <a:ext cx="0" cy="0"/>
+          <a:chOff x="0" y="0"/>
+          <a:chExt cx="0" cy="0"/>
+        </a:xfrm>
+      </p:grpSpPr>
+      <p:sp>
+        <p:nvSpPr>
+          <p:cNvPr id="2" name="Título 1"/>
+          <p:cNvSpPr>
+            <a:spLocks noGrp="1"/>
+          </p:cNvSpPr>
+          <p:nvPr>
+            <p:ph type="title"/>
+          </p:nvPr>
+        </p:nvSpPr>
+        <p:spPr>
+          <a:xfrm>
+            <a:off x="787520" y="1148176"/>
+            <a:ext cx="10689465" cy="1157141"/>
+          </a:xfrm>
+        </p:spPr>
+        <p:txBody>
+          <a:bodyPr/>
+          <a:lstStyle/>
+          <a:p>
+            <a:r>
+              <a:rPr lang="es-ES" b="1" dirty="0"/>
+              <a:t>Definiciones, acrónimos y abreviaturas</a:t>
+            </a:r>
+            <a:endParaRPr lang="es-ES" dirty="0"/>
+          </a:p>
+        </p:txBody>
+      </p:sp>
+      <p:pic>
+        <p:nvPicPr>
+          <p:cNvPr id="4" name="Marcador de contenido 3"/>
+          <p:cNvPicPr>
+            <a:picLocks noGrp="1" noChangeAspect="1"/>
+          </p:cNvPicPr>
+          <p:nvPr>
+            <p:ph idx="1"/>
+          </p:nvPr>
+        </p:nvPicPr>
+        <p:blipFill rotWithShape="1">
+          <a:blip r:embed="rId2"/>
+          <a:srcRect l="27195" t="26141" r="10498" b="26192"/>
+          <a:stretch/>
+        </p:blipFill>
+        <p:spPr>
+          <a:xfrm>
+            <a:off x="1822567" y="2343952"/>
+            <a:ext cx="8361793" cy="3580327"/>
+          </a:xfrm>
+          <a:prstGeom prst="rect">
+            <a:avLst/>
+          </a:prstGeom>
+          <a:ln w="228600" cap="sq" cmpd="thickThin">
+            <a:solidFill>
+              <a:srgbClr val="000000"/>
+            </a:solidFill>
+            <a:prstDash val="solid"/>
+            <a:miter lim="800000"/>
+          </a:ln>
+          <a:effectLst>
+            <a:innerShdw blurRad="76200">
+              <a:srgbClr val="000000"/>
+            </a:innerShdw>
+          </a:effectLst>
+        </p:spPr>
+      </p:pic>
+    </p:spTree>
+    <p:extLst>
+      <p:ext uri="{BB962C8B-B14F-4D97-AF65-F5344CB8AC3E}">
+        <p14:creationId xmlns:p14="http://schemas.microsoft.com/office/powerpoint/2010/main" val="1364109173"/>
+      </p:ext>
+    </p:extLst>
+  </p:cSld>
+  <p:clrMapOvr>
+    <a:masterClrMapping/>
+  </p:clrMapOvr>
+  <p:timing>
+    <p:tnLst>
+      <p:par>
+        <p:cTn id="1" dur="indefinite" restart="never" nodeType="tmRoot"/>
+      </p:par>
+    </p:tnLst>
+  </p:timing>
+</p:sld>
+</file>
+
+<file path=ppt/slides/slide16.xml><?xml version="1.0" encoding="utf-8"?>
+<p:sld xmlns:a="http://schemas.openxmlformats.org/drawingml/2006/main" xmlns:r="http://schemas.openxmlformats.org/officeDocument/2006/relationships" xmlns:p="http://schemas.openxmlformats.org/presentationml/2006/main">
+  <p:cSld>
+    <p:spTree>
+      <p:nvGrpSpPr>
+        <p:cNvPr id="1" name=""/>
+        <p:cNvGrpSpPr/>
+        <p:nvPr/>
+      </p:nvGrpSpPr>
+      <p:grpSpPr>
+        <a:xfrm>
+          <a:off x="0" y="0"/>
+          <a:ext cx="0" cy="0"/>
+          <a:chOff x="0" y="0"/>
+          <a:chExt cx="0" cy="0"/>
+        </a:xfrm>
+      </p:grpSpPr>
       <p:pic>
         <p:nvPicPr>
           <p:cNvPr id="4" name="Marcador de contenido 3"/>
@@ -6225,7 +6807,7 @@
 </p:sld>
 </file>
 
-<file path=ppt/slides/slide11.xml><?xml version="1.0" encoding="utf-8"?>
+<file path=ppt/slides/slide17.xml><?xml version="1.0" encoding="utf-8"?>
 <p:sld xmlns:a="http://schemas.openxmlformats.org/drawingml/2006/main" xmlns:r="http://schemas.openxmlformats.org/officeDocument/2006/relationships" xmlns:p="http://schemas.openxmlformats.org/presentationml/2006/main">
   <p:cSld>
     <p:spTree>
@@ -6340,7 +6922,7 @@
 </p:sld>
 </file>
 
-<file path=ppt/slides/slide12.xml><?xml version="1.0" encoding="utf-8"?>
+<file path=ppt/slides/slide18.xml><?xml version="1.0" encoding="utf-8"?>
 <p:sld xmlns:a="http://schemas.openxmlformats.org/drawingml/2006/main" xmlns:r="http://schemas.openxmlformats.org/officeDocument/2006/relationships" xmlns:p="http://schemas.openxmlformats.org/presentationml/2006/main">
   <p:cSld>
     <p:spTree>
@@ -6403,7 +6985,7 @@
 </p:sld>
 </file>
 
-<file path=ppt/slides/slide13.xml><?xml version="1.0" encoding="utf-8"?>
+<file path=ppt/slides/slide19.xml><?xml version="1.0" encoding="utf-8"?>
 <p:sld xmlns:a="http://schemas.openxmlformats.org/drawingml/2006/main" xmlns:r="http://schemas.openxmlformats.org/officeDocument/2006/relationships" xmlns:p="http://schemas.openxmlformats.org/presentationml/2006/main">
   <p:cSld>
     <p:spTree>
@@ -6596,30 +7178,6 @@
               <a:t>DeliverYapp</a:t>
             </a:r>
             <a:endParaRPr lang="es-ES" sz="9600" dirty="0"/>
-          </a:p>
-        </p:txBody>
-      </p:sp>
-      <p:sp>
-        <p:nvSpPr>
-          <p:cNvPr id="3" name="Marcador de contenido 2"/>
-          <p:cNvSpPr>
-            <a:spLocks noGrp="1"/>
-          </p:cNvSpPr>
-          <p:nvPr>
-            <p:ph idx="1"/>
-          </p:nvPr>
-        </p:nvSpPr>
-        <p:spPr>
-          <a:xfrm>
-            <a:off x="1133341" y="4790941"/>
-            <a:ext cx="8916512" cy="1457458"/>
-          </a:xfrm>
-        </p:spPr>
-        <p:txBody>
-          <a:bodyPr/>
-          <a:lstStyle/>
-          <a:p>
-            <a:endParaRPr lang="es-ES" dirty="0"/>
           </a:p>
         </p:txBody>
       </p:sp>
@@ -7776,26 +8334,43 @@
         </p:nvSpPr>
         <p:spPr>
           <a:xfrm>
-            <a:off x="1219221" y="2306644"/>
-            <a:ext cx="9663427" cy="4158551"/>
+            <a:off x="1174144" y="2113461"/>
+            <a:ext cx="8542965" cy="3630517"/>
           </a:xfrm>
         </p:spPr>
         <p:txBody>
           <a:bodyPr>
-            <a:normAutofit/>
+            <a:normAutofit lnSpcReduction="10000"/>
           </a:bodyPr>
           <a:lstStyle/>
           <a:p>
-            <a:r>
-              <a:rPr lang="es-ES" sz="3600" dirty="0"/>
-              <a:t>El sistema </a:t>
-            </a:r>
-            <a:r>
-              <a:rPr lang="es-ES" sz="3600" dirty="0" err="1"/>
+            <a:pPr marL="0" indent="0">
+              <a:buNone/>
+            </a:pPr>
+            <a:r>
+              <a:rPr lang="es-ES" sz="3200" b="1" dirty="0"/>
+              <a:t>Perspectiva del producto</a:t>
+            </a:r>
+            <a:endParaRPr lang="es-ES" sz="3200" dirty="0" smtClean="0"/>
+          </a:p>
+          <a:p>
+            <a:pPr marL="0" indent="0">
+              <a:buNone/>
+            </a:pPr>
+            <a:r>
+              <a:rPr lang="es-ES" sz="3200" dirty="0" smtClean="0"/>
+              <a:t>El </a:t>
+            </a:r>
+            <a:r>
+              <a:rPr lang="es-ES" sz="3200" dirty="0"/>
+              <a:t>sistema </a:t>
+            </a:r>
+            <a:r>
+              <a:rPr lang="es-ES" sz="3200" dirty="0" err="1"/>
               <a:t>DeliverYApp</a:t>
             </a:r>
             <a:r>
-              <a:rPr lang="es-ES" sz="3600" dirty="0"/>
+              <a:rPr lang="es-ES" sz="3200" dirty="0"/>
               <a:t> será un producto diseñado para trabajar en entornos web, lo que permitirá su utilización de forma descentralizada, además trabajará de manera independiente por lo tanto no interactuará con otro sistemas.</a:t>
             </a:r>
           </a:p>
@@ -7814,7 +8389,7 @@
         </p:nvSpPr>
         <p:spPr>
           <a:xfrm>
-            <a:off x="646111" y="358713"/>
+            <a:off x="1174144" y="929780"/>
             <a:ext cx="9404723" cy="629107"/>
           </a:xfrm>
           <a:prstGeom prst="rect">
@@ -7913,113 +8488,6 @@
           </a:p>
         </p:txBody>
       </p:sp>
-      <p:sp>
-        <p:nvSpPr>
-          <p:cNvPr id="8" name="Título 1"/>
-          <p:cNvSpPr txBox="1">
-            <a:spLocks/>
-          </p:cNvSpPr>
-          <p:nvPr/>
-        </p:nvSpPr>
-        <p:spPr>
-          <a:xfrm>
-            <a:off x="646111" y="1442953"/>
-            <a:ext cx="9251303" cy="408557"/>
-          </a:xfrm>
-          <a:prstGeom prst="rect">
-            <a:avLst/>
-          </a:prstGeom>
-        </p:spPr>
-        <p:txBody>
-          <a:bodyPr vert="horz" lIns="91440" tIns="45720" rIns="91440" bIns="45720" rtlCol="0" anchor="t">
-            <a:noAutofit/>
-          </a:bodyPr>
-          <a:lstStyle>
-            <a:lvl1pPr algn="l" defTabSz="457200" rtl="0" eaLnBrk="1" latinLnBrk="0" hangingPunct="1">
-              <a:spcBef>
-                <a:spcPct val="0"/>
-              </a:spcBef>
-              <a:buNone/>
-              <a:defRPr sz="4200" b="0" i="0" kern="1200">
-                <a:solidFill>
-                  <a:schemeClr val="tx2"/>
-                </a:solidFill>
-                <a:latin typeface="+mj-lt"/>
-                <a:ea typeface="+mj-ea"/>
-                <a:cs typeface="+mj-cs"/>
-              </a:defRPr>
-            </a:lvl1pPr>
-            <a:lvl2pPr eaLnBrk="1" hangingPunct="1">
-              <a:defRPr>
-                <a:solidFill>
-                  <a:schemeClr val="tx2"/>
-                </a:solidFill>
-              </a:defRPr>
-            </a:lvl2pPr>
-            <a:lvl3pPr eaLnBrk="1" hangingPunct="1">
-              <a:defRPr>
-                <a:solidFill>
-                  <a:schemeClr val="tx2"/>
-                </a:solidFill>
-              </a:defRPr>
-            </a:lvl3pPr>
-            <a:lvl4pPr eaLnBrk="1" hangingPunct="1">
-              <a:defRPr>
-                <a:solidFill>
-                  <a:schemeClr val="tx2"/>
-                </a:solidFill>
-              </a:defRPr>
-            </a:lvl4pPr>
-            <a:lvl5pPr eaLnBrk="1" hangingPunct="1">
-              <a:defRPr>
-                <a:solidFill>
-                  <a:schemeClr val="tx2"/>
-                </a:solidFill>
-              </a:defRPr>
-            </a:lvl5pPr>
-            <a:lvl6pPr eaLnBrk="1" hangingPunct="1">
-              <a:defRPr>
-                <a:solidFill>
-                  <a:schemeClr val="tx2"/>
-                </a:solidFill>
-              </a:defRPr>
-            </a:lvl6pPr>
-            <a:lvl7pPr eaLnBrk="1" hangingPunct="1">
-              <a:defRPr>
-                <a:solidFill>
-                  <a:schemeClr val="tx2"/>
-                </a:solidFill>
-              </a:defRPr>
-            </a:lvl7pPr>
-            <a:lvl8pPr eaLnBrk="1" hangingPunct="1">
-              <a:defRPr>
-                <a:solidFill>
-                  <a:schemeClr val="tx2"/>
-                </a:solidFill>
-              </a:defRPr>
-            </a:lvl8pPr>
-            <a:lvl9pPr eaLnBrk="1" hangingPunct="1">
-              <a:defRPr>
-                <a:solidFill>
-                  <a:schemeClr val="tx2"/>
-                </a:solidFill>
-              </a:defRPr>
-            </a:lvl9pPr>
-          </a:lstStyle>
-          <a:p>
-            <a:pPr lvl="1"/>
-            <a:r>
-              <a:rPr lang="es-ES" sz="4800" b="1" dirty="0"/>
-              <a:t>Perspectiva del </a:t>
-            </a:r>
-            <a:r>
-              <a:rPr lang="es-ES" sz="4800" b="1" dirty="0" smtClean="0"/>
-              <a:t>producto</a:t>
-            </a:r>
-            <a:endParaRPr lang="es-ES" sz="4800" dirty="0"/>
-          </a:p>
-        </p:txBody>
-      </p:sp>
     </p:spTree>
     <p:extLst>
       <p:ext uri="{BB962C8B-B14F-4D97-AF65-F5344CB8AC3E}">
@@ -8060,12 +8528,21 @@
             <p:ph type="title"/>
           </p:nvPr>
         </p:nvSpPr>
-        <p:spPr/>
+        <p:spPr>
+          <a:xfrm>
+            <a:off x="695460" y="388323"/>
+            <a:ext cx="9406890" cy="693502"/>
+          </a:xfrm>
+        </p:spPr>
         <p:txBody>
           <a:bodyPr/>
           <a:lstStyle/>
           <a:p>
-            <a:endParaRPr lang="es-ES"/>
+            <a:r>
+              <a:rPr lang="es-ES" b="1" dirty="0"/>
+              <a:t>Funciones del Producto</a:t>
+            </a:r>
+            <a:endParaRPr lang="es-ES" dirty="0"/>
           </a:p>
         </p:txBody>
       </p:sp>
@@ -8079,12 +8556,157 @@
             <p:ph idx="1"/>
           </p:nvPr>
         </p:nvSpPr>
-        <p:spPr/>
-        <p:txBody>
-          <a:bodyPr/>
+        <p:spPr>
+          <a:xfrm>
+            <a:off x="695460" y="1313645"/>
+            <a:ext cx="10805375" cy="5267459"/>
+          </a:xfrm>
+        </p:spPr>
+        <p:txBody>
+          <a:bodyPr>
+            <a:normAutofit lnSpcReduction="10000"/>
+          </a:bodyPr>
           <a:lstStyle/>
           <a:p>
-            <a:endParaRPr lang="es-ES"/>
+            <a:pPr marL="0" indent="0">
+              <a:buNone/>
+            </a:pPr>
+            <a:r>
+              <a:rPr lang="es-419" b="1" dirty="0"/>
+              <a:t>El sistema DeliverYApp permitirá realizar las siguientes </a:t>
+            </a:r>
+            <a:r>
+              <a:rPr lang="es-419" b="1" dirty="0" smtClean="0"/>
+              <a:t>funciones</a:t>
+            </a:r>
+            <a:r>
+              <a:rPr lang="es-ES" b="1" dirty="0" smtClean="0"/>
+              <a:t>:</a:t>
+            </a:r>
+          </a:p>
+          <a:p>
+            <a:pPr lvl="0"/>
+            <a:r>
+              <a:rPr lang="es-ES" b="1" dirty="0"/>
+              <a:t>Registro de Empresa (</a:t>
+            </a:r>
+            <a:r>
+              <a:rPr lang="es-ES" b="1" dirty="0" err="1"/>
+              <a:t>Login</a:t>
+            </a:r>
+            <a:r>
+              <a:rPr lang="es-ES" b="1" dirty="0"/>
+              <a:t> - Empresa):</a:t>
+            </a:r>
+            <a:r>
+              <a:rPr lang="es-ES" dirty="0"/>
+              <a:t> Se le proveerá de un usuario y contraseña para que pueda acceder  y tener control de los servicios que provee el sistema. </a:t>
+            </a:r>
+            <a:endParaRPr lang="es-ES" dirty="0" smtClean="0"/>
+          </a:p>
+          <a:p>
+            <a:r>
+              <a:rPr lang="es-ES" b="1" dirty="0"/>
+              <a:t>Gestión de roles:</a:t>
+            </a:r>
+            <a:r>
+              <a:rPr lang="es-ES" dirty="0"/>
+              <a:t> Se especificará los niveles de accesos del sistema. </a:t>
+            </a:r>
+          </a:p>
+          <a:p>
+            <a:r>
+              <a:rPr lang="es-ES" b="1" dirty="0"/>
+              <a:t>Gestión de usuario:</a:t>
+            </a:r>
+            <a:r>
+              <a:rPr lang="es-ES" dirty="0"/>
+              <a:t> Se crearan los diferentes usuarios del sistema indicando sus roles.</a:t>
+            </a:r>
+          </a:p>
+          <a:p>
+            <a:r>
+              <a:rPr lang="es-ES" b="1" dirty="0"/>
+              <a:t>Gestión de menú:</a:t>
+            </a:r>
+            <a:r>
+              <a:rPr lang="es-ES" dirty="0"/>
+              <a:t> Este contendrá un formulario para el registro de los datos del producto, platos, precios, foto, etc.</a:t>
+            </a:r>
+          </a:p>
+          <a:p>
+            <a:r>
+              <a:rPr lang="es-ES" b="1" dirty="0"/>
+              <a:t>Gestión de pedidos:</a:t>
+            </a:r>
+            <a:r>
+              <a:rPr lang="es-ES" dirty="0"/>
+              <a:t> Este contendrá opciones para manejar los estados de los pedidos</a:t>
+            </a:r>
+            <a:r>
+              <a:rPr lang="es-ES" dirty="0" smtClean="0"/>
+              <a:t>.</a:t>
+            </a:r>
+          </a:p>
+          <a:p>
+            <a:r>
+              <a:rPr lang="es-ES" b="1" dirty="0"/>
+              <a:t>Gestión de informes</a:t>
+            </a:r>
+            <a:r>
+              <a:rPr lang="es-ES" dirty="0"/>
+              <a:t>: Este contendrá opción para generar informes estadísticos</a:t>
+            </a:r>
+            <a:r>
+              <a:rPr lang="es-ES" dirty="0" smtClean="0"/>
+              <a:t>.</a:t>
+            </a:r>
+          </a:p>
+          <a:p>
+            <a:pPr lvl="0"/>
+            <a:r>
+              <a:rPr lang="es-ES" b="1" dirty="0"/>
+              <a:t>Registro de cliente (</a:t>
+            </a:r>
+            <a:r>
+              <a:rPr lang="es-ES" b="1" dirty="0" err="1"/>
+              <a:t>Login</a:t>
+            </a:r>
+            <a:r>
+              <a:rPr lang="es-ES" b="1" dirty="0"/>
+              <a:t> - cliente):</a:t>
+            </a:r>
+            <a:r>
+              <a:rPr lang="es-ES" dirty="0"/>
+              <a:t> El cliente deberá registrarse antes de solicitar el pedido.</a:t>
+            </a:r>
+          </a:p>
+          <a:p>
+            <a:pPr lvl="0"/>
+            <a:r>
+              <a:rPr lang="es-ES" b="1" dirty="0"/>
+              <a:t>Elección y confirmación del pedido:</a:t>
+            </a:r>
+            <a:r>
+              <a:rPr lang="es-ES" dirty="0"/>
+              <a:t> Este contendrá opciones de elección de los diferentes tipos de platos que a su vez deberá ser confirmado.</a:t>
+            </a:r>
+          </a:p>
+          <a:p>
+            <a:endParaRPr lang="es-ES" dirty="0"/>
+          </a:p>
+          <a:p>
+            <a:pPr lvl="0"/>
+            <a:endParaRPr lang="es-ES" dirty="0"/>
+          </a:p>
+          <a:p>
+            <a:endParaRPr lang="es-ES" b="1" dirty="0" smtClean="0"/>
+          </a:p>
+          <a:p>
+            <a:pPr marL="0" indent="0">
+              <a:buNone/>
+            </a:pPr>
+            <a:endParaRPr lang="es-ES" b="1" dirty="0"/>
           </a:p>
         </p:txBody>
       </p:sp>
@@ -8120,39 +8742,68 @@
       </p:grpSpPr>
       <p:sp>
         <p:nvSpPr>
-          <p:cNvPr id="2" name="Título 1"/>
-          <p:cNvSpPr>
-            <a:spLocks noGrp="1"/>
-          </p:cNvSpPr>
-          <p:nvPr>
-            <p:ph type="title"/>
-          </p:nvPr>
-        </p:nvSpPr>
-        <p:spPr/>
+          <p:cNvPr id="3" name="Marcador de contenido 2"/>
+          <p:cNvSpPr>
+            <a:spLocks noGrp="1"/>
+          </p:cNvSpPr>
+          <p:nvPr>
+            <p:ph idx="1"/>
+          </p:nvPr>
+        </p:nvSpPr>
+        <p:spPr>
+          <a:xfrm>
+            <a:off x="859595" y="958214"/>
+            <a:ext cx="9971538" cy="5197888"/>
+          </a:xfrm>
+        </p:spPr>
         <p:txBody>
           <a:bodyPr/>
           <a:lstStyle/>
           <a:p>
-            <a:endParaRPr lang="es-ES"/>
-          </a:p>
-        </p:txBody>
-      </p:sp>
-      <p:sp>
-        <p:nvSpPr>
-          <p:cNvPr id="3" name="Marcador de contenido 2"/>
-          <p:cNvSpPr>
-            <a:spLocks noGrp="1"/>
-          </p:cNvSpPr>
-          <p:nvPr>
-            <p:ph idx="1"/>
-          </p:nvPr>
-        </p:nvSpPr>
-        <p:spPr/>
-        <p:txBody>
-          <a:bodyPr/>
-          <a:lstStyle/>
-          <a:p>
-            <a:endParaRPr lang="es-ES"/>
+            <a:pPr marL="0" indent="0">
+              <a:buNone/>
+            </a:pPr>
+            <a:r>
+              <a:rPr lang="es-419" sz="3000" b="1" dirty="0"/>
+              <a:t>Características de los usuarios: </a:t>
+            </a:r>
+            <a:endParaRPr lang="es-419" sz="3000" b="1" dirty="0"/>
+          </a:p>
+          <a:p>
+            <a:pPr lvl="0"/>
+            <a:r>
+              <a:rPr lang="es-ES" b="1" dirty="0"/>
+              <a:t>Administrador del sistema:</a:t>
+            </a:r>
+            <a:r>
+              <a:rPr lang="es-ES" dirty="0"/>
+              <a:t> usuario con gran conocimiento en el manejo del sistema, con una previa capacitación por parte de la entidad.</a:t>
+            </a:r>
+          </a:p>
+          <a:p>
+            <a:pPr lvl="0"/>
+            <a:r>
+              <a:rPr lang="es-ES" b="1" dirty="0"/>
+              <a:t>Usuario del sistema: </a:t>
+            </a:r>
+            <a:r>
+              <a:rPr lang="es-ES" dirty="0"/>
+              <a:t>es el encargado de gestionar los pedidos, con una previa capacitación por parte de la entidad.</a:t>
+            </a:r>
+          </a:p>
+          <a:p>
+            <a:pPr lvl="0"/>
+            <a:r>
+              <a:rPr lang="es-ES" b="1" dirty="0"/>
+              <a:t>Cliente:</a:t>
+            </a:r>
+            <a:r>
+              <a:rPr lang="es-ES" dirty="0"/>
+              <a:t> usuario visitante que solita los pedidos, debe contar con un conocimiento básico sobre el manejo de páginas web.</a:t>
+            </a:r>
+          </a:p>
+          <a:p>
+            <a:endParaRPr lang="es-ES" dirty="0"/>
           </a:p>
         </p:txBody>
       </p:sp>
@@ -8196,78 +8847,164 @@
             <p:ph type="title"/>
           </p:nvPr>
         </p:nvSpPr>
+        <p:spPr/>
+        <p:txBody>
+          <a:bodyPr/>
+          <a:lstStyle/>
+          <a:p>
+            <a:r>
+              <a:rPr lang="es-ES" dirty="0" smtClean="0"/>
+              <a:t>Restricciones</a:t>
+            </a:r>
+            <a:endParaRPr lang="es-ES" dirty="0"/>
+          </a:p>
+        </p:txBody>
+      </p:sp>
+      <p:sp>
+        <p:nvSpPr>
+          <p:cNvPr id="3" name="Marcador de contenido 2"/>
+          <p:cNvSpPr>
+            <a:spLocks noGrp="1"/>
+          </p:cNvSpPr>
+          <p:nvPr>
+            <p:ph idx="1"/>
+          </p:nvPr>
+        </p:nvSpPr>
         <p:spPr>
           <a:xfrm>
-            <a:off x="787520" y="1148176"/>
-            <a:ext cx="10689465" cy="1157141"/>
+            <a:off x="308531" y="1254427"/>
+            <a:ext cx="11153667" cy="5391071"/>
           </a:xfrm>
         </p:spPr>
         <p:txBody>
-          <a:bodyPr/>
+          <a:bodyPr>
+            <a:normAutofit/>
+          </a:bodyPr>
           <a:lstStyle/>
           <a:p>
-            <a:r>
-              <a:rPr lang="es-ES" b="1" dirty="0"/>
-              <a:t>Definiciones, acrónimos y abreviaturas</a:t>
-            </a:r>
+            <a:pPr lvl="0"/>
+            <a:r>
+              <a:rPr lang="es-ES" sz="1900" b="1" dirty="0"/>
+              <a:t>Políticas de la empresa:</a:t>
+            </a:r>
+            <a:r>
+              <a:rPr lang="es-ES" sz="1900" dirty="0"/>
+              <a:t> La aplicación se desarrollara mediante software de licencia abierta por lo tanto no se deberá pagar por el uso del servidor web(apache), sistema de gestión de base de datos (</a:t>
+            </a:r>
+            <a:r>
+              <a:rPr lang="es-ES" sz="1900" dirty="0" err="1"/>
+              <a:t>MySQL</a:t>
+            </a:r>
+            <a:r>
+              <a:rPr lang="es-ES" sz="1900" dirty="0"/>
+              <a:t>) y el lenguaje de programación </a:t>
+            </a:r>
+            <a:r>
+              <a:rPr lang="es-ES" sz="1900" dirty="0" err="1"/>
+              <a:t>RoR</a:t>
+            </a:r>
+            <a:r>
+              <a:rPr lang="es-ES" sz="1900" dirty="0"/>
+              <a:t>, por lo tanto la utilización de estos programas se harán mediantes las políticas establecidas por este tipo de licenciamiento</a:t>
+            </a:r>
+            <a:r>
+              <a:rPr lang="es-ES" sz="1900" dirty="0" smtClean="0"/>
+              <a:t>.</a:t>
+            </a:r>
+          </a:p>
+          <a:p>
+            <a:r>
+              <a:rPr lang="es-ES" sz="1900" b="1" dirty="0"/>
+              <a:t>Limitaciones del hardware:</a:t>
+            </a:r>
+            <a:r>
+              <a:rPr lang="es-ES" sz="1900" dirty="0"/>
+              <a:t> para esta aplicación será necesaria un computador servidor en el cual se instalara el servidor web apache, </a:t>
+            </a:r>
+            <a:r>
+              <a:rPr lang="es-ES" sz="1900" dirty="0" err="1"/>
+              <a:t>MySQl</a:t>
+            </a:r>
+            <a:r>
+              <a:rPr lang="es-ES" sz="1900" dirty="0"/>
+              <a:t>, </a:t>
+            </a:r>
+            <a:r>
+              <a:rPr lang="es-ES" sz="1900" dirty="0" err="1"/>
+              <a:t>RoR</a:t>
+            </a:r>
+            <a:r>
+              <a:rPr lang="es-ES" sz="1900" dirty="0"/>
+              <a:t> y la aplicación </a:t>
+            </a:r>
+            <a:r>
+              <a:rPr lang="es-ES" sz="1900" dirty="0" err="1"/>
+              <a:t>DeliverYApp</a:t>
+            </a:r>
+            <a:r>
+              <a:rPr lang="es-ES" sz="1900" dirty="0"/>
+              <a:t>.</a:t>
+            </a:r>
+          </a:p>
+          <a:p>
+            <a:r>
+              <a:rPr lang="es-ES" sz="1900" b="1" dirty="0"/>
+              <a:t>Interfaces con otras aplicaciones:</a:t>
+            </a:r>
+            <a:r>
+              <a:rPr lang="es-ES" sz="1900" dirty="0"/>
+              <a:t> Debido a que el sistema no interactúa con otro sistema y es autónomo no se desarrollaran interfaces con otras aplicaciones. Las conexiones necesarias para la utilización del servidor web, </a:t>
+            </a:r>
+            <a:r>
+              <a:rPr lang="es-ES" sz="1900" dirty="0" err="1"/>
+              <a:t>MySQL</a:t>
+            </a:r>
+            <a:r>
+              <a:rPr lang="es-ES" sz="1900" dirty="0"/>
+              <a:t>, </a:t>
+            </a:r>
+            <a:r>
+              <a:rPr lang="es-ES" sz="1900" dirty="0" err="1"/>
+              <a:t>RoR</a:t>
+            </a:r>
+            <a:r>
+              <a:rPr lang="es-ES" sz="1900" dirty="0"/>
+              <a:t> y un DNS será por medio de la configuración de estos programas.</a:t>
+            </a:r>
+          </a:p>
+          <a:p>
+            <a:r>
+              <a:rPr lang="es-ES" sz="1900" b="1" dirty="0"/>
+              <a:t>Funciones de control:</a:t>
+            </a:r>
+            <a:r>
+              <a:rPr lang="es-ES" sz="1900" dirty="0"/>
+              <a:t> El sistema debe controlar los permisos que tiene los usuarios para su accesibilidad de una manera correcta, de tal forma que pueda acceder la información que le corresponde de acuerdo a su rol. Debe tener controles adecuados para la validación de datos</a:t>
+            </a:r>
+            <a:r>
+              <a:rPr lang="es-ES" sz="1900" dirty="0" smtClean="0"/>
+              <a:t>.</a:t>
+            </a:r>
+          </a:p>
+          <a:p>
+            <a:pPr lvl="0"/>
             <a:endParaRPr lang="es-ES" dirty="0"/>
           </a:p>
-        </p:txBody>
-      </p:sp>
-      <p:pic>
-        <p:nvPicPr>
-          <p:cNvPr id="4" name="Marcador de contenido 3"/>
-          <p:cNvPicPr>
-            <a:picLocks noGrp="1" noChangeAspect="1"/>
-          </p:cNvPicPr>
-          <p:nvPr>
-            <p:ph idx="1"/>
-          </p:nvPr>
-        </p:nvPicPr>
-        <p:blipFill rotWithShape="1">
-          <a:blip r:embed="rId2"/>
-          <a:srcRect l="27195" t="26141" r="10498" b="26192"/>
-          <a:stretch/>
-        </p:blipFill>
-        <p:spPr>
-          <a:xfrm>
-            <a:off x="1822567" y="2343952"/>
-            <a:ext cx="8361793" cy="3580327"/>
-          </a:xfrm>
-          <a:prstGeom prst="rect">
-            <a:avLst/>
-          </a:prstGeom>
-          <a:ln w="228600" cap="sq" cmpd="thickThin">
-            <a:solidFill>
-              <a:srgbClr val="000000"/>
-            </a:solidFill>
-            <a:prstDash val="solid"/>
-            <a:miter lim="800000"/>
-          </a:ln>
-          <a:effectLst>
-            <a:innerShdw blurRad="76200">
-              <a:srgbClr val="000000"/>
-            </a:innerShdw>
-          </a:effectLst>
-        </p:spPr>
-      </p:pic>
+          <a:p>
+            <a:endParaRPr lang="es-ES" dirty="0"/>
+          </a:p>
+        </p:txBody>
+      </p:sp>
     </p:spTree>
     <p:extLst>
       <p:ext uri="{BB962C8B-B14F-4D97-AF65-F5344CB8AC3E}">
-        <p14:creationId xmlns:p14="http://schemas.microsoft.com/office/powerpoint/2010/main" val="1364109173"/>
+        <p14:creationId xmlns:p14="http://schemas.microsoft.com/office/powerpoint/2010/main" val="480829632"/>
       </p:ext>
     </p:extLst>
   </p:cSld>
   <p:clrMapOvr>
     <a:masterClrMapping/>
   </p:clrMapOvr>
-  <p:timing>
-    <p:tnLst>
-      <p:par>
-        <p:cTn id="1" dur="indefinite" restart="never" nodeType="tmRoot"/>
-      </p:par>
-    </p:tnLst>
-  </p:timing>
 </p:sld>
 </file>
 

--- a/Presentacion de Clase.pptx
+++ b/Presentacion de Clase.pptx
@@ -16,14 +16,18 @@
     <p:sldId id="272" r:id="rId10"/>
     <p:sldId id="269" r:id="rId11"/>
     <p:sldId id="270" r:id="rId12"/>
-    <p:sldId id="273" r:id="rId13"/>
-    <p:sldId id="274" r:id="rId14"/>
-    <p:sldId id="275" r:id="rId15"/>
+    <p:sldId id="275" r:id="rId13"/>
+    <p:sldId id="273" r:id="rId14"/>
+    <p:sldId id="274" r:id="rId15"/>
     <p:sldId id="263" r:id="rId16"/>
     <p:sldId id="264" r:id="rId17"/>
     <p:sldId id="265" r:id="rId18"/>
     <p:sldId id="259" r:id="rId19"/>
     <p:sldId id="260" r:id="rId20"/>
+    <p:sldId id="276" r:id="rId21"/>
+    <p:sldId id="277" r:id="rId22"/>
+    <p:sldId id="278" r:id="rId23"/>
+    <p:sldId id="279" r:id="rId24"/>
   </p:sldIdLst>
   <p:sldSz cx="12192000" cy="6858000"/>
   <p:notesSz cx="6858000" cy="9144000"/>
@@ -124,7 +128,18 @@
   </p:defaultTextStyle>
   <p:extLst>
     <p:ext uri="{EFAFB233-063F-42B5-8137-9DF3F51BA10A}">
-      <p15:sldGuideLst xmlns="" xmlns:p15="http://schemas.microsoft.com/office/powerpoint/2012/main"/>
+      <p15:sldGuideLst xmlns:p15="http://schemas.microsoft.com/office/powerpoint/2012/main">
+        <p15:guide id="1" orient="horz" pos="2160">
+          <p15:clr>
+            <a:srgbClr val="A4A3A4"/>
+          </p15:clr>
+        </p15:guide>
+        <p15:guide id="2" pos="3840">
+          <p15:clr>
+            <a:srgbClr val="A4A3A4"/>
+          </p15:clr>
+        </p15:guide>
+      </p15:sldGuideLst>
     </p:ext>
   </p:extLst>
 </p:presentation>
@@ -316,7 +331,7 @@
           <a:p>
             <a:fld id="{4AAD347D-5ACD-4C99-B74B-A9C85AD731AF}" type="datetimeFigureOut">
               <a:rPr lang="en-US" dirty="0"/>
-              <a:t>4/11/2016</a:t>
+              <a:t>4/12/2016</a:t>
             </a:fld>
             <a:endParaRPr lang="en-US" dirty="0"/>
           </a:p>
@@ -586,7 +601,7 @@
           <a:p>
             <a:fld id="{4509A250-FF31-4206-8172-F9D3106AACB1}" type="datetimeFigureOut">
               <a:rPr lang="en-US" dirty="0"/>
-              <a:t>4/11/2016</a:t>
+              <a:t>4/12/2016</a:t>
             </a:fld>
             <a:endParaRPr lang="en-US" dirty="0"/>
           </a:p>
@@ -775,7 +790,7 @@
           <a:p>
             <a:fld id="{4509A250-FF31-4206-8172-F9D3106AACB1}" type="datetimeFigureOut">
               <a:rPr lang="en-US" dirty="0"/>
-              <a:t>4/11/2016</a:t>
+              <a:t>4/12/2016</a:t>
             </a:fld>
             <a:endParaRPr lang="en-US" dirty="0"/>
           </a:p>
@@ -1043,7 +1058,7 @@
           <a:p>
             <a:fld id="{4509A250-FF31-4206-8172-F9D3106AACB1}" type="datetimeFigureOut">
               <a:rPr lang="en-US" dirty="0"/>
-              <a:t>4/11/2016</a:t>
+              <a:t>4/12/2016</a:t>
             </a:fld>
             <a:endParaRPr lang="en-US" dirty="0"/>
           </a:p>
@@ -1379,7 +1394,7 @@
           <a:p>
             <a:fld id="{4509A250-FF31-4206-8172-F9D3106AACB1}" type="datetimeFigureOut">
               <a:rPr lang="en-US" dirty="0"/>
-              <a:t>4/11/2016</a:t>
+              <a:t>4/12/2016</a:t>
             </a:fld>
             <a:endParaRPr lang="en-US" dirty="0"/>
           </a:p>
@@ -1997,7 +2012,7 @@
           <a:p>
             <a:fld id="{4509A250-FF31-4206-8172-F9D3106AACB1}" type="datetimeFigureOut">
               <a:rPr lang="en-US" dirty="0"/>
-              <a:t>4/11/2016</a:t>
+              <a:t>4/12/2016</a:t>
             </a:fld>
             <a:endParaRPr lang="en-US" dirty="0"/>
           </a:p>
@@ -2852,7 +2867,7 @@
           <a:p>
             <a:fld id="{4509A250-FF31-4206-8172-F9D3106AACB1}" type="datetimeFigureOut">
               <a:rPr lang="en-US" dirty="0"/>
-              <a:t>4/11/2016</a:t>
+              <a:t>4/12/2016</a:t>
             </a:fld>
             <a:endParaRPr lang="en-US" dirty="0"/>
           </a:p>
@@ -3017,7 +3032,7 @@
           <a:p>
             <a:fld id="{4509A250-FF31-4206-8172-F9D3106AACB1}" type="datetimeFigureOut">
               <a:rPr lang="en-US" dirty="0"/>
-              <a:t>4/11/2016</a:t>
+              <a:t>4/12/2016</a:t>
             </a:fld>
             <a:endParaRPr lang="en-US" dirty="0"/>
           </a:p>
@@ -3192,7 +3207,7 @@
           <a:p>
             <a:fld id="{4509A250-FF31-4206-8172-F9D3106AACB1}" type="datetimeFigureOut">
               <a:rPr lang="en-US" dirty="0"/>
-              <a:t>4/11/2016</a:t>
+              <a:t>4/12/2016</a:t>
             </a:fld>
             <a:endParaRPr lang="en-US" dirty="0"/>
           </a:p>
@@ -3357,7 +3372,7 @@
           <a:p>
             <a:fld id="{4509A250-FF31-4206-8172-F9D3106AACB1}" type="datetimeFigureOut">
               <a:rPr lang="en-US" dirty="0"/>
-              <a:t>4/11/2016</a:t>
+              <a:t>4/12/2016</a:t>
             </a:fld>
             <a:endParaRPr lang="en-US" dirty="0"/>
           </a:p>
@@ -3599,7 +3614,7 @@
           <a:p>
             <a:fld id="{9796027F-7875-4030-9381-8BD8C4F21935}" type="datetimeFigureOut">
               <a:rPr lang="en-US" dirty="0"/>
-              <a:t>4/11/2016</a:t>
+              <a:t>4/12/2016</a:t>
             </a:fld>
             <a:endParaRPr lang="en-US" dirty="0"/>
           </a:p>
@@ -3886,7 +3901,7 @@
           <a:p>
             <a:fld id="{9796027F-7875-4030-9381-8BD8C4F21935}" type="datetimeFigureOut">
               <a:rPr lang="en-US" dirty="0"/>
-              <a:t>4/11/2016</a:t>
+              <a:t>4/12/2016</a:t>
             </a:fld>
             <a:endParaRPr lang="en-US" dirty="0"/>
           </a:p>
@@ -4325,7 +4340,7 @@
           <a:p>
             <a:fld id="{9796027F-7875-4030-9381-8BD8C4F21935}" type="datetimeFigureOut">
               <a:rPr lang="en-US" dirty="0"/>
-              <a:t>4/11/2016</a:t>
+              <a:t>4/12/2016</a:t>
             </a:fld>
             <a:endParaRPr lang="en-US" dirty="0"/>
           </a:p>
@@ -4438,7 +4453,7 @@
           <a:p>
             <a:fld id="{4509A250-FF31-4206-8172-F9D3106AACB1}" type="datetimeFigureOut">
               <a:rPr lang="en-US" dirty="0"/>
-              <a:t>4/11/2016</a:t>
+              <a:t>4/12/2016</a:t>
             </a:fld>
             <a:endParaRPr lang="en-US" dirty="0"/>
           </a:p>
@@ -4528,7 +4543,7 @@
           <a:p>
             <a:fld id="{4509A250-FF31-4206-8172-F9D3106AACB1}" type="datetimeFigureOut">
               <a:rPr lang="en-US" dirty="0"/>
-              <a:t>4/11/2016</a:t>
+              <a:t>4/12/2016</a:t>
             </a:fld>
             <a:endParaRPr lang="en-US" dirty="0"/>
           </a:p>
@@ -4802,7 +4817,7 @@
           <a:p>
             <a:fld id="{4509A250-FF31-4206-8172-F9D3106AACB1}" type="datetimeFigureOut">
               <a:rPr lang="en-US" dirty="0"/>
-              <a:t>4/11/2016</a:t>
+              <a:t>4/12/2016</a:t>
             </a:fld>
             <a:endParaRPr lang="en-US" dirty="0"/>
           </a:p>
@@ -5072,7 +5087,7 @@
           <a:p>
             <a:fld id="{4509A250-FF31-4206-8172-F9D3106AACB1}" type="datetimeFigureOut">
               <a:rPr lang="en-US" dirty="0"/>
-              <a:t>4/11/2016</a:t>
+              <a:t>4/12/2016</a:t>
             </a:fld>
             <a:endParaRPr lang="en-US" dirty="0"/>
           </a:p>
@@ -5496,7 +5511,7 @@
           <a:p>
             <a:fld id="{4AAD347D-5ACD-4C99-B74B-A9C85AD731AF}" type="datetimeFigureOut">
               <a:rPr lang="en-US" dirty="0"/>
-              <a:t>4/11/2016</a:t>
+              <a:t>4/12/2016</a:t>
             </a:fld>
             <a:endParaRPr lang="en-US" dirty="0"/>
           </a:p>
@@ -6270,6 +6285,13 @@
   <p:clrMapOvr>
     <a:masterClrMapping/>
   </p:clrMapOvr>
+  <p:timing>
+    <p:tnLst>
+      <p:par>
+        <p:cTn id="1" dur="indefinite" restart="never" nodeType="tmRoot"/>
+      </p:par>
+    </p:tnLst>
+  </p:timing>
 </p:sld>
 </file>
 
@@ -6375,6 +6397,13 @@
   <p:clrMapOvr>
     <a:masterClrMapping/>
   </p:clrMapOvr>
+  <p:timing>
+    <p:tnLst>
+      <p:par>
+        <p:cTn id="1" dur="indefinite" restart="never" nodeType="tmRoot"/>
+      </p:par>
+    </p:tnLst>
+  </p:timing>
 </p:sld>
 </file>
 
@@ -6410,7 +6439,19 @@
           <a:bodyPr/>
           <a:lstStyle/>
           <a:p>
-            <a:endParaRPr lang="es-ES"/>
+            <a:pPr lvl="0"/>
+            <a:r>
+              <a:rPr lang="es-ES" b="1" dirty="0"/>
+              <a:t>Requisitos Específicos</a:t>
+            </a:r>
+            <a:r>
+              <a:rPr lang="es-ES" dirty="0"/>
+              <a:t/>
+            </a:r>
+            <a:br>
+              <a:rPr lang="es-ES" dirty="0"/>
+            </a:br>
+            <a:endParaRPr lang="es-ES" dirty="0"/>
           </a:p>
         </p:txBody>
       </p:sp>
@@ -6424,25 +6465,165 @@
             <p:ph idx="1"/>
           </p:nvPr>
         </p:nvSpPr>
-        <p:spPr/>
-        <p:txBody>
-          <a:bodyPr/>
+        <p:spPr>
+          <a:xfrm>
+            <a:off x="646111" y="1434732"/>
+            <a:ext cx="11292604" cy="5236524"/>
+          </a:xfrm>
+        </p:spPr>
+        <p:txBody>
+          <a:bodyPr>
+            <a:normAutofit/>
+          </a:bodyPr>
           <a:lstStyle/>
           <a:p>
-            <a:endParaRPr lang="es-ES"/>
+            <a:pPr marL="457200" lvl="1" indent="0">
+              <a:buNone/>
+            </a:pPr>
+            <a:r>
+              <a:rPr lang="es-ES" sz="2000" b="1" dirty="0"/>
+              <a:t>I</a:t>
+            </a:r>
+            <a:r>
+              <a:rPr lang="es-ES" sz="2000" b="1" dirty="0" smtClean="0"/>
+              <a:t>nterfaces </a:t>
+            </a:r>
+            <a:r>
+              <a:rPr lang="es-ES" sz="2000" b="1" dirty="0"/>
+              <a:t>Externas </a:t>
+            </a:r>
+            <a:endParaRPr lang="es-ES" sz="2000" dirty="0"/>
+          </a:p>
+          <a:p>
+            <a:r>
+              <a:rPr lang="es-ES" dirty="0"/>
+              <a:t>El sistema </a:t>
+            </a:r>
+            <a:r>
+              <a:rPr lang="es-ES" dirty="0" err="1"/>
+              <a:t>DeliverYApp</a:t>
+            </a:r>
+            <a:r>
+              <a:rPr lang="es-ES" dirty="0"/>
+              <a:t> no tendrá interconexión con otros sistemas informáticos por lo tanto no es necesario la utilización de interfaces específicas para este </a:t>
+            </a:r>
+            <a:r>
+              <a:rPr lang="es-ES" dirty="0" smtClean="0"/>
+              <a:t>punto.</a:t>
+            </a:r>
+          </a:p>
+          <a:p>
+            <a:pPr marL="0" indent="0">
+              <a:buNone/>
+            </a:pPr>
+            <a:r>
+              <a:rPr lang="es-ES" b="1" dirty="0" smtClean="0"/>
+              <a:t>   	Funciones </a:t>
+            </a:r>
+            <a:r>
+              <a:rPr lang="es-ES" b="1" dirty="0"/>
+              <a:t>del Sistema</a:t>
+            </a:r>
+            <a:endParaRPr lang="es-ES" sz="1600" dirty="0"/>
+          </a:p>
+          <a:p>
+            <a:pPr lvl="0"/>
+            <a:r>
+              <a:rPr lang="es-ES" dirty="0"/>
+              <a:t>El cliente primeramente deberá registrarse para realizar su pedido.  </a:t>
+            </a:r>
+          </a:p>
+          <a:p>
+            <a:pPr lvl="0"/>
+            <a:r>
+              <a:rPr lang="es-ES" dirty="0"/>
+              <a:t>Deberá contar con los módulos  citados más arriba.</a:t>
+            </a:r>
+          </a:p>
+          <a:p>
+            <a:pPr lvl="0"/>
+            <a:r>
+              <a:rPr lang="es-ES" dirty="0"/>
+              <a:t>Contará con módulos  de reportes estadísticos de los pedidos </a:t>
+            </a:r>
+            <a:r>
+              <a:rPr lang="es-ES" dirty="0" smtClean="0"/>
+              <a:t>realizados.</a:t>
+            </a:r>
+          </a:p>
+          <a:p>
+            <a:pPr marL="0" lvl="0" indent="0">
+              <a:buNone/>
+            </a:pPr>
+            <a:r>
+              <a:rPr lang="es-ES" b="1" dirty="0"/>
+              <a:t>	</a:t>
+            </a:r>
+            <a:r>
+              <a:rPr lang="es-ES" b="1" dirty="0" smtClean="0"/>
+              <a:t>Rendimiento </a:t>
+            </a:r>
+            <a:r>
+              <a:rPr lang="es-ES" b="1" dirty="0"/>
+              <a:t>del sistema</a:t>
+            </a:r>
+            <a:endParaRPr lang="es-ES" sz="1600" dirty="0"/>
+          </a:p>
+          <a:p>
+            <a:pPr lvl="0"/>
+            <a:r>
+              <a:rPr lang="es-ES" dirty="0"/>
+              <a:t>Necesitará una terminal como mínimo.</a:t>
+            </a:r>
+          </a:p>
+          <a:p>
+            <a:pPr lvl="0"/>
+            <a:r>
+              <a:rPr lang="es-ES" dirty="0"/>
+              <a:t>El computador del usuario deberá contar con un navegador web (Google </a:t>
+            </a:r>
+            <a:r>
+              <a:rPr lang="es-ES" dirty="0" err="1"/>
+              <a:t>Chrome</a:t>
+            </a:r>
+            <a:r>
+              <a:rPr lang="es-ES" dirty="0"/>
+              <a:t>, Firefox, Internet Explorer).</a:t>
+            </a:r>
+          </a:p>
+          <a:p>
+            <a:pPr lvl="0"/>
+            <a:r>
+              <a:rPr lang="es-ES" dirty="0"/>
+              <a:t>Conexión a internet.</a:t>
+            </a:r>
+          </a:p>
+          <a:p>
+            <a:pPr lvl="0"/>
+            <a:endParaRPr lang="es-ES" dirty="0"/>
+          </a:p>
+          <a:p>
+            <a:endParaRPr lang="es-ES" dirty="0"/>
           </a:p>
         </p:txBody>
       </p:sp>
     </p:spTree>
     <p:extLst>
       <p:ext uri="{BB962C8B-B14F-4D97-AF65-F5344CB8AC3E}">
-        <p14:creationId xmlns:p14="http://schemas.microsoft.com/office/powerpoint/2010/main" val="2249228712"/>
+        <p14:creationId xmlns:p14="http://schemas.microsoft.com/office/powerpoint/2010/main" val="3035906080"/>
       </p:ext>
     </p:extLst>
   </p:cSld>
   <p:clrMapOvr>
     <a:masterClrMapping/>
   </p:clrMapOvr>
+  <p:timing>
+    <p:tnLst>
+      <p:par>
+        <p:cTn id="1" dur="indefinite" restart="never" nodeType="tmRoot"/>
+      </p:par>
+    </p:tnLst>
+  </p:timing>
 </p:sld>
 </file>
 
@@ -6465,52 +6646,108 @@
       </p:grpSpPr>
       <p:sp>
         <p:nvSpPr>
-          <p:cNvPr id="2" name="Título 1"/>
-          <p:cNvSpPr>
-            <a:spLocks noGrp="1"/>
-          </p:cNvSpPr>
-          <p:nvPr>
-            <p:ph type="title"/>
-          </p:nvPr>
-        </p:nvSpPr>
-        <p:spPr/>
+          <p:cNvPr id="5" name="Título 1"/>
+          <p:cNvSpPr>
+            <a:spLocks noGrp="1"/>
+          </p:cNvSpPr>
+          <p:nvPr>
+            <p:ph idx="1"/>
+          </p:nvPr>
+        </p:nvSpPr>
+        <p:spPr>
+          <a:xfrm>
+            <a:off x="412124" y="811369"/>
+            <a:ext cx="11449318" cy="5640946"/>
+          </a:xfrm>
+        </p:spPr>
         <p:txBody>
           <a:bodyPr/>
           <a:lstStyle/>
           <a:p>
-            <a:endParaRPr lang="es-ES"/>
-          </a:p>
-        </p:txBody>
-      </p:sp>
-      <p:sp>
-        <p:nvSpPr>
-          <p:cNvPr id="3" name="Marcador de contenido 2"/>
-          <p:cNvSpPr>
-            <a:spLocks noGrp="1"/>
-          </p:cNvSpPr>
-          <p:nvPr>
-            <p:ph idx="1"/>
-          </p:nvPr>
-        </p:nvSpPr>
-        <p:spPr/>
-        <p:txBody>
-          <a:bodyPr/>
-          <a:lstStyle/>
-          <a:p>
-            <a:endParaRPr lang="es-ES"/>
+            <a:pPr marL="457200" lvl="1" indent="0">
+              <a:buNone/>
+            </a:pPr>
+            <a:r>
+              <a:rPr lang="es-ES" sz="2000" b="1" dirty="0"/>
+              <a:t>Requerimientos lógicos del sistema de base de datos</a:t>
+            </a:r>
+          </a:p>
+          <a:p>
+            <a:pPr lvl="0"/>
+            <a:r>
+              <a:rPr lang="es-ES" dirty="0"/>
+              <a:t>El sistema debe permitir la retención de datos para guardar un registro de ellos para posterior reportes.</a:t>
+            </a:r>
+          </a:p>
+          <a:p>
+            <a:pPr lvl="0"/>
+            <a:r>
+              <a:rPr lang="es-ES" dirty="0"/>
+              <a:t>El sistema debe tener en cuenta que información solo puede ser eliminada y cual es de gran importancia.</a:t>
+            </a:r>
+          </a:p>
+          <a:p>
+            <a:pPr lvl="0"/>
+            <a:r>
+              <a:rPr lang="es-ES" dirty="0"/>
+              <a:t>La infraestructura debe ser capaz de soportar estos procedimientos</a:t>
+            </a:r>
+            <a:r>
+              <a:rPr lang="es-ES" dirty="0" smtClean="0"/>
+              <a:t>.</a:t>
+            </a:r>
+          </a:p>
+          <a:p>
+            <a:pPr marL="0" lvl="0" indent="0">
+              <a:buNone/>
+            </a:pPr>
+            <a:endParaRPr lang="es-ES" dirty="0"/>
+          </a:p>
+          <a:p>
+            <a:pPr marL="457200" lvl="1" indent="0">
+              <a:buNone/>
+            </a:pPr>
+            <a:r>
+              <a:rPr lang="es-ES" sz="2000" b="1" dirty="0"/>
+              <a:t>Propiedades emergentes del Sistema</a:t>
+            </a:r>
+          </a:p>
+          <a:p>
+            <a:pPr lvl="0"/>
+            <a:r>
+              <a:rPr lang="es-ES" dirty="0"/>
+              <a:t>Seguridad: será por medio de un usuario y una contraseña, el encargado de la asignación de tal tarea será el administrador del sistema teniendo en cuenta el nivel de acceso a cada usuario.</a:t>
+            </a:r>
+          </a:p>
+          <a:p>
+            <a:pPr lvl="0"/>
+            <a:r>
+              <a:rPr lang="es-ES" dirty="0"/>
+              <a:t>Portabilidad: puesto que funcionara con cualquier plataforma web.</a:t>
+            </a:r>
+          </a:p>
+          <a:p>
+            <a:endParaRPr lang="es-ES" dirty="0"/>
           </a:p>
         </p:txBody>
       </p:sp>
     </p:spTree>
     <p:extLst>
       <p:ext uri="{BB962C8B-B14F-4D97-AF65-F5344CB8AC3E}">
-        <p14:creationId xmlns:p14="http://schemas.microsoft.com/office/powerpoint/2010/main" val="2246452530"/>
+        <p14:creationId xmlns:p14="http://schemas.microsoft.com/office/powerpoint/2010/main" val="2249228712"/>
       </p:ext>
     </p:extLst>
   </p:cSld>
   <p:clrMapOvr>
     <a:masterClrMapping/>
   </p:clrMapOvr>
+  <p:timing>
+    <p:tnLst>
+      <p:par>
+        <p:cTn id="1" dur="indefinite" restart="never" nodeType="tmRoot"/>
+      </p:par>
+    </p:tnLst>
+  </p:timing>
 </p:sld>
 </file>
 
@@ -6546,19 +6783,7 @@
           <a:bodyPr/>
           <a:lstStyle/>
           <a:p>
-            <a:pPr lvl="0"/>
-            <a:r>
-              <a:rPr lang="es-ES" b="1" dirty="0"/>
-              <a:t>Requisitos Específicos</a:t>
-            </a:r>
-            <a:r>
-              <a:rPr lang="es-ES" dirty="0"/>
-              <a:t/>
-            </a:r>
-            <a:br>
-              <a:rPr lang="es-ES" dirty="0"/>
-            </a:br>
-            <a:endParaRPr lang="es-ES" dirty="0"/>
+            <a:endParaRPr lang="es-ES"/>
           </a:p>
         </p:txBody>
       </p:sp>
@@ -6572,62 +6797,32 @@
             <p:ph idx="1"/>
           </p:nvPr>
         </p:nvSpPr>
-        <p:spPr>
-          <a:xfrm>
-            <a:off x="646111" y="1434732"/>
-            <a:ext cx="8946541" cy="4195481"/>
-          </a:xfrm>
-        </p:spPr>
+        <p:spPr/>
         <p:txBody>
           <a:bodyPr/>
           <a:lstStyle/>
           <a:p>
-            <a:pPr marL="457200" lvl="1" indent="0">
-              <a:buNone/>
-            </a:pPr>
-            <a:r>
-              <a:rPr lang="es-ES" sz="2000" b="1" dirty="0"/>
-              <a:t>I</a:t>
-            </a:r>
-            <a:r>
-              <a:rPr lang="es-ES" sz="2000" b="1" dirty="0" smtClean="0"/>
-              <a:t>nterfaces </a:t>
-            </a:r>
-            <a:r>
-              <a:rPr lang="es-ES" sz="2000" b="1" dirty="0"/>
-              <a:t>Externas </a:t>
-            </a:r>
-            <a:endParaRPr lang="es-ES" sz="2000" dirty="0"/>
-          </a:p>
-          <a:p>
-            <a:r>
-              <a:rPr lang="es-ES" dirty="0"/>
-              <a:t>El sistema </a:t>
-            </a:r>
-            <a:r>
-              <a:rPr lang="es-ES" dirty="0" err="1"/>
-              <a:t>DeliverYApp</a:t>
-            </a:r>
-            <a:r>
-              <a:rPr lang="es-ES" dirty="0"/>
-              <a:t> no tendrá interconexión con otros sistemas informáticos por lo tanto no es necesario la utilización de interfaces específicas para este punto.</a:t>
-            </a:r>
-          </a:p>
-          <a:p>
-            <a:endParaRPr lang="es-ES" dirty="0"/>
+            <a:endParaRPr lang="es-ES"/>
           </a:p>
         </p:txBody>
       </p:sp>
     </p:spTree>
     <p:extLst>
       <p:ext uri="{BB962C8B-B14F-4D97-AF65-F5344CB8AC3E}">
-        <p14:creationId xmlns:p14="http://schemas.microsoft.com/office/powerpoint/2010/main" val="3035906080"/>
+        <p14:creationId xmlns:p14="http://schemas.microsoft.com/office/powerpoint/2010/main" val="2246452530"/>
       </p:ext>
     </p:extLst>
   </p:cSld>
   <p:clrMapOvr>
     <a:masterClrMapping/>
   </p:clrMapOvr>
+  <p:timing>
+    <p:tnLst>
+      <p:par>
+        <p:cTn id="1" dur="indefinite" restart="never" nodeType="tmRoot"/>
+      </p:par>
+    </p:tnLst>
+  </p:timing>
 </p:sld>
 </file>
 
@@ -7087,103 +7282,13 @@
           <a:p>
             <a:pPr lvl="0"/>
             <a:r>
-              <a:rPr lang="es-ES" dirty="0" err="1"/>
+              <a:rPr lang="es-ES" dirty="0" err="1" smtClean="0"/>
               <a:t>Testin</a:t>
-            </a:r>
-            <a:r>
-              <a:rPr lang="es-ES" dirty="0"/>
-              <a:t> </a:t>
             </a:r>
             <a:r>
               <a:rPr lang="es-ES" dirty="0" smtClean="0"/>
               <a:t>:</a:t>
             </a:r>
-            <a:r>
-              <a:rPr lang="es-PY" dirty="0" smtClean="0"/>
-              <a:t>es el encargado de </a:t>
-            </a:r>
-            <a:r>
-              <a:rPr lang="es-PY" dirty="0" smtClean="0"/>
-              <a:t>planificar </a:t>
-            </a:r>
-            <a:r>
-              <a:rPr lang="es-PY" dirty="0"/>
-              <a:t>y </a:t>
-            </a:r>
-            <a:r>
-              <a:rPr lang="es-PY" dirty="0" smtClean="0"/>
-              <a:t>llevar </a:t>
-            </a:r>
-            <a:r>
-              <a:rPr lang="es-PY" dirty="0"/>
-              <a:t>a cabo </a:t>
-            </a:r>
-            <a:r>
-              <a:rPr lang="es-PY" dirty="0" smtClean="0"/>
-              <a:t>las pruebas del </a:t>
-            </a:r>
-            <a:r>
-              <a:rPr lang="es-PY" dirty="0"/>
-              <a:t>software </a:t>
-            </a:r>
-            <a:r>
-              <a:rPr lang="es-PY" dirty="0" smtClean="0"/>
-              <a:t>para </a:t>
-            </a:r>
-            <a:r>
-              <a:rPr lang="es-PY" dirty="0"/>
-              <a:t>comprobar si </a:t>
-            </a:r>
-            <a:r>
-              <a:rPr lang="es-PY" dirty="0" smtClean="0"/>
-              <a:t>funciona correctamente</a:t>
-            </a:r>
-            <a:r>
-              <a:rPr lang="es-PY" dirty="0"/>
-              <a:t>. </a:t>
-            </a:r>
-            <a:r>
-              <a:rPr lang="es-PY" dirty="0" smtClean="0"/>
-              <a:t>También identifican </a:t>
-            </a:r>
-            <a:r>
-              <a:rPr lang="es-PY" dirty="0"/>
-              <a:t>el riesgo de sufrir </a:t>
-            </a:r>
-            <a:r>
-              <a:rPr lang="es-PY" dirty="0" smtClean="0"/>
-              <a:t>errores en el mismo, </a:t>
-            </a:r>
-            <a:r>
-              <a:rPr lang="es-PY" dirty="0"/>
-              <a:t>detectan errores y los comunican. </a:t>
-            </a:r>
-            <a:r>
-              <a:rPr lang="es-PY" dirty="0" smtClean="0"/>
-              <a:t>Evalúa el </a:t>
-            </a:r>
-            <a:r>
-              <a:rPr lang="es-PY" dirty="0"/>
-              <a:t>funcionamiento general del </a:t>
-            </a:r>
-            <a:r>
-              <a:rPr lang="es-PY" dirty="0" smtClean="0"/>
-              <a:t>sistema y </a:t>
-            </a:r>
-            <a:r>
-              <a:rPr lang="es-PY" dirty="0"/>
-              <a:t>sugieren formas de </a:t>
-            </a:r>
-            <a:r>
-              <a:rPr lang="es-PY" dirty="0" smtClean="0"/>
-              <a:t>mejorarlo.</a:t>
-            </a:r>
-            <a:endParaRPr lang="es-ES" dirty="0"/>
-          </a:p>
-          <a:p>
-            <a:pPr marL="0" indent="0">
-              <a:buNone/>
-            </a:pPr>
             <a:endParaRPr lang="es-ES" dirty="0"/>
           </a:p>
         </p:txBody>
@@ -7278,6 +7383,286 @@
 </p:sld>
 </file>
 
+<file path=ppt/slides/slide20.xml><?xml version="1.0" encoding="utf-8"?>
+<p:sld xmlns:a="http://schemas.openxmlformats.org/drawingml/2006/main" xmlns:r="http://schemas.openxmlformats.org/officeDocument/2006/relationships" xmlns:p="http://schemas.openxmlformats.org/presentationml/2006/main">
+  <p:cSld>
+    <p:spTree>
+      <p:nvGrpSpPr>
+        <p:cNvPr id="1" name=""/>
+        <p:cNvGrpSpPr/>
+        <p:nvPr/>
+      </p:nvGrpSpPr>
+      <p:grpSpPr>
+        <a:xfrm>
+          <a:off x="0" y="0"/>
+          <a:ext cx="0" cy="0"/>
+          <a:chOff x="0" y="0"/>
+          <a:chExt cx="0" cy="0"/>
+        </a:xfrm>
+      </p:grpSpPr>
+      <p:sp>
+        <p:nvSpPr>
+          <p:cNvPr id="2" name="Título 1"/>
+          <p:cNvSpPr>
+            <a:spLocks noGrp="1"/>
+          </p:cNvSpPr>
+          <p:nvPr>
+            <p:ph type="title"/>
+          </p:nvPr>
+        </p:nvSpPr>
+        <p:spPr/>
+        <p:txBody>
+          <a:bodyPr/>
+          <a:lstStyle/>
+          <a:p>
+            <a:r>
+              <a:rPr lang="es-ES" dirty="0" err="1" smtClean="0"/>
+              <a:t>Lider</a:t>
+            </a:r>
+            <a:r>
+              <a:rPr lang="es-ES" dirty="0" smtClean="0"/>
+              <a:t> de Grupo</a:t>
+            </a:r>
+            <a:endParaRPr lang="es-ES" dirty="0"/>
+          </a:p>
+        </p:txBody>
+      </p:sp>
+      <p:sp>
+        <p:nvSpPr>
+          <p:cNvPr id="3" name="Marcador de contenido 2"/>
+          <p:cNvSpPr>
+            <a:spLocks noGrp="1"/>
+          </p:cNvSpPr>
+          <p:nvPr>
+            <p:ph idx="1"/>
+          </p:nvPr>
+        </p:nvSpPr>
+        <p:spPr/>
+        <p:txBody>
+          <a:bodyPr/>
+          <a:lstStyle/>
+          <a:p>
+            <a:endParaRPr lang="es-ES"/>
+          </a:p>
+        </p:txBody>
+      </p:sp>
+    </p:spTree>
+    <p:extLst>
+      <p:ext uri="{BB962C8B-B14F-4D97-AF65-F5344CB8AC3E}">
+        <p14:creationId xmlns:p14="http://schemas.microsoft.com/office/powerpoint/2010/main" val="3579523673"/>
+      </p:ext>
+    </p:extLst>
+  </p:cSld>
+  <p:clrMapOvr>
+    <a:masterClrMapping/>
+  </p:clrMapOvr>
+</p:sld>
+</file>
+
+<file path=ppt/slides/slide21.xml><?xml version="1.0" encoding="utf-8"?>
+<p:sld xmlns:a="http://schemas.openxmlformats.org/drawingml/2006/main" xmlns:r="http://schemas.openxmlformats.org/officeDocument/2006/relationships" xmlns:p="http://schemas.openxmlformats.org/presentationml/2006/main">
+  <p:cSld>
+    <p:spTree>
+      <p:nvGrpSpPr>
+        <p:cNvPr id="1" name=""/>
+        <p:cNvGrpSpPr/>
+        <p:nvPr/>
+      </p:nvGrpSpPr>
+      <p:grpSpPr>
+        <a:xfrm>
+          <a:off x="0" y="0"/>
+          <a:ext cx="0" cy="0"/>
+          <a:chOff x="0" y="0"/>
+          <a:chExt cx="0" cy="0"/>
+        </a:xfrm>
+      </p:grpSpPr>
+      <p:sp>
+        <p:nvSpPr>
+          <p:cNvPr id="2" name="Título 1"/>
+          <p:cNvSpPr>
+            <a:spLocks noGrp="1"/>
+          </p:cNvSpPr>
+          <p:nvPr>
+            <p:ph type="title"/>
+          </p:nvPr>
+        </p:nvSpPr>
+        <p:spPr/>
+        <p:txBody>
+          <a:bodyPr/>
+          <a:lstStyle/>
+          <a:p>
+            <a:endParaRPr lang="es-ES"/>
+          </a:p>
+        </p:txBody>
+      </p:sp>
+      <p:sp>
+        <p:nvSpPr>
+          <p:cNvPr id="3" name="Marcador de contenido 2"/>
+          <p:cNvSpPr>
+            <a:spLocks noGrp="1"/>
+          </p:cNvSpPr>
+          <p:nvPr>
+            <p:ph idx="1"/>
+          </p:nvPr>
+        </p:nvSpPr>
+        <p:spPr/>
+        <p:txBody>
+          <a:bodyPr/>
+          <a:lstStyle/>
+          <a:p>
+            <a:endParaRPr lang="es-ES"/>
+          </a:p>
+        </p:txBody>
+      </p:sp>
+    </p:spTree>
+    <p:extLst>
+      <p:ext uri="{BB962C8B-B14F-4D97-AF65-F5344CB8AC3E}">
+        <p14:creationId xmlns:p14="http://schemas.microsoft.com/office/powerpoint/2010/main" val="534596362"/>
+      </p:ext>
+    </p:extLst>
+  </p:cSld>
+  <p:clrMapOvr>
+    <a:masterClrMapping/>
+  </p:clrMapOvr>
+</p:sld>
+</file>
+
+<file path=ppt/slides/slide22.xml><?xml version="1.0" encoding="utf-8"?>
+<p:sld xmlns:a="http://schemas.openxmlformats.org/drawingml/2006/main" xmlns:r="http://schemas.openxmlformats.org/officeDocument/2006/relationships" xmlns:p="http://schemas.openxmlformats.org/presentationml/2006/main">
+  <p:cSld>
+    <p:spTree>
+      <p:nvGrpSpPr>
+        <p:cNvPr id="1" name=""/>
+        <p:cNvGrpSpPr/>
+        <p:nvPr/>
+      </p:nvGrpSpPr>
+      <p:grpSpPr>
+        <a:xfrm>
+          <a:off x="0" y="0"/>
+          <a:ext cx="0" cy="0"/>
+          <a:chOff x="0" y="0"/>
+          <a:chExt cx="0" cy="0"/>
+        </a:xfrm>
+      </p:grpSpPr>
+      <p:sp>
+        <p:nvSpPr>
+          <p:cNvPr id="2" name="Título 1"/>
+          <p:cNvSpPr>
+            <a:spLocks noGrp="1"/>
+          </p:cNvSpPr>
+          <p:nvPr>
+            <p:ph type="title"/>
+          </p:nvPr>
+        </p:nvSpPr>
+        <p:spPr/>
+        <p:txBody>
+          <a:bodyPr/>
+          <a:lstStyle/>
+          <a:p>
+            <a:endParaRPr lang="es-ES"/>
+          </a:p>
+        </p:txBody>
+      </p:sp>
+      <p:sp>
+        <p:nvSpPr>
+          <p:cNvPr id="3" name="Marcador de contenido 2"/>
+          <p:cNvSpPr>
+            <a:spLocks noGrp="1"/>
+          </p:cNvSpPr>
+          <p:nvPr>
+            <p:ph idx="1"/>
+          </p:nvPr>
+        </p:nvSpPr>
+        <p:spPr/>
+        <p:txBody>
+          <a:bodyPr/>
+          <a:lstStyle/>
+          <a:p>
+            <a:endParaRPr lang="es-ES"/>
+          </a:p>
+        </p:txBody>
+      </p:sp>
+    </p:spTree>
+    <p:extLst>
+      <p:ext uri="{BB962C8B-B14F-4D97-AF65-F5344CB8AC3E}">
+        <p14:creationId xmlns:p14="http://schemas.microsoft.com/office/powerpoint/2010/main" val="2562200567"/>
+      </p:ext>
+    </p:extLst>
+  </p:cSld>
+  <p:clrMapOvr>
+    <a:masterClrMapping/>
+  </p:clrMapOvr>
+</p:sld>
+</file>
+
+<file path=ppt/slides/slide23.xml><?xml version="1.0" encoding="utf-8"?>
+<p:sld xmlns:a="http://schemas.openxmlformats.org/drawingml/2006/main" xmlns:r="http://schemas.openxmlformats.org/officeDocument/2006/relationships" xmlns:p="http://schemas.openxmlformats.org/presentationml/2006/main">
+  <p:cSld>
+    <p:spTree>
+      <p:nvGrpSpPr>
+        <p:cNvPr id="1" name=""/>
+        <p:cNvGrpSpPr/>
+        <p:nvPr/>
+      </p:nvGrpSpPr>
+      <p:grpSpPr>
+        <a:xfrm>
+          <a:off x="0" y="0"/>
+          <a:ext cx="0" cy="0"/>
+          <a:chOff x="0" y="0"/>
+          <a:chExt cx="0" cy="0"/>
+        </a:xfrm>
+      </p:grpSpPr>
+      <p:sp>
+        <p:nvSpPr>
+          <p:cNvPr id="2" name="Título 1"/>
+          <p:cNvSpPr>
+            <a:spLocks noGrp="1"/>
+          </p:cNvSpPr>
+          <p:nvPr>
+            <p:ph type="title"/>
+          </p:nvPr>
+        </p:nvSpPr>
+        <p:spPr/>
+        <p:txBody>
+          <a:bodyPr/>
+          <a:lstStyle/>
+          <a:p>
+            <a:endParaRPr lang="es-ES"/>
+          </a:p>
+        </p:txBody>
+      </p:sp>
+      <p:sp>
+        <p:nvSpPr>
+          <p:cNvPr id="3" name="Marcador de contenido 2"/>
+          <p:cNvSpPr>
+            <a:spLocks noGrp="1"/>
+          </p:cNvSpPr>
+          <p:nvPr>
+            <p:ph idx="1"/>
+          </p:nvPr>
+        </p:nvSpPr>
+        <p:spPr/>
+        <p:txBody>
+          <a:bodyPr/>
+          <a:lstStyle/>
+          <a:p>
+            <a:endParaRPr lang="es-ES"/>
+          </a:p>
+        </p:txBody>
+      </p:sp>
+    </p:spTree>
+    <p:extLst>
+      <p:ext uri="{BB962C8B-B14F-4D97-AF65-F5344CB8AC3E}">
+        <p14:creationId xmlns:p14="http://schemas.microsoft.com/office/powerpoint/2010/main" val="2382399872"/>
+      </p:ext>
+    </p:extLst>
+  </p:cSld>
+  <p:clrMapOvr>
+    <a:masterClrMapping/>
+  </p:clrMapOvr>
+</p:sld>
+</file>
+
 <file path=ppt/slides/slide3.xml><?xml version="1.0" encoding="utf-8"?>
 <p:sld xmlns:a="http://schemas.openxmlformats.org/drawingml/2006/main" xmlns:r="http://schemas.openxmlformats.org/officeDocument/2006/relationships" xmlns:p="http://schemas.openxmlformats.org/presentationml/2006/main">
   <p:cSld>
@@ -7383,19 +7768,12 @@
           </a:p>
           <a:p>
             <a:r>
+              <a:rPr lang="es-ES" smtClean="0"/>
+              <a:t>Orlando </a:t>
+            </a:r>
+            <a:r>
               <a:rPr lang="es-ES" dirty="0" smtClean="0"/>
-              <a:t>Jorge </a:t>
-            </a:r>
-            <a:r>
-              <a:rPr lang="es-ES" dirty="0" err="1" smtClean="0"/>
-              <a:t>Sanchez</a:t>
-            </a:r>
-            <a:endParaRPr lang="es-ES" dirty="0" smtClean="0"/>
-          </a:p>
-          <a:p>
-            <a:r>
-              <a:rPr lang="es-ES" dirty="0" smtClean="0"/>
-              <a:t>Orlando Cardozo</a:t>
+              <a:t>Cardozo</a:t>
             </a:r>
             <a:endParaRPr lang="es-ES" dirty="0"/>
           </a:p>
@@ -8575,6 +8953,13 @@
   <p:clrMapOvr>
     <a:masterClrMapping/>
   </p:clrMapOvr>
+  <p:timing>
+    <p:tnLst>
+      <p:par>
+        <p:cTn id="1" dur="indefinite" restart="never" nodeType="tmRoot"/>
+      </p:par>
+    </p:tnLst>
+  </p:timing>
 </p:sld>
 </file>
 
@@ -8797,6 +9182,13 @@
   <p:clrMapOvr>
     <a:masterClrMapping/>
   </p:clrMapOvr>
+  <p:timing>
+    <p:tnLst>
+      <p:par>
+        <p:cTn id="1" dur="indefinite" restart="never" nodeType="tmRoot"/>
+      </p:par>
+    </p:tnLst>
+  </p:timing>
 </p:sld>
 </file>
 
@@ -8893,6 +9285,13 @@
   <p:clrMapOvr>
     <a:masterClrMapping/>
   </p:clrMapOvr>
+  <p:timing>
+    <p:tnLst>
+      <p:par>
+        <p:cTn id="1" dur="indefinite" restart="never" nodeType="tmRoot"/>
+      </p:par>
+    </p:tnLst>
+  </p:timing>
 </p:sld>
 </file>
 
@@ -9081,6 +9480,13 @@
   <p:clrMapOvr>
     <a:masterClrMapping/>
   </p:clrMapOvr>
+  <p:timing>
+    <p:tnLst>
+      <p:par>
+        <p:cTn id="1" dur="indefinite" restart="never" nodeType="tmRoot"/>
+      </p:par>
+    </p:tnLst>
+  </p:timing>
 </p:sld>
 </file>
 
@@ -9344,7 +9750,7 @@
   <a:extraClrSchemeLst/>
   <a:extLst>
     <a:ext uri="{05A4C25C-085E-4340-85A3-A5531E510DB2}">
-      <thm15:themeFamily xmlns="" xmlns:thm15="http://schemas.microsoft.com/office/thememl/2012/main" name="Ion" id="{B8441ADB-2E43-4AF7-B97A-BD870242C6A8}" vid="{292E63A9-BB86-4E3D-B92A-7223C6510D2E}"/>
+      <thm15:themeFamily xmlns:thm15="http://schemas.microsoft.com/office/thememl/2012/main" name="Ion" id="{B8441ADB-2E43-4AF7-B97A-BD870242C6A8}" vid="{292E63A9-BB86-4E3D-B92A-7223C6510D2E}"/>
     </a:ext>
   </a:extLst>
 </a:theme>

--- a/Presentacion de Clase.pptx
+++ b/Presentacion de Clase.pptx
@@ -14,20 +14,18 @@
     <p:sldId id="266" r:id="rId8"/>
     <p:sldId id="267" r:id="rId9"/>
     <p:sldId id="272" r:id="rId10"/>
-    <p:sldId id="269" r:id="rId11"/>
-    <p:sldId id="270" r:id="rId12"/>
-    <p:sldId id="275" r:id="rId13"/>
-    <p:sldId id="273" r:id="rId14"/>
-    <p:sldId id="274" r:id="rId15"/>
-    <p:sldId id="263" r:id="rId16"/>
-    <p:sldId id="264" r:id="rId17"/>
-    <p:sldId id="265" r:id="rId18"/>
-    <p:sldId id="259" r:id="rId19"/>
-    <p:sldId id="260" r:id="rId20"/>
-    <p:sldId id="276" r:id="rId21"/>
-    <p:sldId id="277" r:id="rId22"/>
-    <p:sldId id="278" r:id="rId23"/>
-    <p:sldId id="279" r:id="rId24"/>
+    <p:sldId id="270" r:id="rId11"/>
+    <p:sldId id="275" r:id="rId12"/>
+    <p:sldId id="273" r:id="rId13"/>
+    <p:sldId id="263" r:id="rId14"/>
+    <p:sldId id="264" r:id="rId15"/>
+    <p:sldId id="265" r:id="rId16"/>
+    <p:sldId id="259" r:id="rId17"/>
+    <p:sldId id="260" r:id="rId18"/>
+    <p:sldId id="276" r:id="rId19"/>
+    <p:sldId id="277" r:id="rId20"/>
+    <p:sldId id="278" r:id="rId21"/>
+    <p:sldId id="279" r:id="rId22"/>
   </p:sldIdLst>
   <p:sldSz cx="12192000" cy="6858000"/>
   <p:notesSz cx="6858000" cy="9144000"/>
@@ -128,7 +126,7 @@
   </p:defaultTextStyle>
   <p:extLst>
     <p:ext uri="{EFAFB233-063F-42B5-8137-9DF3F51BA10A}">
-      <p15:sldGuideLst xmlns:p15="http://schemas.microsoft.com/office/powerpoint/2012/main">
+      <p15:sldGuideLst xmlns:p15="http://schemas.microsoft.com/office/powerpoint/2012/main" xmlns="">
         <p15:guide id="1" orient="horz" pos="2160">
           <p15:clr>
             <a:srgbClr val="A4A3A4"/>
@@ -6191,84 +6189,82 @@
       </p:grpSpPr>
       <p:sp>
         <p:nvSpPr>
-          <p:cNvPr id="3" name="Marcador de contenido 2"/>
-          <p:cNvSpPr>
-            <a:spLocks noGrp="1"/>
-          </p:cNvSpPr>
-          <p:nvPr>
-            <p:ph idx="1"/>
+          <p:cNvPr id="2" name="Título 1"/>
+          <p:cNvSpPr>
+            <a:spLocks noGrp="1"/>
+          </p:cNvSpPr>
+          <p:nvPr>
+            <p:ph type="title"/>
           </p:nvPr>
         </p:nvSpPr>
         <p:spPr>
           <a:xfrm>
-            <a:off x="742703" y="958213"/>
-            <a:ext cx="10925556" cy="4669855"/>
+            <a:off x="1103312" y="665267"/>
+            <a:ext cx="9404723" cy="854440"/>
           </a:xfrm>
         </p:spPr>
         <p:txBody>
-          <a:bodyPr>
-            <a:normAutofit/>
-          </a:bodyPr>
+          <a:bodyPr/>
           <a:lstStyle/>
           <a:p>
-            <a:pPr lvl="0"/>
+            <a:pPr algn="ctr"/>
             <a:r>
               <a:rPr lang="es-ES" b="1" dirty="0"/>
-              <a:t>Lenguaje de programación:</a:t>
-            </a:r>
+              <a:t>Suposiciones y Dependencias </a:t>
+            </a:r>
+            <a:endParaRPr lang="es-ES" dirty="0"/>
+          </a:p>
+        </p:txBody>
+      </p:sp>
+      <p:sp>
+        <p:nvSpPr>
+          <p:cNvPr id="3" name="Marcador de contenido 2"/>
+          <p:cNvSpPr>
+            <a:spLocks noGrp="1"/>
+          </p:cNvSpPr>
+          <p:nvPr>
+            <p:ph idx="1"/>
+          </p:nvPr>
+        </p:nvSpPr>
+        <p:spPr/>
+        <p:txBody>
+          <a:bodyPr/>
+          <a:lstStyle/>
+          <a:p>
+            <a:pPr lvl="0" algn="just"/>
             <a:r>
               <a:rPr lang="es-ES" dirty="0"/>
-              <a:t> Todo el material que se realice para el usuario y la aplicación debe estar en lenguaje español.</a:t>
-            </a:r>
-          </a:p>
-          <a:p>
-            <a:pPr lvl="0"/>
-            <a:r>
-              <a:rPr lang="es-ES" b="1" dirty="0"/>
-              <a:t>Protocolo de comunicación:</a:t>
-            </a:r>
-            <a:r>
-              <a:rPr lang="es-ES" dirty="0"/>
-              <a:t> Se usar los protocolos TCP/IP, HTTP.</a:t>
-            </a:r>
-          </a:p>
-          <a:p>
-            <a:pPr lvl="0"/>
-            <a:r>
-              <a:rPr lang="es-ES" b="1" dirty="0"/>
-              <a:t>Requisitos de habilidad: </a:t>
-            </a:r>
-            <a:r>
-              <a:rPr lang="es-ES" dirty="0"/>
-              <a:t>La información correspondiente al pedido como numero de documento, nombre, dirección, teléfono y elección de menú  deben estar ajustado a la realidad para evitar inconvenientes y garantizar el pedido. </a:t>
-            </a:r>
-          </a:p>
-          <a:p>
-            <a:pPr lvl="0"/>
-            <a:r>
-              <a:rPr lang="es-ES" b="1" dirty="0"/>
-              <a:t>Credibilidad en la aplicación: </a:t>
-            </a:r>
-            <a:r>
-              <a:rPr lang="es-ES" dirty="0"/>
-              <a:t>El sistema deberá ser sometida a una serie de pruebas para establecer que se encuentra conforme a los requerimiento que se plasman en el documento, en tanto en la consistencia de datos como el rendimiento de la aplicación, tales como tiempo de respuesta.</a:t>
-            </a:r>
-          </a:p>
-          <a:p>
-            <a:pPr lvl="0"/>
-            <a:r>
-              <a:rPr lang="es-ES" b="1" dirty="0"/>
-              <a:t>Consideración acerca de la seguridad: </a:t>
-            </a:r>
-            <a:r>
-              <a:rPr lang="es-ES" dirty="0"/>
-              <a:t>Cada Usuario deberá autenticarse y su acceso verificado por una sola terminal para su respectiva labor de acuerdo de lo que su labor especifica</a:t>
+              <a:t>La red interna deberá estar configurada para el manejo de protocolos TCP/IP, HTTP, DNS principalmente todo lo relacionado a desempeño y seguridad</a:t>
             </a:r>
             <a:r>
               <a:rPr lang="es-ES" dirty="0" smtClean="0"/>
               <a:t>.</a:t>
             </a:r>
+          </a:p>
+          <a:p>
+            <a:pPr lvl="0" algn="just"/>
             <a:endParaRPr lang="es-ES" dirty="0"/>
+          </a:p>
+          <a:p>
+            <a:pPr marL="0" lvl="0" indent="0" algn="just">
+              <a:buNone/>
+            </a:pPr>
+            <a:endParaRPr lang="es-ES" dirty="0"/>
+          </a:p>
+          <a:p>
+            <a:pPr lvl="0" algn="just"/>
+            <a:r>
+              <a:rPr lang="es-ES" dirty="0"/>
+              <a:t>Debe </a:t>
+            </a:r>
+            <a:r>
+              <a:rPr lang="es-ES" dirty="0" smtClean="0"/>
+              <a:t>realizarse </a:t>
+            </a:r>
+            <a:r>
+              <a:rPr lang="es-ES" dirty="0"/>
+              <a:t>una capacitación adecuada y acorde a lo que cada usuario va a realizar. Su capacitación se hará en el momento que sea necesario y a las personas indicadas.</a:t>
+            </a:r>
           </a:p>
           <a:p>
             <a:endParaRPr lang="es-ES" dirty="0"/>
@@ -6278,7 +6274,7 @@
     </p:spTree>
     <p:extLst>
       <p:ext uri="{BB962C8B-B14F-4D97-AF65-F5344CB8AC3E}">
-        <p14:creationId xmlns:p14="http://schemas.microsoft.com/office/powerpoint/2010/main" val="3000362817"/>
+        <p14:creationId xmlns:p14="http://schemas.microsoft.com/office/powerpoint/2010/main" val="2695191375"/>
       </p:ext>
     </p:extLst>
   </p:cSld>
@@ -6322,65 +6318,107 @@
             <p:ph type="title"/>
           </p:nvPr>
         </p:nvSpPr>
+        <p:spPr/>
+        <p:txBody>
+          <a:bodyPr/>
+          <a:lstStyle/>
+          <a:p>
+            <a:pPr lvl="0" algn="ctr"/>
+            <a:r>
+              <a:rPr lang="es-ES" b="1" dirty="0"/>
+              <a:t>Requisitos Específicos</a:t>
+            </a:r>
+            <a:r>
+              <a:rPr lang="es-ES" dirty="0"/>
+              <a:t/>
+            </a:r>
+            <a:br>
+              <a:rPr lang="es-ES" dirty="0"/>
+            </a:br>
+            <a:endParaRPr lang="es-ES" dirty="0"/>
+          </a:p>
+        </p:txBody>
+      </p:sp>
+      <p:sp>
+        <p:nvSpPr>
+          <p:cNvPr id="3" name="Marcador de contenido 2"/>
+          <p:cNvSpPr>
+            <a:spLocks noGrp="1"/>
+          </p:cNvSpPr>
+          <p:nvPr>
+            <p:ph idx="1"/>
+          </p:nvPr>
+        </p:nvSpPr>
         <p:spPr>
           <a:xfrm>
-            <a:off x="1103312" y="652388"/>
-            <a:ext cx="9404723" cy="854440"/>
+            <a:off x="1249251" y="2040038"/>
+            <a:ext cx="8718997" cy="4077426"/>
           </a:xfrm>
         </p:spPr>
         <p:txBody>
-          <a:bodyPr/>
+          <a:bodyPr>
+            <a:normAutofit/>
+          </a:bodyPr>
           <a:lstStyle/>
           <a:p>
+            <a:pPr marL="457200" lvl="1" indent="0" algn="ctr">
+              <a:buNone/>
+            </a:pPr>
+            <a:r>
+              <a:rPr lang="es-ES" sz="2000" b="1" dirty="0"/>
+              <a:t>I</a:t>
+            </a:r>
+            <a:r>
+              <a:rPr lang="es-ES" sz="2000" b="1" dirty="0" smtClean="0"/>
+              <a:t>nterfaces </a:t>
+            </a:r>
+            <a:r>
+              <a:rPr lang="es-ES" sz="2000" b="1" dirty="0"/>
+              <a:t>Externas </a:t>
+            </a:r>
+            <a:r>
+              <a:rPr lang="es-ES" sz="2000" dirty="0"/>
+              <a:t>	</a:t>
+            </a:r>
+            <a:endParaRPr lang="es-ES" sz="2000" dirty="0" smtClean="0"/>
+          </a:p>
+          <a:p>
+            <a:pPr marL="457200" lvl="1" indent="0" algn="ctr">
+              <a:buNone/>
+            </a:pPr>
+            <a:r>
+              <a:rPr lang="es-ES" b="1" dirty="0" smtClean="0"/>
+              <a:t>Funciones </a:t>
+            </a:r>
             <a:r>
               <a:rPr lang="es-ES" b="1" dirty="0"/>
-              <a:t>Suposiciones y Dependencias </a:t>
-            </a:r>
-            <a:endParaRPr lang="es-ES" dirty="0"/>
-          </a:p>
-        </p:txBody>
-      </p:sp>
-      <p:sp>
-        <p:nvSpPr>
-          <p:cNvPr id="3" name="Marcador de contenido 2"/>
-          <p:cNvSpPr>
-            <a:spLocks noGrp="1"/>
-          </p:cNvSpPr>
-          <p:nvPr>
-            <p:ph idx="1"/>
-          </p:nvPr>
-        </p:nvSpPr>
-        <p:spPr/>
-        <p:txBody>
-          <a:bodyPr/>
-          <a:lstStyle/>
-          <a:p>
-            <a:pPr lvl="0"/>
-            <a:r>
-              <a:rPr lang="es-ES" dirty="0"/>
-              <a:t>La red interna deberá estar configurada para el manejo de protocolos TCP/IP, HTTP, DNS principalmente todo lo relacionado a desempeño y seguridad</a:t>
-            </a:r>
-            <a:r>
-              <a:rPr lang="es-ES" dirty="0" smtClean="0"/>
-              <a:t>.</a:t>
-            </a:r>
-          </a:p>
-          <a:p>
-            <a:pPr lvl="0"/>
-            <a:endParaRPr lang="es-ES" dirty="0"/>
+              <a:t>del Sistema</a:t>
+            </a:r>
+            <a:endParaRPr lang="es-ES" sz="1600" dirty="0"/>
+          </a:p>
+          <a:p>
+            <a:pPr marL="0" lvl="0" indent="0" algn="ctr">
+              <a:buNone/>
+            </a:pPr>
+            <a:r>
+              <a:rPr lang="es-ES" b="1" dirty="0"/>
+              <a:t>	</a:t>
+            </a:r>
+            <a:r>
+              <a:rPr lang="es-ES" b="1" dirty="0" smtClean="0"/>
+              <a:t>Rendimiento </a:t>
+            </a:r>
+            <a:r>
+              <a:rPr lang="es-ES" b="1" dirty="0"/>
+              <a:t>del sistema</a:t>
+            </a:r>
+            <a:endParaRPr lang="es-ES" sz="1600" dirty="0"/>
           </a:p>
           <a:p>
             <a:pPr marL="0" lvl="0" indent="0">
               <a:buNone/>
             </a:pPr>
             <a:endParaRPr lang="es-ES" dirty="0"/>
-          </a:p>
-          <a:p>
-            <a:pPr lvl="0"/>
-            <a:r>
-              <a:rPr lang="es-ES" dirty="0"/>
-              <a:t>Debe realzarse una capacitación adecuada y acorde a lo que cada usuario va a realizar. Su capacitación se hará en el momento que sea necesario y a las personas indicadas.</a:t>
-            </a:r>
           </a:p>
           <a:p>
             <a:endParaRPr lang="es-ES" dirty="0"/>
@@ -6390,7 +6428,7 @@
     </p:spTree>
     <p:extLst>
       <p:ext uri="{BB962C8B-B14F-4D97-AF65-F5344CB8AC3E}">
-        <p14:creationId xmlns:p14="http://schemas.microsoft.com/office/powerpoint/2010/main" val="2695191375"/>
+        <p14:creationId xmlns:p14="http://schemas.microsoft.com/office/powerpoint/2010/main" val="3035906080"/>
       </p:ext>
     </p:extLst>
   </p:cSld>
@@ -6426,181 +6464,126 @@
       </p:grpSpPr>
       <p:sp>
         <p:nvSpPr>
-          <p:cNvPr id="2" name="Título 1"/>
-          <p:cNvSpPr>
-            <a:spLocks noGrp="1"/>
-          </p:cNvSpPr>
-          <p:nvPr>
-            <p:ph type="title"/>
-          </p:nvPr>
-        </p:nvSpPr>
-        <p:spPr/>
+          <p:cNvPr id="5" name="Título 1"/>
+          <p:cNvSpPr>
+            <a:spLocks noGrp="1"/>
+          </p:cNvSpPr>
+          <p:nvPr>
+            <p:ph idx="1"/>
+          </p:nvPr>
+        </p:nvSpPr>
+        <p:spPr>
+          <a:xfrm>
+            <a:off x="412124" y="334851"/>
+            <a:ext cx="11449318" cy="6117464"/>
+          </a:xfrm>
+        </p:spPr>
         <p:txBody>
           <a:bodyPr/>
           <a:lstStyle/>
           <a:p>
+            <a:pPr marL="457200" lvl="1" indent="0" algn="ctr">
+              <a:buNone/>
+            </a:pPr>
+            <a:r>
+              <a:rPr lang="es-ES" sz="2000" b="1" dirty="0"/>
+              <a:t>Requerimientos lógicos del sistema de base de datos</a:t>
+            </a:r>
+          </a:p>
+          <a:p>
             <a:pPr lvl="0"/>
             <a:r>
-              <a:rPr lang="es-ES" b="1" dirty="0"/>
-              <a:t>Requisitos Específicos</a:t>
-            </a:r>
-            <a:r>
               <a:rPr lang="es-ES" dirty="0"/>
-              <a:t/>
-            </a:r>
-            <a:br>
+              <a:t>El sistema debe permitir la retención de datos para guardar un registro de ellos para posterior reportes.</a:t>
+            </a:r>
+          </a:p>
+          <a:p>
+            <a:pPr lvl="0"/>
+            <a:r>
               <a:rPr lang="es-ES" dirty="0"/>
-            </a:br>
+              <a:t>El sistema debe tener en cuenta que información solo puede ser eliminada y cual es de gran importancia.</a:t>
+            </a:r>
+          </a:p>
+          <a:p>
+            <a:pPr lvl="0"/>
+            <a:r>
+              <a:rPr lang="es-ES" dirty="0"/>
+              <a:t>La infraestructura debe ser capaz de soportar estos procedimientos</a:t>
+            </a:r>
+            <a:r>
+              <a:rPr lang="es-ES" dirty="0" smtClean="0"/>
+              <a:t>.</a:t>
+            </a:r>
+          </a:p>
+          <a:p>
+            <a:pPr marL="0" lvl="0" indent="0">
+              <a:buNone/>
+            </a:pPr>
             <a:endParaRPr lang="es-ES" dirty="0"/>
           </a:p>
-        </p:txBody>
-      </p:sp>
-      <p:sp>
-        <p:nvSpPr>
-          <p:cNvPr id="3" name="Marcador de contenido 2"/>
-          <p:cNvSpPr>
-            <a:spLocks noGrp="1"/>
-          </p:cNvSpPr>
-          <p:nvPr>
-            <p:ph idx="1"/>
-          </p:nvPr>
-        </p:nvSpPr>
-        <p:spPr>
-          <a:xfrm>
-            <a:off x="646111" y="1434732"/>
-            <a:ext cx="11292604" cy="5236524"/>
-          </a:xfrm>
-        </p:spPr>
-        <p:txBody>
-          <a:bodyPr>
-            <a:normAutofit/>
-          </a:bodyPr>
-          <a:lstStyle/>
-          <a:p>
-            <a:pPr marL="457200" lvl="1" indent="0">
+          <a:p>
+            <a:pPr marL="457200" lvl="1" indent="0" algn="ctr">
               <a:buNone/>
             </a:pPr>
             <a:r>
               <a:rPr lang="es-ES" sz="2000" b="1" dirty="0"/>
-              <a:t>I</a:t>
-            </a:r>
-            <a:r>
-              <a:rPr lang="es-ES" sz="2000" b="1" dirty="0" smtClean="0"/>
-              <a:t>nterfaces </a:t>
-            </a:r>
-            <a:r>
-              <a:rPr lang="es-ES" sz="2000" b="1" dirty="0"/>
-              <a:t>Externas </a:t>
-            </a:r>
-            <a:endParaRPr lang="es-ES" sz="2000" dirty="0"/>
-          </a:p>
-          <a:p>
+              <a:t>Propiedades emergentes del Sistema</a:t>
+            </a:r>
+          </a:p>
+          <a:p>
+            <a:pPr lvl="0" algn="just"/>
             <a:r>
               <a:rPr lang="es-ES" dirty="0"/>
-              <a:t>El sistema </a:t>
-            </a:r>
-            <a:r>
-              <a:rPr lang="es-ES" dirty="0" err="1"/>
-              <a:t>DeliverYApp</a:t>
+              <a:t>Seguridad</a:t>
+            </a:r>
+            <a:r>
+              <a:rPr lang="es-ES" dirty="0" smtClean="0"/>
+              <a:t>:</a:t>
+            </a:r>
+          </a:p>
+          <a:p>
+            <a:pPr marL="0" lvl="0" indent="0" algn="just">
+              <a:buNone/>
+            </a:pPr>
+            <a:r>
+              <a:rPr lang="es-ES" dirty="0" smtClean="0"/>
+              <a:t> </a:t>
             </a:r>
             <a:r>
               <a:rPr lang="es-ES" dirty="0"/>
-              <a:t> no tendrá interconexión con otros sistemas informáticos por lo tanto no es necesario la utilización de interfaces específicas para este </a:t>
+              <a:t>será por medio de un usuario y una contraseña, el encargado de la </a:t>
             </a:r>
             <a:r>
               <a:rPr lang="es-ES" dirty="0" smtClean="0"/>
-              <a:t>punto.</a:t>
-            </a:r>
-          </a:p>
-          <a:p>
-            <a:pPr marL="0" indent="0">
-              <a:buNone/>
-            </a:pPr>
-            <a:r>
-              <a:rPr lang="es-ES" b="1" dirty="0" smtClean="0"/>
-              <a:t>   	Funciones </a:t>
-            </a:r>
-            <a:r>
-              <a:rPr lang="es-ES" b="1" dirty="0"/>
-              <a:t>del Sistema</a:t>
-            </a:r>
-            <a:endParaRPr lang="es-ES" sz="1600" dirty="0"/>
-          </a:p>
-          <a:p>
-            <a:pPr lvl="0"/>
+              <a:t>asignación </a:t>
+            </a:r>
             <a:r>
               <a:rPr lang="es-ES" dirty="0"/>
-              <a:t>El cliente primeramente deberá registrarse para realizar su pedido.  </a:t>
-            </a:r>
-          </a:p>
-          <a:p>
-            <a:pPr lvl="0"/>
+              <a:t>de tal tarea será el administrador del sistema teniendo en cuenta el nivel </a:t>
+            </a:r>
+            <a:r>
+              <a:rPr lang="es-ES" dirty="0" smtClean="0"/>
+              <a:t>de </a:t>
+            </a:r>
             <a:r>
               <a:rPr lang="es-ES" dirty="0"/>
-              <a:t>Deberá contar con los módulos  citados más arriba.</a:t>
-            </a:r>
-          </a:p>
-          <a:p>
-            <a:pPr lvl="0"/>
+              <a:t>acceso a cada usuario.</a:t>
+            </a:r>
+          </a:p>
+          <a:p>
+            <a:pPr lvl="0" algn="just"/>
             <a:r>
               <a:rPr lang="es-ES" dirty="0"/>
-              <a:t>Contará con módulos  de reportes estadísticos de los pedidos </a:t>
+              <a:t>Portabilidad: </a:t>
             </a:r>
             <a:r>
               <a:rPr lang="es-ES" dirty="0" smtClean="0"/>
-              <a:t>realizados.</a:t>
-            </a:r>
-          </a:p>
-          <a:p>
-            <a:pPr marL="0" lvl="0" indent="0">
-              <a:buNone/>
-            </a:pPr>
-            <a:r>
-              <a:rPr lang="es-ES" b="1" dirty="0"/>
-              <a:t>	</a:t>
-            </a:r>
-            <a:r>
-              <a:rPr lang="es-ES" b="1" dirty="0" smtClean="0"/>
-              <a:t>Rendimiento </a:t>
-            </a:r>
-            <a:r>
-              <a:rPr lang="es-ES" b="1" dirty="0"/>
-              <a:t>del sistema</a:t>
-            </a:r>
-            <a:endParaRPr lang="es-ES" sz="1600" dirty="0"/>
-          </a:p>
-          <a:p>
-            <a:pPr lvl="0"/>
+              <a:t>puesto </a:t>
+            </a:r>
             <a:r>
               <a:rPr lang="es-ES" dirty="0"/>
-              <a:t>Necesitará una terminal como mínimo.</a:t>
-            </a:r>
-          </a:p>
-          <a:p>
-            <a:pPr lvl="0"/>
-            <a:r>
-              <a:rPr lang="es-ES" dirty="0"/>
-              <a:t>El computador del usuario deberá contar con un navegador web (Google </a:t>
-            </a:r>
-            <a:r>
-              <a:rPr lang="es-ES" dirty="0" err="1"/>
-              <a:t>Chrome</a:t>
-            </a:r>
-            <a:r>
-              <a:rPr lang="es-ES" dirty="0"/>
-              <a:t>, Firefox, Internet Explorer).</a:t>
-            </a:r>
-          </a:p>
-          <a:p>
-            <a:pPr lvl="0"/>
-            <a:r>
-              <a:rPr lang="es-ES" dirty="0"/>
-              <a:t>Conexión a internet.</a:t>
-            </a:r>
-          </a:p>
-          <a:p>
-            <a:pPr lvl="0"/>
-            <a:endParaRPr lang="es-ES" dirty="0"/>
+              <a:t>que funcionara con cualquier plataforma web.</a:t>
+            </a:r>
           </a:p>
           <a:p>
             <a:endParaRPr lang="es-ES" dirty="0"/>
@@ -6610,7 +6593,7 @@
     </p:spTree>
     <p:extLst>
       <p:ext uri="{BB962C8B-B14F-4D97-AF65-F5344CB8AC3E}">
-        <p14:creationId xmlns:p14="http://schemas.microsoft.com/office/powerpoint/2010/main" val="3035906080"/>
+        <p14:creationId xmlns:p14="http://schemas.microsoft.com/office/powerpoint/2010/main" val="2249228712"/>
       </p:ext>
     </p:extLst>
   </p:cSld>
@@ -6646,87 +6629,81 @@
       </p:grpSpPr>
       <p:sp>
         <p:nvSpPr>
-          <p:cNvPr id="5" name="Título 1"/>
-          <p:cNvSpPr>
-            <a:spLocks noGrp="1"/>
-          </p:cNvSpPr>
-          <p:nvPr>
-            <p:ph idx="1"/>
+          <p:cNvPr id="2" name="Título 1"/>
+          <p:cNvSpPr>
+            <a:spLocks noGrp="1"/>
+          </p:cNvSpPr>
+          <p:nvPr>
+            <p:ph type="title"/>
           </p:nvPr>
         </p:nvSpPr>
         <p:spPr>
           <a:xfrm>
-            <a:off x="412124" y="811369"/>
-            <a:ext cx="11449318" cy="5640946"/>
+            <a:off x="697368" y="465595"/>
+            <a:ext cx="10689465" cy="1157141"/>
           </a:xfrm>
         </p:spPr>
         <p:txBody>
           <a:bodyPr/>
           <a:lstStyle/>
           <a:p>
-            <a:pPr marL="457200" lvl="1" indent="0">
-              <a:buNone/>
-            </a:pPr>
-            <a:r>
-              <a:rPr lang="es-ES" sz="2000" b="1" dirty="0"/>
-              <a:t>Requerimientos lógicos del sistema de base de datos</a:t>
-            </a:r>
-          </a:p>
-          <a:p>
-            <a:pPr lvl="0"/>
-            <a:r>
-              <a:rPr lang="es-ES" dirty="0"/>
-              <a:t>El sistema debe permitir la retención de datos para guardar un registro de ellos para posterior reportes.</a:t>
-            </a:r>
-          </a:p>
-          <a:p>
-            <a:pPr lvl="0"/>
-            <a:r>
-              <a:rPr lang="es-ES" dirty="0"/>
-              <a:t>El sistema debe tener en cuenta que información solo puede ser eliminada y cual es de gran importancia.</a:t>
-            </a:r>
-          </a:p>
-          <a:p>
-            <a:pPr lvl="0"/>
-            <a:r>
-              <a:rPr lang="es-ES" dirty="0"/>
-              <a:t>La infraestructura debe ser capaz de soportar estos procedimientos</a:t>
-            </a:r>
+            <a:pPr algn="ctr"/>
+            <a:r>
+              <a:rPr lang="es-ES" b="1" dirty="0"/>
+              <a:t>Definiciones, acrónimos y abreviaturas</a:t>
+            </a:r>
+            <a:endParaRPr lang="es-ES" dirty="0"/>
+          </a:p>
+        </p:txBody>
+      </p:sp>
+      <p:sp>
+        <p:nvSpPr>
+          <p:cNvPr id="5" name="4 Marcador de contenido"/>
+          <p:cNvSpPr>
+            <a:spLocks noGrp="1"/>
+          </p:cNvSpPr>
+          <p:nvPr>
+            <p:ph idx="1"/>
+          </p:nvPr>
+        </p:nvSpPr>
+        <p:spPr/>
+        <p:txBody>
+          <a:bodyPr/>
+          <a:lstStyle/>
+          <a:p>
+            <a:pPr algn="ctr"/>
             <a:r>
               <a:rPr lang="es-ES" dirty="0" smtClean="0"/>
-              <a:t>.</a:t>
-            </a:r>
-          </a:p>
-          <a:p>
-            <a:pPr marL="0" lvl="0" indent="0">
-              <a:buNone/>
-            </a:pPr>
-            <a:endParaRPr lang="es-ES" dirty="0"/>
-          </a:p>
-          <a:p>
-            <a:pPr marL="457200" lvl="1" indent="0">
-              <a:buNone/>
-            </a:pPr>
-            <a:r>
-              <a:rPr lang="es-ES" sz="2000" b="1" dirty="0"/>
-              <a:t>Propiedades emergentes del Sistema</a:t>
-            </a:r>
-          </a:p>
-          <a:p>
-            <a:pPr lvl="0"/>
-            <a:r>
-              <a:rPr lang="es-ES" dirty="0"/>
-              <a:t>Seguridad: será por medio de un usuario y una contraseña, el encargado de la asignación de tal tarea será el administrador del sistema teniendo en cuenta el nivel de acceso a cada usuario.</a:t>
-            </a:r>
-          </a:p>
-          <a:p>
-            <a:pPr lvl="0"/>
-            <a:r>
-              <a:rPr lang="es-ES" dirty="0"/>
-              <a:t>Portabilidad: puesto que funcionara con cualquier plataforma web.</a:t>
-            </a:r>
-          </a:p>
-          <a:p>
+              <a:t>De la Empresa</a:t>
+            </a:r>
+          </a:p>
+          <a:p>
+            <a:pPr algn="ctr"/>
+            <a:r>
+              <a:rPr lang="es-ES" dirty="0" smtClean="0"/>
+              <a:t>Registrarse</a:t>
+            </a:r>
+          </a:p>
+          <a:p>
+            <a:pPr algn="ctr"/>
+            <a:r>
+              <a:rPr lang="es-ES" dirty="0" smtClean="0"/>
+              <a:t>Pedido/s</a:t>
+            </a:r>
+          </a:p>
+          <a:p>
+            <a:pPr algn="ctr"/>
+            <a:r>
+              <a:rPr lang="es-ES" dirty="0" smtClean="0"/>
+              <a:t>Cancelación de Pedido/s</a:t>
+            </a:r>
+          </a:p>
+          <a:p>
+            <a:pPr algn="ctr"/>
+            <a:r>
+              <a:rPr lang="es-ES" dirty="0" smtClean="0"/>
+              <a:t>Confirmación del pedido </a:t>
+            </a:r>
             <a:endParaRPr lang="es-ES" dirty="0"/>
           </a:p>
         </p:txBody>
@@ -6734,7 +6711,7 @@
     </p:spTree>
     <p:extLst>
       <p:ext uri="{BB962C8B-B14F-4D97-AF65-F5344CB8AC3E}">
-        <p14:creationId xmlns:p14="http://schemas.microsoft.com/office/powerpoint/2010/main" val="2249228712"/>
+        <p14:creationId xmlns:p14="http://schemas.microsoft.com/office/powerpoint/2010/main" val="1364109173"/>
       </p:ext>
     </p:extLst>
   </p:cSld>
@@ -6770,7 +6747,7 @@
       </p:grpSpPr>
       <p:sp>
         <p:nvSpPr>
-          <p:cNvPr id="2" name="Título 1"/>
+          <p:cNvPr id="5" name="4 Título"/>
           <p:cNvSpPr>
             <a:spLocks noGrp="1"/>
           </p:cNvSpPr>
@@ -6783,33 +6760,77 @@
           <a:bodyPr/>
           <a:lstStyle/>
           <a:p>
-            <a:endParaRPr lang="es-ES"/>
-          </a:p>
-        </p:txBody>
-      </p:sp>
-      <p:sp>
-        <p:nvSpPr>
-          <p:cNvPr id="3" name="Marcador de contenido 2"/>
-          <p:cNvSpPr>
-            <a:spLocks noGrp="1"/>
-          </p:cNvSpPr>
-          <p:nvPr>
-            <p:ph idx="1"/>
-          </p:nvPr>
-        </p:nvSpPr>
-        <p:spPr/>
+            <a:pPr algn="ctr"/>
+            <a:r>
+              <a:rPr lang="es-ES" dirty="0" smtClean="0"/>
+              <a:t>Del Sistema</a:t>
+            </a:r>
+            <a:endParaRPr lang="es-ES" dirty="0"/>
+          </a:p>
+        </p:txBody>
+      </p:sp>
+      <p:sp>
+        <p:nvSpPr>
+          <p:cNvPr id="2" name="1 Marcador de contenido"/>
+          <p:cNvSpPr>
+            <a:spLocks noGrp="1"/>
+          </p:cNvSpPr>
+          <p:nvPr>
+            <p:ph idx="4294967295"/>
+          </p:nvPr>
+        </p:nvSpPr>
+        <p:spPr>
+          <a:xfrm>
+            <a:off x="1378040" y="1498846"/>
+            <a:ext cx="8947150" cy="4195762"/>
+          </a:xfrm>
+        </p:spPr>
         <p:txBody>
           <a:bodyPr/>
           <a:lstStyle/>
           <a:p>
-            <a:endParaRPr lang="es-ES"/>
+            <a:r>
+              <a:rPr lang="es-ES" dirty="0" smtClean="0"/>
+              <a:t>Del Sistema</a:t>
+            </a:r>
+          </a:p>
+          <a:p>
+            <a:r>
+              <a:rPr lang="es-ES" dirty="0" smtClean="0"/>
+              <a:t>Administrar </a:t>
+            </a:r>
+          </a:p>
+          <a:p>
+            <a:r>
+              <a:rPr lang="es-ES" dirty="0" smtClean="0"/>
+              <a:t>Usuario</a:t>
+            </a:r>
+          </a:p>
+          <a:p>
+            <a:r>
+              <a:rPr lang="es-ES" dirty="0" smtClean="0"/>
+              <a:t>Rol</a:t>
+            </a:r>
+          </a:p>
+          <a:p>
+            <a:r>
+              <a:rPr lang="es-ES" dirty="0" smtClean="0"/>
+              <a:t>Administrador del sistema</a:t>
+            </a:r>
+          </a:p>
+          <a:p>
+            <a:r>
+              <a:rPr lang="es-ES" dirty="0" smtClean="0"/>
+              <a:t>Pruebas </a:t>
+            </a:r>
+            <a:endParaRPr lang="es-ES" dirty="0"/>
           </a:p>
         </p:txBody>
       </p:sp>
     </p:spTree>
     <p:extLst>
       <p:ext uri="{BB962C8B-B14F-4D97-AF65-F5344CB8AC3E}">
-        <p14:creationId xmlns:p14="http://schemas.microsoft.com/office/powerpoint/2010/main" val="2246452530"/>
+        <p14:creationId xmlns:p14="http://schemas.microsoft.com/office/powerpoint/2010/main" val="3314193903"/>
       </p:ext>
     </p:extLst>
   </p:cSld>
@@ -6845,18 +6866,42 @@
       </p:grpSpPr>
       <p:sp>
         <p:nvSpPr>
-          <p:cNvPr id="2" name="Título 1"/>
+          <p:cNvPr id="2" name="1 Título"/>
           <p:cNvSpPr>
             <a:spLocks noGrp="1"/>
           </p:cNvSpPr>
           <p:nvPr>
             <p:ph type="title"/>
+          </p:nvPr>
+        </p:nvSpPr>
+        <p:spPr/>
+        <p:txBody>
+          <a:bodyPr/>
+          <a:lstStyle/>
+          <a:p>
+            <a:pPr algn="ctr"/>
+            <a:r>
+              <a:rPr lang="es-ES" dirty="0" smtClean="0"/>
+              <a:t>De Tecnología </a:t>
+            </a:r>
+            <a:endParaRPr lang="es-ES" dirty="0"/>
+          </a:p>
+        </p:txBody>
+      </p:sp>
+      <p:sp>
+        <p:nvSpPr>
+          <p:cNvPr id="3" name="2 Marcador de contenido"/>
+          <p:cNvSpPr>
+            <a:spLocks noGrp="1"/>
+          </p:cNvSpPr>
+          <p:nvPr>
+            <p:ph idx="1"/>
           </p:nvPr>
         </p:nvSpPr>
         <p:spPr>
           <a:xfrm>
-            <a:off x="787520" y="1148176"/>
-            <a:ext cx="10689465" cy="1157141"/>
+            <a:off x="1180585" y="1576400"/>
+            <a:ext cx="8946541" cy="4195481"/>
           </a:xfrm>
         </p:spPr>
         <p:txBody>
@@ -6864,67 +6909,84 @@
           <a:lstStyle/>
           <a:p>
             <a:r>
-              <a:rPr lang="es-ES" b="1" dirty="0"/>
-              <a:t>Definiciones, acrónimos y abreviaturas</a:t>
+              <a:rPr lang="es-ES" dirty="0" smtClean="0"/>
+              <a:t>Servidor web</a:t>
+            </a:r>
+          </a:p>
+          <a:p>
+            <a:r>
+              <a:rPr lang="es-ES" dirty="0" smtClean="0"/>
+              <a:t>HTML</a:t>
+            </a:r>
+          </a:p>
+          <a:p>
+            <a:r>
+              <a:rPr lang="es-ES" dirty="0" smtClean="0"/>
+              <a:t>Sistema de Gestión de base de datos (BD)</a:t>
+            </a:r>
+          </a:p>
+          <a:p>
+            <a:r>
+              <a:rPr lang="es-ES" dirty="0" smtClean="0"/>
+              <a:t>Base de datos</a:t>
+            </a:r>
+          </a:p>
+          <a:p>
+            <a:r>
+              <a:rPr lang="es-ES" dirty="0" smtClean="0"/>
+              <a:t>Aplicación </a:t>
+            </a:r>
+          </a:p>
+          <a:p>
+            <a:r>
+              <a:rPr lang="es-ES" dirty="0" err="1" smtClean="0"/>
+              <a:t>MySQL</a:t>
+            </a:r>
+            <a:endParaRPr lang="es-ES" dirty="0" smtClean="0"/>
+          </a:p>
+          <a:p>
+            <a:r>
+              <a:rPr lang="es-ES" dirty="0" err="1" smtClean="0"/>
+              <a:t>RoR</a:t>
+            </a:r>
+            <a:r>
+              <a:rPr lang="es-ES" dirty="0" smtClean="0"/>
+              <a:t> (Lenguaje de Programación)</a:t>
+            </a:r>
+          </a:p>
+          <a:p>
+            <a:r>
+              <a:rPr lang="es-ES" dirty="0" smtClean="0"/>
+              <a:t>Apache</a:t>
+            </a:r>
+          </a:p>
+          <a:p>
+            <a:r>
+              <a:rPr lang="es-ES" dirty="0" smtClean="0"/>
+              <a:t>Dirección IP (Protocolo de </a:t>
+            </a:r>
+            <a:r>
+              <a:rPr lang="es-ES" dirty="0" err="1" smtClean="0"/>
+              <a:t>Intermet</a:t>
+            </a:r>
+            <a:r>
+              <a:rPr lang="es-ES" dirty="0" smtClean="0"/>
+              <a:t>)</a:t>
             </a:r>
             <a:endParaRPr lang="es-ES" dirty="0"/>
           </a:p>
         </p:txBody>
       </p:sp>
-      <p:pic>
-        <p:nvPicPr>
-          <p:cNvPr id="4" name="Marcador de contenido 3"/>
-          <p:cNvPicPr>
-            <a:picLocks noGrp="1" noChangeAspect="1"/>
-          </p:cNvPicPr>
-          <p:nvPr>
-            <p:ph idx="1"/>
-          </p:nvPr>
-        </p:nvPicPr>
-        <p:blipFill rotWithShape="1">
-          <a:blip r:embed="rId2"/>
-          <a:srcRect l="27195" t="26141" r="10498" b="26192"/>
-          <a:stretch/>
-        </p:blipFill>
-        <p:spPr>
-          <a:xfrm>
-            <a:off x="1822567" y="2343952"/>
-            <a:ext cx="8361793" cy="3580327"/>
-          </a:xfrm>
-          <a:prstGeom prst="rect">
-            <a:avLst/>
-          </a:prstGeom>
-          <a:ln w="228600" cap="sq" cmpd="thickThin">
-            <a:solidFill>
-              <a:srgbClr val="000000"/>
-            </a:solidFill>
-            <a:prstDash val="solid"/>
-            <a:miter lim="800000"/>
-          </a:ln>
-          <a:effectLst>
-            <a:innerShdw blurRad="76200">
-              <a:srgbClr val="000000"/>
-            </a:innerShdw>
-          </a:effectLst>
-        </p:spPr>
-      </p:pic>
     </p:spTree>
     <p:extLst>
       <p:ext uri="{BB962C8B-B14F-4D97-AF65-F5344CB8AC3E}">
-        <p14:creationId xmlns:p14="http://schemas.microsoft.com/office/powerpoint/2010/main" val="1364109173"/>
+        <p14:creationId xmlns:p14="http://schemas.microsoft.com/office/powerpoint/2010/main" val="3111995629"/>
       </p:ext>
     </p:extLst>
   </p:cSld>
   <p:clrMapOvr>
     <a:masterClrMapping/>
   </p:clrMapOvr>
-  <p:timing>
-    <p:tnLst>
-      <p:par>
-        <p:cTn id="1" dur="indefinite" restart="never" nodeType="tmRoot"/>
-      </p:par>
-    </p:tnLst>
-  </p:timing>
 </p:sld>
 </file>
 
@@ -6949,43 +7011,32 @@
         <p:nvPicPr>
           <p:cNvPr id="4" name="Marcador de contenido 3"/>
           <p:cNvPicPr>
-            <a:picLocks noGrp="1" noChangeAspect="1"/>
+            <a:picLocks noGrp="1"/>
           </p:cNvPicPr>
           <p:nvPr>
             <p:ph idx="1"/>
           </p:nvPr>
         </p:nvPicPr>
-        <p:blipFill rotWithShape="1">
+        <p:blipFill>
           <a:blip r:embed="rId2"/>
-          <a:srcRect l="26698" t="29965" r="11693" b="20924"/>
-          <a:stretch/>
+          <a:stretch>
+            <a:fillRect/>
+          </a:stretch>
         </p:blipFill>
         <p:spPr>
           <a:xfrm>
-            <a:off x="1183326" y="1043189"/>
-            <a:ext cx="9956899" cy="5127243"/>
+            <a:off x="1135487" y="940157"/>
+            <a:ext cx="10094891" cy="4932607"/>
           </a:xfrm>
           <a:prstGeom prst="rect">
             <a:avLst/>
           </a:prstGeom>
-          <a:ln w="228600" cap="sq" cmpd="thickThin">
-            <a:solidFill>
-              <a:srgbClr val="000000"/>
-            </a:solidFill>
-            <a:prstDash val="solid"/>
-            <a:miter lim="800000"/>
-          </a:ln>
-          <a:effectLst>
-            <a:innerShdw blurRad="76200">
-              <a:srgbClr val="000000"/>
-            </a:innerShdw>
-          </a:effectLst>
         </p:spPr>
       </p:pic>
     </p:spTree>
     <p:extLst>
       <p:ext uri="{BB962C8B-B14F-4D97-AF65-F5344CB8AC3E}">
-        <p14:creationId xmlns:p14="http://schemas.microsoft.com/office/powerpoint/2010/main" val="3314193903"/>
+        <p14:creationId xmlns:p14="http://schemas.microsoft.com/office/powerpoint/2010/main" val="925632106"/>
       </p:ext>
     </p:extLst>
   </p:cSld>
@@ -7019,101 +7070,119 @@
           <a:chExt cx="0" cy="0"/>
         </a:xfrm>
       </p:grpSpPr>
-      <p:pic>
-        <p:nvPicPr>
-          <p:cNvPr id="4" name="Marcador de contenido 3"/>
-          <p:cNvPicPr>
-            <a:picLocks noGrp="1" noChangeAspect="1"/>
-          </p:cNvPicPr>
+      <p:sp>
+        <p:nvSpPr>
+          <p:cNvPr id="2" name="Título 1"/>
+          <p:cNvSpPr>
+            <a:spLocks noGrp="1"/>
+          </p:cNvSpPr>
+          <p:nvPr>
+            <p:ph type="title"/>
+          </p:nvPr>
+        </p:nvSpPr>
+        <p:spPr/>
+        <p:txBody>
+          <a:bodyPr/>
+          <a:lstStyle/>
+          <a:p>
+            <a:r>
+              <a:rPr lang="es-ES" dirty="0" smtClean="0"/>
+              <a:t>Roles del Grupo</a:t>
+            </a:r>
+            <a:br>
+              <a:rPr lang="es-ES" dirty="0" smtClean="0"/>
+            </a:br>
+            <a:endParaRPr lang="es-ES" dirty="0"/>
+          </a:p>
+        </p:txBody>
+      </p:sp>
+      <p:sp>
+        <p:nvSpPr>
+          <p:cNvPr id="3" name="Marcador de contenido 2"/>
+          <p:cNvSpPr>
+            <a:spLocks noGrp="1"/>
+          </p:cNvSpPr>
           <p:nvPr>
             <p:ph idx="1"/>
           </p:nvPr>
-        </p:nvPicPr>
-        <p:blipFill>
-          <a:blip r:embed="rId2"/>
-          <a:stretch>
-            <a:fillRect/>
-          </a:stretch>
-        </p:blipFill>
-        <p:spPr>
-          <a:xfrm>
-            <a:off x="1103313" y="3483686"/>
-            <a:ext cx="8947150" cy="1333665"/>
-          </a:xfrm>
-          <a:prstGeom prst="rect">
-            <a:avLst/>
-          </a:prstGeom>
-        </p:spPr>
-      </p:pic>
-      <p:pic>
-        <p:nvPicPr>
-          <p:cNvPr id="6" name="Imagen 5"/>
-          <p:cNvPicPr>
-            <a:picLocks noChangeAspect="1"/>
-          </p:cNvPicPr>
-          <p:nvPr/>
-        </p:nvPicPr>
-        <p:blipFill>
-          <a:blip r:embed="rId2"/>
-          <a:stretch>
-            <a:fillRect/>
-          </a:stretch>
-        </p:blipFill>
-        <p:spPr>
-          <a:xfrm>
-            <a:off x="1392528" y="2727899"/>
-            <a:ext cx="9406943" cy="1402202"/>
-          </a:xfrm>
-          <a:prstGeom prst="rect">
-            <a:avLst/>
-          </a:prstGeom>
-        </p:spPr>
-      </p:pic>
-      <p:pic>
-        <p:nvPicPr>
-          <p:cNvPr id="7" name="Imagen 6"/>
-          <p:cNvPicPr>
-            <a:picLocks noChangeAspect="1"/>
-          </p:cNvPicPr>
-          <p:nvPr/>
-        </p:nvPicPr>
-        <p:blipFill rotWithShape="1">
-          <a:blip r:embed="rId3"/>
-          <a:srcRect l="27802" t="21407" r="15069" b="18151"/>
-          <a:stretch/>
-        </p:blipFill>
-        <p:spPr>
-          <a:xfrm>
-            <a:off x="1340075" y="1114022"/>
-            <a:ext cx="8710388" cy="5181179"/>
-          </a:xfrm>
-          <a:prstGeom prst="rect">
-            <a:avLst/>
-          </a:prstGeom>
-          <a:ln w="228600" cap="sq" cmpd="thickThin">
-            <a:solidFill>
-              <a:srgbClr val="000000"/>
-            </a:solidFill>
-            <a:prstDash val="solid"/>
-            <a:miter lim="800000"/>
-          </a:ln>
-          <a:effectLst>
-            <a:innerShdw blurRad="76200">
-              <a:srgbClr val="000000"/>
-            </a:innerShdw>
-          </a:effectLst>
-        </p:spPr>
-      </p:pic>
+        </p:nvSpPr>
+        <p:spPr/>
+        <p:txBody>
+          <a:bodyPr>
+            <a:normAutofit/>
+          </a:bodyPr>
+          <a:lstStyle/>
+          <a:p>
+            <a:pPr lvl="0"/>
+            <a:r>
+              <a:rPr lang="es-ES" dirty="0"/>
+              <a:t>Líder: </a:t>
+            </a:r>
+          </a:p>
+          <a:p>
+            <a:pPr lvl="0"/>
+            <a:r>
+              <a:rPr lang="es-ES" dirty="0"/>
+              <a:t>Riesgos: </a:t>
+            </a:r>
+          </a:p>
+          <a:p>
+            <a:pPr lvl="0"/>
+            <a:r>
+              <a:rPr lang="es-ES" dirty="0"/>
+              <a:t>Documentación: </a:t>
+            </a:r>
+          </a:p>
+          <a:p>
+            <a:pPr lvl="0"/>
+            <a:r>
+              <a:rPr lang="es-ES" dirty="0"/>
+              <a:t>Gestor de configuraciones</a:t>
+            </a:r>
+            <a:r>
+              <a:rPr lang="es-ES" dirty="0" smtClean="0"/>
+              <a:t>:</a:t>
+            </a:r>
+            <a:endParaRPr lang="es-ES" dirty="0"/>
+          </a:p>
+          <a:p>
+            <a:pPr lvl="0"/>
+            <a:r>
+              <a:rPr lang="es-ES" dirty="0"/>
+              <a:t>Desarrollador: </a:t>
+            </a:r>
+          </a:p>
+          <a:p>
+            <a:pPr lvl="0"/>
+            <a:r>
+              <a:rPr lang="es-ES" dirty="0" err="1" smtClean="0"/>
+              <a:t>Testin</a:t>
+            </a:r>
+            <a:r>
+              <a:rPr lang="es-ES" dirty="0" smtClean="0"/>
+              <a:t>:</a:t>
+            </a:r>
+            <a:endParaRPr lang="es-ES" dirty="0"/>
+          </a:p>
+        </p:txBody>
+      </p:sp>
     </p:spTree>
     <p:extLst>
       <p:ext uri="{BB962C8B-B14F-4D97-AF65-F5344CB8AC3E}">
-        <p14:creationId xmlns:p14="http://schemas.microsoft.com/office/powerpoint/2010/main" val="3111995629"/>
+        <p14:creationId xmlns:p14="http://schemas.microsoft.com/office/powerpoint/2010/main" val="2054422862"/>
       </p:ext>
     </p:extLst>
   </p:cSld>
   <p:clrMapOvr>
     <a:masterClrMapping/>
   </p:clrMapOvr>
+  <p:timing>
+    <p:tnLst>
+      <p:par>
+        <p:cTn id="1" dur="indefinite" restart="never" nodeType="tmRoot"/>
+      </p:par>
+    </p:tnLst>
+  </p:timing>
 </p:sld>
 </file>
 
@@ -7134,49 +7203,62 @@
           <a:chExt cx="0" cy="0"/>
         </a:xfrm>
       </p:grpSpPr>
-      <p:pic>
-        <p:nvPicPr>
-          <p:cNvPr id="4" name="Marcador de contenido 3"/>
-          <p:cNvPicPr>
-            <a:picLocks noGrp="1"/>
-          </p:cNvPicPr>
+      <p:sp>
+        <p:nvSpPr>
+          <p:cNvPr id="2" name="Título 1"/>
+          <p:cNvSpPr>
+            <a:spLocks noGrp="1"/>
+          </p:cNvSpPr>
+          <p:nvPr>
+            <p:ph type="title"/>
+          </p:nvPr>
+        </p:nvSpPr>
+        <p:spPr/>
+        <p:txBody>
+          <a:bodyPr/>
+          <a:lstStyle/>
+          <a:p>
+            <a:r>
+              <a:rPr lang="es-ES" dirty="0" err="1" smtClean="0"/>
+              <a:t>Lider</a:t>
+            </a:r>
+            <a:r>
+              <a:rPr lang="es-ES" dirty="0" smtClean="0"/>
+              <a:t> de Grupo</a:t>
+            </a:r>
+            <a:endParaRPr lang="es-ES" dirty="0"/>
+          </a:p>
+        </p:txBody>
+      </p:sp>
+      <p:sp>
+        <p:nvSpPr>
+          <p:cNvPr id="3" name="Marcador de contenido 2"/>
+          <p:cNvSpPr>
+            <a:spLocks noGrp="1"/>
+          </p:cNvSpPr>
           <p:nvPr>
             <p:ph idx="1"/>
           </p:nvPr>
-        </p:nvPicPr>
-        <p:blipFill>
-          <a:blip r:embed="rId2"/>
-          <a:stretch>
-            <a:fillRect/>
-          </a:stretch>
-        </p:blipFill>
-        <p:spPr>
-          <a:xfrm>
-            <a:off x="1122608" y="1339403"/>
-            <a:ext cx="10094891" cy="4932607"/>
-          </a:xfrm>
-          <a:prstGeom prst="rect">
-            <a:avLst/>
-          </a:prstGeom>
-        </p:spPr>
-      </p:pic>
+        </p:nvSpPr>
+        <p:spPr/>
+        <p:txBody>
+          <a:bodyPr/>
+          <a:lstStyle/>
+          <a:p>
+            <a:endParaRPr lang="es-ES"/>
+          </a:p>
+        </p:txBody>
+      </p:sp>
     </p:spTree>
     <p:extLst>
       <p:ext uri="{BB962C8B-B14F-4D97-AF65-F5344CB8AC3E}">
-        <p14:creationId xmlns:p14="http://schemas.microsoft.com/office/powerpoint/2010/main" val="925632106"/>
+        <p14:creationId xmlns:p14="http://schemas.microsoft.com/office/powerpoint/2010/main" val="3579523673"/>
       </p:ext>
     </p:extLst>
   </p:cSld>
   <p:clrMapOvr>
     <a:masterClrMapping/>
   </p:clrMapOvr>
-  <p:timing>
-    <p:tnLst>
-      <p:par>
-        <p:cTn id="1" dur="indefinite" restart="never" nodeType="tmRoot"/>
-      </p:par>
-    </p:tnLst>
-  </p:timing>
 </p:sld>
 </file>
 
@@ -7212,14 +7294,7 @@
           <a:bodyPr/>
           <a:lstStyle/>
           <a:p>
-            <a:r>
-              <a:rPr lang="es-ES" dirty="0" smtClean="0"/>
-              <a:t>Roles del Grupo</a:t>
-            </a:r>
-            <a:br>
-              <a:rPr lang="es-ES" dirty="0" smtClean="0"/>
-            </a:br>
-            <a:endParaRPr lang="es-ES" dirty="0"/>
+            <a:endParaRPr lang="es-ES"/>
           </a:p>
         </p:txBody>
       </p:sp>
@@ -7235,81 +7310,23 @@
         </p:nvSpPr>
         <p:spPr/>
         <p:txBody>
-          <a:bodyPr>
-            <a:normAutofit/>
-          </a:bodyPr>
+          <a:bodyPr/>
           <a:lstStyle/>
           <a:p>
-            <a:pPr lvl="0"/>
-            <a:r>
-              <a:rPr lang="es-ES" dirty="0"/>
-              <a:t>Líder: </a:t>
-            </a:r>
-          </a:p>
-          <a:p>
-            <a:pPr lvl="0"/>
-            <a:r>
-              <a:rPr lang="es-ES" dirty="0"/>
-              <a:t>Riesgos: </a:t>
-            </a:r>
-          </a:p>
-          <a:p>
-            <a:pPr lvl="0"/>
-            <a:r>
-              <a:rPr lang="es-ES" dirty="0"/>
-              <a:t>Documentación: </a:t>
-            </a:r>
-          </a:p>
-          <a:p>
-            <a:pPr lvl="0"/>
-            <a:r>
-              <a:rPr lang="es-ES" dirty="0"/>
-              <a:t>Gestor de configuraciones</a:t>
-            </a:r>
-            <a:r>
-              <a:rPr lang="es-ES" dirty="0" smtClean="0"/>
-              <a:t>:</a:t>
-            </a:r>
-            <a:endParaRPr lang="es-ES" dirty="0"/>
-          </a:p>
-          <a:p>
-            <a:pPr lvl="0"/>
-            <a:r>
-              <a:rPr lang="es-ES" dirty="0"/>
-              <a:t>Desarrollador: </a:t>
-            </a:r>
-          </a:p>
-          <a:p>
-            <a:pPr lvl="0"/>
-            <a:r>
-              <a:rPr lang="es-ES" dirty="0" err="1" smtClean="0"/>
-              <a:t>Testin</a:t>
-            </a:r>
-            <a:r>
-              <a:rPr lang="es-ES" dirty="0" smtClean="0"/>
-              <a:t>:</a:t>
-            </a:r>
-            <a:endParaRPr lang="es-ES" dirty="0"/>
+            <a:endParaRPr lang="es-ES"/>
           </a:p>
         </p:txBody>
       </p:sp>
     </p:spTree>
     <p:extLst>
       <p:ext uri="{BB962C8B-B14F-4D97-AF65-F5344CB8AC3E}">
-        <p14:creationId xmlns:p14="http://schemas.microsoft.com/office/powerpoint/2010/main" val="2054422862"/>
+        <p14:creationId xmlns:p14="http://schemas.microsoft.com/office/powerpoint/2010/main" val="534596362"/>
       </p:ext>
     </p:extLst>
   </p:cSld>
   <p:clrMapOvr>
     <a:masterClrMapping/>
   </p:clrMapOvr>
-  <p:timing>
-    <p:tnLst>
-      <p:par>
-        <p:cTn id="1" dur="indefinite" restart="never" nodeType="tmRoot"/>
-      </p:par>
-    </p:tnLst>
-  </p:timing>
 </p:sld>
 </file>
 
@@ -7415,150 +7432,6 @@
           <a:bodyPr/>
           <a:lstStyle/>
           <a:p>
-            <a:r>
-              <a:rPr lang="es-ES" dirty="0" err="1" smtClean="0"/>
-              <a:t>Lider</a:t>
-            </a:r>
-            <a:r>
-              <a:rPr lang="es-ES" dirty="0" smtClean="0"/>
-              <a:t> de Grupo</a:t>
-            </a:r>
-            <a:endParaRPr lang="es-ES" dirty="0"/>
-          </a:p>
-        </p:txBody>
-      </p:sp>
-      <p:sp>
-        <p:nvSpPr>
-          <p:cNvPr id="3" name="Marcador de contenido 2"/>
-          <p:cNvSpPr>
-            <a:spLocks noGrp="1"/>
-          </p:cNvSpPr>
-          <p:nvPr>
-            <p:ph idx="1"/>
-          </p:nvPr>
-        </p:nvSpPr>
-        <p:spPr/>
-        <p:txBody>
-          <a:bodyPr/>
-          <a:lstStyle/>
-          <a:p>
-            <a:endParaRPr lang="es-ES"/>
-          </a:p>
-        </p:txBody>
-      </p:sp>
-    </p:spTree>
-    <p:extLst>
-      <p:ext uri="{BB962C8B-B14F-4D97-AF65-F5344CB8AC3E}">
-        <p14:creationId xmlns:p14="http://schemas.microsoft.com/office/powerpoint/2010/main" val="3579523673"/>
-      </p:ext>
-    </p:extLst>
-  </p:cSld>
-  <p:clrMapOvr>
-    <a:masterClrMapping/>
-  </p:clrMapOvr>
-</p:sld>
-</file>
-
-<file path=ppt/slides/slide21.xml><?xml version="1.0" encoding="utf-8"?>
-<p:sld xmlns:a="http://schemas.openxmlformats.org/drawingml/2006/main" xmlns:r="http://schemas.openxmlformats.org/officeDocument/2006/relationships" xmlns:p="http://schemas.openxmlformats.org/presentationml/2006/main">
-  <p:cSld>
-    <p:spTree>
-      <p:nvGrpSpPr>
-        <p:cNvPr id="1" name=""/>
-        <p:cNvGrpSpPr/>
-        <p:nvPr/>
-      </p:nvGrpSpPr>
-      <p:grpSpPr>
-        <a:xfrm>
-          <a:off x="0" y="0"/>
-          <a:ext cx="0" cy="0"/>
-          <a:chOff x="0" y="0"/>
-          <a:chExt cx="0" cy="0"/>
-        </a:xfrm>
-      </p:grpSpPr>
-      <p:sp>
-        <p:nvSpPr>
-          <p:cNvPr id="2" name="Título 1"/>
-          <p:cNvSpPr>
-            <a:spLocks noGrp="1"/>
-          </p:cNvSpPr>
-          <p:nvPr>
-            <p:ph type="title"/>
-          </p:nvPr>
-        </p:nvSpPr>
-        <p:spPr/>
-        <p:txBody>
-          <a:bodyPr/>
-          <a:lstStyle/>
-          <a:p>
-            <a:endParaRPr lang="es-ES"/>
-          </a:p>
-        </p:txBody>
-      </p:sp>
-      <p:sp>
-        <p:nvSpPr>
-          <p:cNvPr id="3" name="Marcador de contenido 2"/>
-          <p:cNvSpPr>
-            <a:spLocks noGrp="1"/>
-          </p:cNvSpPr>
-          <p:nvPr>
-            <p:ph idx="1"/>
-          </p:nvPr>
-        </p:nvSpPr>
-        <p:spPr/>
-        <p:txBody>
-          <a:bodyPr/>
-          <a:lstStyle/>
-          <a:p>
-            <a:endParaRPr lang="es-ES"/>
-          </a:p>
-        </p:txBody>
-      </p:sp>
-    </p:spTree>
-    <p:extLst>
-      <p:ext uri="{BB962C8B-B14F-4D97-AF65-F5344CB8AC3E}">
-        <p14:creationId xmlns:p14="http://schemas.microsoft.com/office/powerpoint/2010/main" val="534596362"/>
-      </p:ext>
-    </p:extLst>
-  </p:cSld>
-  <p:clrMapOvr>
-    <a:masterClrMapping/>
-  </p:clrMapOvr>
-</p:sld>
-</file>
-
-<file path=ppt/slides/slide22.xml><?xml version="1.0" encoding="utf-8"?>
-<p:sld xmlns:a="http://schemas.openxmlformats.org/drawingml/2006/main" xmlns:r="http://schemas.openxmlformats.org/officeDocument/2006/relationships" xmlns:p="http://schemas.openxmlformats.org/presentationml/2006/main">
-  <p:cSld>
-    <p:spTree>
-      <p:nvGrpSpPr>
-        <p:cNvPr id="1" name=""/>
-        <p:cNvGrpSpPr/>
-        <p:nvPr/>
-      </p:nvGrpSpPr>
-      <p:grpSpPr>
-        <a:xfrm>
-          <a:off x="0" y="0"/>
-          <a:ext cx="0" cy="0"/>
-          <a:chOff x="0" y="0"/>
-          <a:chExt cx="0" cy="0"/>
-        </a:xfrm>
-      </p:grpSpPr>
-      <p:sp>
-        <p:nvSpPr>
-          <p:cNvPr id="2" name="Título 1"/>
-          <p:cNvSpPr>
-            <a:spLocks noGrp="1"/>
-          </p:cNvSpPr>
-          <p:nvPr>
-            <p:ph type="title"/>
-          </p:nvPr>
-        </p:nvSpPr>
-        <p:spPr/>
-        <p:txBody>
-          <a:bodyPr/>
-          <a:lstStyle/>
-          <a:p>
             <a:endParaRPr lang="es-ES"/>
           </a:p>
         </p:txBody>
@@ -7595,7 +7468,7 @@
 </p:sld>
 </file>
 
-<file path=ppt/slides/slide23.xml><?xml version="1.0" encoding="utf-8"?>
+<file path=ppt/slides/slide21.xml><?xml version="1.0" encoding="utf-8"?>
 <p:sld xmlns:a="http://schemas.openxmlformats.org/drawingml/2006/main" xmlns:r="http://schemas.openxmlformats.org/officeDocument/2006/relationships" xmlns:p="http://schemas.openxmlformats.org/presentationml/2006/main">
   <p:cSld>
     <p:spTree>
@@ -7700,9 +7573,10 @@
           <a:bodyPr/>
           <a:lstStyle/>
           <a:p>
+            <a:pPr algn="ctr"/>
             <a:r>
               <a:rPr lang="es-ES" dirty="0" smtClean="0"/>
-              <a:t>Integrantes;</a:t>
+              <a:t>Integrantes</a:t>
             </a:r>
             <a:endParaRPr lang="es-ES" dirty="0"/>
           </a:p>
@@ -7728,12 +7602,14 @@
           <a:bodyPr/>
           <a:lstStyle/>
           <a:p>
+            <a:pPr algn="ctr"/>
             <a:r>
               <a:rPr lang="es-ES" dirty="0" smtClean="0"/>
               <a:t>Francisco Benitez</a:t>
             </a:r>
           </a:p>
           <a:p>
+            <a:pPr algn="ctr"/>
             <a:r>
               <a:rPr lang="es-ES" dirty="0" smtClean="0"/>
               <a:t>Melanie </a:t>
@@ -7745,35 +7621,35 @@
             <a:endParaRPr lang="es-ES" dirty="0" smtClean="0"/>
           </a:p>
           <a:p>
-            <a:r>
-              <a:rPr lang="es-ES" dirty="0" err="1" smtClean="0"/>
-              <a:t>Miryam</a:t>
-            </a:r>
+            <a:pPr algn="ctr"/>
             <a:r>
               <a:rPr lang="es-ES" dirty="0" smtClean="0"/>
-              <a:t> Medina</a:t>
-            </a:r>
-          </a:p>
-          <a:p>
+              <a:t>Myriam </a:t>
+            </a:r>
+            <a:r>
+              <a:rPr lang="es-ES" dirty="0" smtClean="0"/>
+              <a:t>Medina</a:t>
+            </a:r>
+          </a:p>
+          <a:p>
+            <a:pPr algn="ctr"/>
             <a:r>
               <a:rPr lang="es-ES" dirty="0" smtClean="0"/>
               <a:t>Ricardo Maciel</a:t>
             </a:r>
           </a:p>
           <a:p>
+            <a:pPr algn="ctr"/>
             <a:r>
               <a:rPr lang="es-ES" dirty="0" smtClean="0"/>
               <a:t>Sebastian Kazlauskas</a:t>
             </a:r>
           </a:p>
           <a:p>
-            <a:r>
-              <a:rPr lang="es-ES" smtClean="0"/>
-              <a:t>Orlando </a:t>
-            </a:r>
+            <a:pPr algn="ctr"/>
             <a:r>
               <a:rPr lang="es-ES" dirty="0" smtClean="0"/>
-              <a:t>Cardozo</a:t>
+              <a:t>Orlando Cardozo</a:t>
             </a:r>
             <a:endParaRPr lang="es-ES" dirty="0"/>
           </a:p>
@@ -7862,10 +7738,11 @@
         </p:spPr>
         <p:txBody>
           <a:bodyPr>
-            <a:normAutofit fontScale="92500" lnSpcReduction="10000"/>
+            <a:normAutofit/>
           </a:bodyPr>
           <a:lstStyle/>
           <a:p>
+            <a:pPr algn="just"/>
             <a:r>
               <a:rPr lang="es-ES" sz="2800" dirty="0" err="1"/>
               <a:t>DeliverYApp</a:t>
@@ -7875,22 +7752,17 @@
               <a:t> será un entorno web en el que se podrán registrar las empresas gastronómicas y así de esa forma poder ofrecer el servicio de </a:t>
             </a:r>
             <a:r>
-              <a:rPr lang="es-ES" sz="2800" dirty="0" err="1"/>
+              <a:rPr lang="es-ES" sz="2800" dirty="0" err="1" smtClean="0"/>
               <a:t>delivery</a:t>
             </a:r>
             <a:r>
-              <a:rPr lang="es-ES" sz="2800" dirty="0"/>
-              <a:t> dicho sistema permitirá efectuar pedidos  del menú seleccionado por el cliente, una vez confirmado el pedido el usuario recibe las notificaciones de los pedidos y los procesa. </a:t>
-            </a:r>
-            <a:endParaRPr lang="es-ES" sz="2800" dirty="0" smtClean="0"/>
-          </a:p>
-          <a:p>
-            <a:pPr marL="0" indent="0">
-              <a:buNone/>
-            </a:pPr>
+              <a:rPr lang="es-ES" sz="2800" dirty="0" smtClean="0"/>
+              <a:t>.</a:t>
+            </a:r>
             <a:endParaRPr lang="es-ES" sz="2800" dirty="0"/>
           </a:p>
           <a:p>
+            <a:pPr algn="just"/>
             <a:r>
               <a:rPr lang="es-ES" sz="2800" dirty="0"/>
               <a:t>No contará con la funcionalidad de facturación y contabilidad.</a:t>
@@ -7961,6 +7833,7 @@
           <a:bodyPr/>
           <a:lstStyle/>
           <a:p>
+            <a:pPr algn="ctr"/>
             <a:r>
               <a:rPr lang="es-ES" dirty="0" smtClean="0"/>
               <a:t>Objetivos del Sistema</a:t>
@@ -7989,9 +7862,41 @@
           <a:bodyPr/>
           <a:lstStyle/>
           <a:p>
+            <a:pPr algn="just"/>
             <a:r>
               <a:rPr lang="es-ES" dirty="0"/>
-              <a:t>Los objetivos del sistema son minimizar los problemas referentes a la gestión de pedidos de parte del cliente, optimizar la gestión de ventas. </a:t>
+              <a:t>M</a:t>
+            </a:r>
+            <a:r>
+              <a:rPr lang="es-ES" dirty="0" smtClean="0"/>
+              <a:t>inimizar </a:t>
+            </a:r>
+            <a:r>
+              <a:rPr lang="es-ES" dirty="0"/>
+              <a:t>los problemas referentes a la gestión de pedidos de parte del </a:t>
+            </a:r>
+            <a:r>
+              <a:rPr lang="es-ES" dirty="0" smtClean="0"/>
+              <a:t>cliente</a:t>
+            </a:r>
+          </a:p>
+          <a:p>
+            <a:pPr algn="just"/>
+            <a:r>
+              <a:rPr lang="es-ES" dirty="0" smtClean="0"/>
+              <a:t> </a:t>
+            </a:r>
+            <a:r>
+              <a:rPr lang="es-ES" dirty="0"/>
+              <a:t>O</a:t>
+            </a:r>
+            <a:r>
+              <a:rPr lang="es-ES" dirty="0" smtClean="0"/>
+              <a:t>ptimizar </a:t>
+            </a:r>
+            <a:r>
+              <a:rPr lang="es-ES" dirty="0"/>
+              <a:t>la gestión de ventas. </a:t>
             </a:r>
           </a:p>
           <a:p>
@@ -8096,6 +8001,7 @@
             </a:lvl9pPr>
           </a:lstStyle>
           <a:p>
+            <a:pPr algn="ctr"/>
             <a:r>
               <a:rPr lang="es-ES" dirty="0" smtClean="0"/>
               <a:t>Los Beneficios del sistemas</a:t>
@@ -8353,6 +8259,7 @@
             </a:lvl9pPr>
           </a:lstStyle>
           <a:p>
+            <a:pPr algn="just"/>
             <a:r>
               <a:rPr lang="es-ES" dirty="0"/>
               <a:t>El beneficio con que cuenta el sistema es el de agilizar los pedidos de tal forma que no se pierda tiempo con las llamadas. </a:t>
@@ -8461,6 +8368,7 @@
             </a:lvl9pPr>
           </a:lstStyle>
           <a:p>
+            <a:pPr algn="ctr"/>
             <a:r>
               <a:rPr lang="es-ES" dirty="0" smtClean="0"/>
               <a:t>La Meta</a:t>
@@ -8718,6 +8626,7 @@
             </a:lvl9pPr>
           </a:lstStyle>
           <a:p>
+            <a:pPr algn="just"/>
             <a:r>
               <a:rPr lang="es-ES" dirty="0" smtClean="0"/>
               <a:t>La </a:t>
@@ -8795,11 +8704,11 @@
         </p:spPr>
         <p:txBody>
           <a:bodyPr>
-            <a:normAutofit lnSpcReduction="10000"/>
+            <a:normAutofit/>
           </a:bodyPr>
           <a:lstStyle/>
           <a:p>
-            <a:pPr marL="0" indent="0">
+            <a:pPr marL="0" indent="0" algn="just">
               <a:buNone/>
             </a:pPr>
             <a:r>
@@ -8809,27 +8718,9 @@
             <a:endParaRPr lang="es-ES" sz="3200" dirty="0" smtClean="0"/>
           </a:p>
           <a:p>
-            <a:pPr marL="0" indent="0">
+            <a:pPr marL="0" indent="0" algn="just">
               <a:buNone/>
             </a:pPr>
-            <a:r>
-              <a:rPr lang="es-ES" sz="3200" dirty="0" smtClean="0"/>
-              <a:t>El </a:t>
-            </a:r>
-            <a:r>
-              <a:rPr lang="es-ES" sz="3200" dirty="0"/>
-              <a:t>sistema </a:t>
-            </a:r>
-            <a:r>
-              <a:rPr lang="es-ES" sz="3200" dirty="0" err="1"/>
-              <a:t>DeliverYApp</a:t>
-            </a:r>
-            <a:r>
-              <a:rPr lang="es-ES" sz="3200" dirty="0"/>
-              <a:t> será un producto diseñado para trabajar en entornos web, lo que permitirá su utilización de forma descentralizada, además trabajará de manera independiente por lo tanto no interactuará con otro sistemas.</a:t>
-            </a:r>
-          </a:p>
-          <a:p>
             <a:endParaRPr lang="es-ES" sz="3600" dirty="0"/>
           </a:p>
         </p:txBody>
@@ -8928,6 +8819,7 @@
             </a:lvl9pPr>
           </a:lstStyle>
           <a:p>
+            <a:pPr algn="ctr"/>
             <a:r>
               <a:rPr lang="es-ES" sz="5400" b="1" dirty="0" smtClean="0"/>
               <a:t>Descripción General</a:t>
@@ -9000,6 +8892,7 @@
           <a:bodyPr/>
           <a:lstStyle/>
           <a:p>
+            <a:pPr algn="ctr"/>
             <a:r>
               <a:rPr lang="es-ES" b="1" dirty="0"/>
               <a:t>Funciones del Producto</a:t>
@@ -9020,13 +8913,13 @@
         </p:nvSpPr>
         <p:spPr>
           <a:xfrm>
-            <a:off x="695460" y="1313645"/>
-            <a:ext cx="10805375" cy="5267459"/>
+            <a:off x="1880316" y="1468193"/>
+            <a:ext cx="8255357" cy="5267459"/>
           </a:xfrm>
         </p:spPr>
         <p:txBody>
           <a:bodyPr>
-            <a:normAutofit lnSpcReduction="10000"/>
+            <a:normAutofit/>
           </a:bodyPr>
           <a:lstStyle/>
           <a:p>
@@ -9058,71 +8951,83 @@
             </a:r>
             <a:r>
               <a:rPr lang="es-ES" b="1" dirty="0"/>
-              <a:t> - Empresa):</a:t>
-            </a:r>
-            <a:r>
-              <a:rPr lang="es-ES" dirty="0"/>
-              <a:t> Se le proveerá de un usuario y contraseña para que pueda acceder  y tener control de los servicios que provee el sistema. </a:t>
+              <a:t> - Empresa</a:t>
+            </a:r>
+            <a:r>
+              <a:rPr lang="es-ES" b="1" dirty="0" smtClean="0"/>
+              <a:t>)</a:t>
             </a:r>
             <a:endParaRPr lang="es-ES" dirty="0" smtClean="0"/>
           </a:p>
           <a:p>
+            <a:pPr lvl="0"/>
+            <a:r>
+              <a:rPr lang="es-ES" b="1" dirty="0" smtClean="0"/>
+              <a:t>Gestión </a:t>
+            </a:r>
             <a:r>
               <a:rPr lang="es-ES" b="1" dirty="0"/>
-              <a:t>Gestión de roles:</a:t>
-            </a:r>
-            <a:r>
-              <a:rPr lang="es-ES" dirty="0"/>
-              <a:t> Se especificará los niveles de accesos del sistema. </a:t>
-            </a:r>
+              <a:t>de </a:t>
+            </a:r>
+            <a:r>
+              <a:rPr lang="es-ES" b="1" dirty="0" smtClean="0"/>
+              <a:t>roles</a:t>
+            </a:r>
+            <a:endParaRPr lang="es-ES" dirty="0"/>
           </a:p>
           <a:p>
             <a:r>
               <a:rPr lang="es-ES" b="1" dirty="0"/>
-              <a:t>Gestión de usuario:</a:t>
-            </a:r>
-            <a:r>
-              <a:rPr lang="es-ES" dirty="0"/>
-              <a:t> Se crearan los diferentes usuarios del sistema indicando sus roles.</a:t>
-            </a:r>
-          </a:p>
-          <a:p>
+              <a:t>Gestión de </a:t>
+            </a:r>
+            <a:r>
+              <a:rPr lang="es-ES" b="1" dirty="0" smtClean="0"/>
+              <a:t>usuario</a:t>
+            </a:r>
+          </a:p>
+          <a:p>
+            <a:r>
+              <a:rPr lang="es-ES" b="1" dirty="0" smtClean="0"/>
+              <a:t>Gestión </a:t>
+            </a:r>
             <a:r>
               <a:rPr lang="es-ES" b="1" dirty="0"/>
-              <a:t>Gestión de menú:</a:t>
-            </a:r>
-            <a:r>
-              <a:rPr lang="es-ES" dirty="0"/>
-              <a:t> Este contendrá un formulario para el registro de los datos del producto, platos, precios, foto, etc.</a:t>
-            </a:r>
-          </a:p>
-          <a:p>
+              <a:t>de </a:t>
+            </a:r>
+            <a:r>
+              <a:rPr lang="es-ES" b="1" dirty="0" smtClean="0"/>
+              <a:t>menú</a:t>
+            </a:r>
+            <a:endParaRPr lang="es-ES" dirty="0" smtClean="0"/>
+          </a:p>
+          <a:p>
+            <a:r>
+              <a:rPr lang="es-ES" b="1" dirty="0" smtClean="0"/>
+              <a:t>Gestión </a:t>
+            </a:r>
             <a:r>
               <a:rPr lang="es-ES" b="1" dirty="0"/>
-              <a:t>Gestión de pedidos:</a:t>
-            </a:r>
-            <a:r>
-              <a:rPr lang="es-ES" dirty="0"/>
-              <a:t> Este contendrá opciones para manejar los estados de los pedidos</a:t>
-            </a:r>
-            <a:r>
-              <a:rPr lang="es-ES" dirty="0" smtClean="0"/>
-              <a:t>.</a:t>
-            </a:r>
-          </a:p>
-          <a:p>
+              <a:t>de </a:t>
+            </a:r>
+            <a:r>
+              <a:rPr lang="es-ES" b="1" dirty="0" smtClean="0"/>
+              <a:t>pedidos</a:t>
+            </a:r>
+          </a:p>
+          <a:p>
+            <a:r>
+              <a:rPr lang="es-ES" b="1" dirty="0" smtClean="0"/>
+              <a:t>Gestión </a:t>
+            </a:r>
             <a:r>
               <a:rPr lang="es-ES" b="1" dirty="0"/>
-              <a:t>Gestión de informes</a:t>
-            </a:r>
-            <a:r>
-              <a:rPr lang="es-ES" dirty="0"/>
-              <a:t>: Este contendrá opción para generar informes estadísticos</a:t>
-            </a:r>
-            <a:r>
-              <a:rPr lang="es-ES" dirty="0" smtClean="0"/>
-              <a:t>.</a:t>
-            </a:r>
+              <a:t>de </a:t>
+            </a:r>
+            <a:r>
+              <a:rPr lang="es-ES" b="1" dirty="0" smtClean="0"/>
+              <a:t>informes</a:t>
+            </a:r>
+            <a:endParaRPr lang="es-ES" dirty="0" smtClean="0"/>
           </a:p>
           <a:p>
             <a:pPr lvl="0"/>
@@ -9136,29 +9041,27 @@
             </a:r>
             <a:r>
               <a:rPr lang="es-ES" b="1" dirty="0"/>
-              <a:t> - cliente):</a:t>
-            </a:r>
-            <a:r>
-              <a:rPr lang="es-ES" dirty="0"/>
-              <a:t> El cliente deberá registrarse antes de solicitar el pedido.</a:t>
+              <a:t> - cliente</a:t>
+            </a:r>
+            <a:r>
+              <a:rPr lang="es-ES" b="1" dirty="0" smtClean="0"/>
+              <a:t>)</a:t>
             </a:r>
           </a:p>
           <a:p>
             <a:pPr lvl="0"/>
             <a:r>
+              <a:rPr lang="es-ES" b="1" dirty="0" smtClean="0"/>
+              <a:t>Elección </a:t>
+            </a:r>
+            <a:r>
               <a:rPr lang="es-ES" b="1" dirty="0"/>
-              <a:t>Elección y confirmación del pedido:</a:t>
-            </a:r>
-            <a:r>
-              <a:rPr lang="es-ES" dirty="0"/>
-              <a:t> Este contendrá opciones de elección de los diferentes tipos de platos que a su vez deberá ser confirmado.</a:t>
-            </a:r>
-          </a:p>
-          <a:p>
-            <a:endParaRPr lang="es-ES" dirty="0"/>
-          </a:p>
-          <a:p>
-            <a:pPr lvl="0"/>
+              <a:t>y confirmación del </a:t>
+            </a:r>
+            <a:r>
+              <a:rPr lang="es-ES" b="1" dirty="0" smtClean="0"/>
+              <a:t>pedido</a:t>
+            </a:r>
             <a:endParaRPr lang="es-ES" dirty="0"/>
           </a:p>
           <a:p>
@@ -9221,7 +9124,7 @@
         </p:nvSpPr>
         <p:spPr>
           <a:xfrm>
-            <a:off x="859595" y="958214"/>
+            <a:off x="705048" y="443060"/>
             <a:ext cx="9971538" cy="5197888"/>
           </a:xfrm>
         </p:spPr>
@@ -9229,48 +9132,83 @@
           <a:bodyPr/>
           <a:lstStyle/>
           <a:p>
-            <a:pPr marL="0" indent="0">
+            <a:pPr marL="0" indent="0" algn="ctr">
               <a:buNone/>
             </a:pPr>
             <a:r>
               <a:rPr lang="x-none" sz="3000" b="1" dirty="0"/>
-              <a:t>Características de los usuarios: </a:t>
-            </a:r>
-          </a:p>
-          <a:p>
-            <a:pPr lvl="0"/>
+              <a:t>Características de </a:t>
+            </a:r>
+            <a:r>
+              <a:rPr lang="x-none" sz="3000" b="1"/>
+              <a:t>los </a:t>
+            </a:r>
+            <a:r>
+              <a:rPr lang="x-none" sz="3000" b="1" smtClean="0"/>
+              <a:t>usuarios</a:t>
+            </a:r>
+            <a:endParaRPr lang="es-ES" sz="3000" b="1" dirty="0" smtClean="0"/>
+          </a:p>
+          <a:p>
+            <a:pPr marL="0" indent="0" algn="ctr">
+              <a:buNone/>
+            </a:pPr>
+            <a:endParaRPr lang="es-ES" sz="3000" b="1" dirty="0" smtClean="0"/>
+          </a:p>
+          <a:p>
+            <a:pPr marL="0" indent="0" algn="ctr">
+              <a:buNone/>
+            </a:pPr>
+            <a:endParaRPr lang="es-ES" sz="3000" b="1" dirty="0"/>
+          </a:p>
+          <a:p>
+            <a:pPr marL="0" indent="0" algn="ctr">
+              <a:buNone/>
+            </a:pPr>
+            <a:endParaRPr lang="es-ES" sz="3000" b="1" dirty="0" smtClean="0"/>
+          </a:p>
+          <a:p>
+            <a:pPr marL="0" indent="0" algn="ctr">
+              <a:buNone/>
+            </a:pPr>
+            <a:r>
+              <a:rPr lang="es-ES" b="1" dirty="0" smtClean="0"/>
+              <a:t>Administrador </a:t>
+            </a:r>
             <a:r>
               <a:rPr lang="es-ES" b="1" dirty="0"/>
-              <a:t>Administrador del sistema:</a:t>
-            </a:r>
-            <a:r>
-              <a:rPr lang="es-ES" dirty="0"/>
-              <a:t> usuario con gran conocimiento en el manejo del sistema, con una previa capacitación por parte de la entidad.</a:t>
-            </a:r>
-          </a:p>
-          <a:p>
-            <a:pPr lvl="0"/>
+              <a:t>del </a:t>
+            </a:r>
+            <a:r>
+              <a:rPr lang="es-ES" b="1" dirty="0" smtClean="0"/>
+              <a:t>sistema</a:t>
+            </a:r>
+          </a:p>
+          <a:p>
+            <a:pPr marL="0" indent="0" algn="ctr">
+              <a:buNone/>
+            </a:pPr>
+            <a:r>
+              <a:rPr lang="es-ES" b="1" dirty="0" smtClean="0"/>
+              <a:t>Usuario </a:t>
+            </a:r>
             <a:r>
               <a:rPr lang="es-ES" b="1" dirty="0"/>
-              <a:t>Usuario del sistema: </a:t>
-            </a:r>
-            <a:r>
-              <a:rPr lang="es-ES" dirty="0"/>
-              <a:t>es el encargado de gestionar los pedidos, con una previa capacitación por parte de la entidad.</a:t>
-            </a:r>
-          </a:p>
-          <a:p>
-            <a:pPr lvl="0"/>
-            <a:r>
-              <a:rPr lang="es-ES" b="1" dirty="0"/>
-              <a:t>Cliente:</a:t>
-            </a:r>
-            <a:r>
-              <a:rPr lang="es-ES" dirty="0"/>
-              <a:t> usuario visitante que solita los pedidos, debe contar con un conocimiento básico sobre el manejo de páginas web.</a:t>
-            </a:r>
-          </a:p>
-          <a:p>
+              <a:t>del </a:t>
+            </a:r>
+            <a:r>
+              <a:rPr lang="es-ES" b="1" dirty="0" smtClean="0"/>
+              <a:t>sistema</a:t>
+            </a:r>
+          </a:p>
+          <a:p>
+            <a:pPr marL="0" indent="0" algn="ctr">
+              <a:buNone/>
+            </a:pPr>
+            <a:r>
+              <a:rPr lang="es-ES" b="1" dirty="0" smtClean="0"/>
+              <a:t>Cliente</a:t>
+            </a:r>
             <a:endParaRPr lang="es-ES" dirty="0"/>
           </a:p>
         </p:txBody>
@@ -9327,6 +9265,7 @@
           <a:bodyPr/>
           <a:lstStyle/>
           <a:p>
+            <a:pPr algn="ctr"/>
             <a:r>
               <a:rPr lang="es-ES" dirty="0" smtClean="0"/>
               <a:t>Restricciones</a:t>
@@ -9347,8 +9286,8 @@
         </p:nvSpPr>
         <p:spPr>
           <a:xfrm>
-            <a:off x="308531" y="1254427"/>
-            <a:ext cx="11153667" cy="5391071"/>
+            <a:off x="1455314" y="1666552"/>
+            <a:ext cx="8564452" cy="4257730"/>
           </a:xfrm>
         </p:spPr>
         <p:txBody>
@@ -9360,109 +9299,83 @@
             <a:pPr lvl="0"/>
             <a:r>
               <a:rPr lang="es-ES" sz="1900" b="1" dirty="0"/>
-              <a:t>Políticas de la empresa:</a:t>
-            </a:r>
-            <a:r>
-              <a:rPr lang="es-ES" sz="1900" dirty="0"/>
-              <a:t> La aplicación se desarrollara mediante software de licencia abierta por lo tanto no se deberá pagar por el uso del servidor web(apache), sistema de gestión de base de datos (</a:t>
-            </a:r>
-            <a:r>
-              <a:rPr lang="es-ES" sz="1900" dirty="0" err="1"/>
-              <a:t>MySQL</a:t>
-            </a:r>
-            <a:r>
-              <a:rPr lang="es-ES" sz="1900" dirty="0"/>
-              <a:t>) y el lenguaje de programación </a:t>
-            </a:r>
-            <a:r>
-              <a:rPr lang="es-ES" sz="1900" dirty="0" err="1"/>
-              <a:t>RoR</a:t>
-            </a:r>
-            <a:r>
-              <a:rPr lang="es-ES" sz="1900" dirty="0"/>
-              <a:t>, por lo tanto la utilización de estos programas se harán mediantes las políticas establecidas por este tipo de licenciamiento</a:t>
-            </a:r>
-            <a:r>
-              <a:rPr lang="es-ES" sz="1900" dirty="0" smtClean="0"/>
-              <a:t>.</a:t>
-            </a:r>
+              <a:t>Políticas de la </a:t>
+            </a:r>
+            <a:r>
+              <a:rPr lang="es-ES" sz="1900" b="1" dirty="0" smtClean="0"/>
+              <a:t>empresa</a:t>
+            </a:r>
+            <a:endParaRPr lang="es-ES" sz="1900" dirty="0" smtClean="0"/>
           </a:p>
           <a:p>
             <a:r>
               <a:rPr lang="es-ES" sz="1900" b="1" dirty="0"/>
-              <a:t>Limitaciones del hardware:</a:t>
-            </a:r>
-            <a:r>
-              <a:rPr lang="es-ES" sz="1900" dirty="0"/>
-              <a:t> para esta aplicación será necesaria un computador servidor en el cual se instalara el servidor web apache, </a:t>
-            </a:r>
-            <a:r>
-              <a:rPr lang="es-ES" sz="1900" dirty="0" err="1"/>
-              <a:t>MySQl</a:t>
-            </a:r>
-            <a:r>
-              <a:rPr lang="es-ES" sz="1900" dirty="0"/>
-              <a:t>, </a:t>
-            </a:r>
-            <a:r>
-              <a:rPr lang="es-ES" sz="1900" dirty="0" err="1"/>
-              <a:t>RoR</a:t>
-            </a:r>
-            <a:r>
-              <a:rPr lang="es-ES" sz="1900" dirty="0"/>
-              <a:t> y la aplicación </a:t>
-            </a:r>
-            <a:r>
-              <a:rPr lang="es-ES" sz="1900" dirty="0" err="1"/>
-              <a:t>DeliverYApp</a:t>
-            </a:r>
-            <a:r>
-              <a:rPr lang="es-ES" sz="1900" dirty="0"/>
-              <a:t>.</a:t>
-            </a:r>
-          </a:p>
-          <a:p>
+              <a:t>Limitaciones del </a:t>
+            </a:r>
+            <a:r>
+              <a:rPr lang="es-ES" sz="1900" b="1" dirty="0" smtClean="0"/>
+              <a:t>hardware</a:t>
+            </a:r>
+          </a:p>
+          <a:p>
+            <a:r>
+              <a:rPr lang="es-ES" sz="1900" b="1" dirty="0" smtClean="0"/>
+              <a:t>Interfaces </a:t>
+            </a:r>
             <a:r>
               <a:rPr lang="es-ES" sz="1900" b="1" dirty="0"/>
-              <a:t>Interfaces con otras aplicaciones:</a:t>
-            </a:r>
-            <a:r>
-              <a:rPr lang="es-ES" sz="1900" dirty="0"/>
-              <a:t> Debido a que el sistema no interactúa con otro sistema y es autónomo no se desarrollaran interfaces con otras aplicaciones. Las conexiones necesarias para la utilización del servidor web, </a:t>
-            </a:r>
-            <a:r>
-              <a:rPr lang="es-ES" sz="1900" dirty="0" err="1"/>
-              <a:t>MySQL</a:t>
-            </a:r>
-            <a:r>
-              <a:rPr lang="es-ES" sz="1900" dirty="0"/>
-              <a:t>, </a:t>
-            </a:r>
-            <a:r>
-              <a:rPr lang="es-ES" sz="1900" dirty="0" err="1"/>
-              <a:t>RoR</a:t>
-            </a:r>
-            <a:r>
-              <a:rPr lang="es-ES" sz="1900" dirty="0"/>
-              <a:t> y un DNS será por medio de la configuración de estos programas.</a:t>
-            </a:r>
-          </a:p>
-          <a:p>
-            <a:r>
-              <a:rPr lang="es-ES" sz="1900" b="1" dirty="0"/>
-              <a:t>Funciones de control:</a:t>
-            </a:r>
-            <a:r>
-              <a:rPr lang="es-ES" sz="1900" dirty="0"/>
-              <a:t> El sistema debe controlar los permisos que tiene los usuarios para su accesibilidad de una manera correcta, de tal forma que pueda acceder la información que le corresponde de acuerdo a su rol. Debe tener controles adecuados para la validación de datos</a:t>
-            </a:r>
-            <a:r>
-              <a:rPr lang="es-ES" sz="1900" dirty="0" smtClean="0"/>
-              <a:t>.</a:t>
+              <a:t>con otras </a:t>
+            </a:r>
+            <a:r>
+              <a:rPr lang="es-ES" sz="1900" b="1" dirty="0" smtClean="0"/>
+              <a:t>aplicaciones</a:t>
             </a:r>
           </a:p>
           <a:p>
             <a:pPr lvl="0"/>
+            <a:r>
+              <a:rPr lang="es-ES" sz="1900" b="1" dirty="0" smtClean="0"/>
+              <a:t>Funciones de control </a:t>
+            </a:r>
+          </a:p>
+          <a:p>
+            <a:pPr lvl="0"/>
+            <a:r>
+              <a:rPr lang="es-ES" b="1" dirty="0" smtClean="0"/>
+              <a:t>Lenguaje </a:t>
+            </a:r>
+            <a:r>
+              <a:rPr lang="es-ES" b="1" dirty="0"/>
+              <a:t>de programación</a:t>
+            </a:r>
+          </a:p>
+          <a:p>
+            <a:pPr lvl="0"/>
+            <a:r>
+              <a:rPr lang="es-ES" b="1" dirty="0"/>
+              <a:t>Protocolo de comunicación</a:t>
+            </a:r>
+          </a:p>
+          <a:p>
+            <a:pPr lvl="0"/>
+            <a:r>
+              <a:rPr lang="es-ES" b="1" dirty="0"/>
+              <a:t>Requisitos de habilidad</a:t>
+            </a:r>
+          </a:p>
+          <a:p>
+            <a:pPr lvl="0"/>
+            <a:r>
+              <a:rPr lang="es-ES" b="1" dirty="0"/>
+              <a:t>Credibilidad en la aplicación</a:t>
+            </a:r>
+          </a:p>
+          <a:p>
+            <a:pPr lvl="0"/>
+            <a:r>
+              <a:rPr lang="es-ES" b="1" dirty="0"/>
+              <a:t>Consideración acerca de la seguridad</a:t>
+            </a:r>
             <a:endParaRPr lang="es-ES" dirty="0"/>
           </a:p>
           <a:p>
@@ -9750,7 +9663,7 @@
   <a:extraClrSchemeLst/>
   <a:extLst>
     <a:ext uri="{05A4C25C-085E-4340-85A3-A5531E510DB2}">
-      <thm15:themeFamily xmlns:thm15="http://schemas.microsoft.com/office/thememl/2012/main" name="Ion" id="{B8441ADB-2E43-4AF7-B97A-BD870242C6A8}" vid="{292E63A9-BB86-4E3D-B92A-7223C6510D2E}"/>
+      <thm15:themeFamily xmlns:thm15="http://schemas.microsoft.com/office/thememl/2012/main" xmlns="" name="Ion" id="{B8441ADB-2E43-4AF7-B97A-BD870242C6A8}" vid="{292E63A9-BB86-4E3D-B92A-7223C6510D2E}"/>
     </a:ext>
   </a:extLst>
 </a:theme>

--- a/Presentacion de Clase.pptx
+++ b/Presentacion de Clase.pptx
@@ -126,7 +126,7 @@
   </p:defaultTextStyle>
   <p:extLst>
     <p:ext uri="{EFAFB233-063F-42B5-8137-9DF3F51BA10A}">
-      <p15:sldGuideLst xmlns:p15="http://schemas.microsoft.com/office/powerpoint/2012/main" xmlns="">
+      <p15:sldGuideLst xmlns="" xmlns:p15="http://schemas.microsoft.com/office/powerpoint/2012/main">
         <p15:guide id="1" orient="horz" pos="2160">
           <p15:clr>
             <a:srgbClr val="A4A3A4"/>
@@ -329,7 +329,7 @@
           <a:p>
             <a:fld id="{4AAD347D-5ACD-4C99-B74B-A9C85AD731AF}" type="datetimeFigureOut">
               <a:rPr lang="en-US" dirty="0"/>
-              <a:t>4/12/2016</a:t>
+              <a:t>4/13/2016</a:t>
             </a:fld>
             <a:endParaRPr lang="en-US" dirty="0"/>
           </a:p>
@@ -599,7 +599,7 @@
           <a:p>
             <a:fld id="{4509A250-FF31-4206-8172-F9D3106AACB1}" type="datetimeFigureOut">
               <a:rPr lang="en-US" dirty="0"/>
-              <a:t>4/12/2016</a:t>
+              <a:t>4/13/2016</a:t>
             </a:fld>
             <a:endParaRPr lang="en-US" dirty="0"/>
           </a:p>
@@ -788,7 +788,7 @@
           <a:p>
             <a:fld id="{4509A250-FF31-4206-8172-F9D3106AACB1}" type="datetimeFigureOut">
               <a:rPr lang="en-US" dirty="0"/>
-              <a:t>4/12/2016</a:t>
+              <a:t>4/13/2016</a:t>
             </a:fld>
             <a:endParaRPr lang="en-US" dirty="0"/>
           </a:p>
@@ -1056,7 +1056,7 @@
           <a:p>
             <a:fld id="{4509A250-FF31-4206-8172-F9D3106AACB1}" type="datetimeFigureOut">
               <a:rPr lang="en-US" dirty="0"/>
-              <a:t>4/12/2016</a:t>
+              <a:t>4/13/2016</a:t>
             </a:fld>
             <a:endParaRPr lang="en-US" dirty="0"/>
           </a:p>
@@ -1392,7 +1392,7 @@
           <a:p>
             <a:fld id="{4509A250-FF31-4206-8172-F9D3106AACB1}" type="datetimeFigureOut">
               <a:rPr lang="en-US" dirty="0"/>
-              <a:t>4/12/2016</a:t>
+              <a:t>4/13/2016</a:t>
             </a:fld>
             <a:endParaRPr lang="en-US" dirty="0"/>
           </a:p>
@@ -2010,7 +2010,7 @@
           <a:p>
             <a:fld id="{4509A250-FF31-4206-8172-F9D3106AACB1}" type="datetimeFigureOut">
               <a:rPr lang="en-US" dirty="0"/>
-              <a:t>4/12/2016</a:t>
+              <a:t>4/13/2016</a:t>
             </a:fld>
             <a:endParaRPr lang="en-US" dirty="0"/>
           </a:p>
@@ -2865,7 +2865,7 @@
           <a:p>
             <a:fld id="{4509A250-FF31-4206-8172-F9D3106AACB1}" type="datetimeFigureOut">
               <a:rPr lang="en-US" dirty="0"/>
-              <a:t>4/12/2016</a:t>
+              <a:t>4/13/2016</a:t>
             </a:fld>
             <a:endParaRPr lang="en-US" dirty="0"/>
           </a:p>
@@ -3030,7 +3030,7 @@
           <a:p>
             <a:fld id="{4509A250-FF31-4206-8172-F9D3106AACB1}" type="datetimeFigureOut">
               <a:rPr lang="en-US" dirty="0"/>
-              <a:t>4/12/2016</a:t>
+              <a:t>4/13/2016</a:t>
             </a:fld>
             <a:endParaRPr lang="en-US" dirty="0"/>
           </a:p>
@@ -3205,7 +3205,7 @@
           <a:p>
             <a:fld id="{4509A250-FF31-4206-8172-F9D3106AACB1}" type="datetimeFigureOut">
               <a:rPr lang="en-US" dirty="0"/>
-              <a:t>4/12/2016</a:t>
+              <a:t>4/13/2016</a:t>
             </a:fld>
             <a:endParaRPr lang="en-US" dirty="0"/>
           </a:p>
@@ -3370,7 +3370,7 @@
           <a:p>
             <a:fld id="{4509A250-FF31-4206-8172-F9D3106AACB1}" type="datetimeFigureOut">
               <a:rPr lang="en-US" dirty="0"/>
-              <a:t>4/12/2016</a:t>
+              <a:t>4/13/2016</a:t>
             </a:fld>
             <a:endParaRPr lang="en-US" dirty="0"/>
           </a:p>
@@ -3612,7 +3612,7 @@
           <a:p>
             <a:fld id="{9796027F-7875-4030-9381-8BD8C4F21935}" type="datetimeFigureOut">
               <a:rPr lang="en-US" dirty="0"/>
-              <a:t>4/12/2016</a:t>
+              <a:t>4/13/2016</a:t>
             </a:fld>
             <a:endParaRPr lang="en-US" dirty="0"/>
           </a:p>
@@ -3899,7 +3899,7 @@
           <a:p>
             <a:fld id="{9796027F-7875-4030-9381-8BD8C4F21935}" type="datetimeFigureOut">
               <a:rPr lang="en-US" dirty="0"/>
-              <a:t>4/12/2016</a:t>
+              <a:t>4/13/2016</a:t>
             </a:fld>
             <a:endParaRPr lang="en-US" dirty="0"/>
           </a:p>
@@ -4338,7 +4338,7 @@
           <a:p>
             <a:fld id="{9796027F-7875-4030-9381-8BD8C4F21935}" type="datetimeFigureOut">
               <a:rPr lang="en-US" dirty="0"/>
-              <a:t>4/12/2016</a:t>
+              <a:t>4/13/2016</a:t>
             </a:fld>
             <a:endParaRPr lang="en-US" dirty="0"/>
           </a:p>
@@ -4451,7 +4451,7 @@
           <a:p>
             <a:fld id="{4509A250-FF31-4206-8172-F9D3106AACB1}" type="datetimeFigureOut">
               <a:rPr lang="en-US" dirty="0"/>
-              <a:t>4/12/2016</a:t>
+              <a:t>4/13/2016</a:t>
             </a:fld>
             <a:endParaRPr lang="en-US" dirty="0"/>
           </a:p>
@@ -4541,7 +4541,7 @@
           <a:p>
             <a:fld id="{4509A250-FF31-4206-8172-F9D3106AACB1}" type="datetimeFigureOut">
               <a:rPr lang="en-US" dirty="0"/>
-              <a:t>4/12/2016</a:t>
+              <a:t>4/13/2016</a:t>
             </a:fld>
             <a:endParaRPr lang="en-US" dirty="0"/>
           </a:p>
@@ -4815,7 +4815,7 @@
           <a:p>
             <a:fld id="{4509A250-FF31-4206-8172-F9D3106AACB1}" type="datetimeFigureOut">
               <a:rPr lang="en-US" dirty="0"/>
-              <a:t>4/12/2016</a:t>
+              <a:t>4/13/2016</a:t>
             </a:fld>
             <a:endParaRPr lang="en-US" dirty="0"/>
           </a:p>
@@ -5085,7 +5085,7 @@
           <a:p>
             <a:fld id="{4509A250-FF31-4206-8172-F9D3106AACB1}" type="datetimeFigureOut">
               <a:rPr lang="en-US" dirty="0"/>
-              <a:t>4/12/2016</a:t>
+              <a:t>4/13/2016</a:t>
             </a:fld>
             <a:endParaRPr lang="en-US" dirty="0"/>
           </a:p>
@@ -5509,7 +5509,7 @@
           <a:p>
             <a:fld id="{4AAD347D-5ACD-4C99-B74B-A9C85AD731AF}" type="datetimeFigureOut">
               <a:rPr lang="en-US" dirty="0"/>
-              <a:t>4/12/2016</a:t>
+              <a:t>4/13/2016</a:t>
             </a:fld>
             <a:endParaRPr lang="en-US" dirty="0"/>
           </a:p>
@@ -6045,7 +6045,7 @@
         </p:nvSpPr>
         <p:spPr>
           <a:xfrm>
-            <a:off x="1154955" y="0"/>
+            <a:off x="1605716" y="-25822"/>
             <a:ext cx="8860151" cy="2582606"/>
           </a:xfrm>
         </p:spPr>
@@ -6053,9 +6053,18 @@
           <a:bodyPr/>
           <a:lstStyle/>
           <a:p>
+            <a:pPr algn="ctr"/>
             <a:r>
               <a:rPr lang="es-ES" dirty="0" smtClean="0"/>
-              <a:t>Ingeniería del Software</a:t>
+              <a:t>Ingeniería </a:t>
+            </a:r>
+            <a:r>
+              <a:rPr lang="es-ES" dirty="0" smtClean="0"/>
+              <a:t>de </a:t>
+            </a:r>
+            <a:r>
+              <a:rPr lang="es-ES" dirty="0" smtClean="0"/>
+              <a:t>Software</a:t>
             </a:r>
             <a:endParaRPr lang="es-ES" dirty="0"/>
           </a:p>
@@ -6069,7 +6078,7 @@
         </p:nvSpPr>
         <p:spPr>
           <a:xfrm>
-            <a:off x="1154955" y="3400023"/>
+            <a:off x="1485416" y="3400023"/>
             <a:ext cx="8525814" cy="2769989"/>
           </a:xfrm>
           <a:prstGeom prst="rect">
@@ -6094,16 +6103,16 @@
               <a:t>Lic. En </a:t>
             </a:r>
             <a:r>
-              <a:rPr lang="es-ES" sz="2800" dirty="0" err="1" smtClean="0"/>
-              <a:t>Analisis</a:t>
-            </a:r>
-            <a:r>
               <a:rPr lang="es-ES" sz="2800" dirty="0" smtClean="0"/>
-              <a:t> de Sistemas </a:t>
-            </a:r>
-            <a:r>
-              <a:rPr lang="es-ES" sz="2800" dirty="0" err="1" smtClean="0"/>
-              <a:t>Informaticos</a:t>
+              <a:t>Análisis </a:t>
+            </a:r>
+            <a:r>
+              <a:rPr lang="es-ES" sz="2800" dirty="0" smtClean="0"/>
+              <a:t>de Sistemas </a:t>
+            </a:r>
+            <a:r>
+              <a:rPr lang="es-ES" sz="2800" dirty="0" smtClean="0"/>
+              <a:t>Informáticos</a:t>
             </a:r>
             <a:endParaRPr lang="es-ES" sz="2800" dirty="0" smtClean="0"/>
           </a:p>
@@ -6131,25 +6140,85 @@
               <a:t>Universidad </a:t>
             </a:r>
             <a:r>
-              <a:rPr lang="es-ES" sz="2800" dirty="0" err="1" smtClean="0"/>
-              <a:t>Autonoma</a:t>
-            </a:r>
-            <a:r>
               <a:rPr lang="es-ES" sz="2800" dirty="0" smtClean="0"/>
-              <a:t> de </a:t>
-            </a:r>
-            <a:r>
-              <a:rPr lang="es-ES" sz="2800" dirty="0" err="1" smtClean="0"/>
-              <a:t>Encarnacion</a:t>
+              <a:t>Autónoma </a:t>
             </a:r>
             <a:r>
               <a:rPr lang="es-ES" sz="2800" dirty="0" smtClean="0"/>
-              <a:t> - UNAE</a:t>
+              <a:t>de </a:t>
+            </a:r>
+            <a:r>
+              <a:rPr lang="es-ES" sz="2800" dirty="0" smtClean="0"/>
+              <a:t>Encarnación </a:t>
+            </a:r>
+            <a:r>
+              <a:rPr lang="es-ES" sz="2800" dirty="0" smtClean="0"/>
+              <a:t>- UNAE</a:t>
             </a:r>
             <a:endParaRPr lang="es-ES" sz="2800" dirty="0"/>
           </a:p>
         </p:txBody>
       </p:sp>
+      <p:pic>
+        <p:nvPicPr>
+          <p:cNvPr id="6" name="5 Imagen"/>
+          <p:cNvPicPr>
+            <a:picLocks noChangeAspect="1"/>
+          </p:cNvPicPr>
+          <p:nvPr/>
+        </p:nvPicPr>
+        <p:blipFill>
+          <a:blip r:embed="rId2">
+            <a:extLst>
+              <a:ext uri="{28A0092B-C50C-407E-A947-70E740481C1C}">
+                <a14:useLocalDpi xmlns:a14="http://schemas.microsoft.com/office/drawing/2010/main" val="0"/>
+              </a:ext>
+            </a:extLst>
+          </a:blip>
+          <a:stretch>
+            <a:fillRect/>
+          </a:stretch>
+        </p:blipFill>
+        <p:spPr>
+          <a:xfrm>
+            <a:off x="231820" y="102967"/>
+            <a:ext cx="1944710" cy="1983604"/>
+          </a:xfrm>
+          <a:prstGeom prst="rect">
+            <a:avLst/>
+          </a:prstGeom>
+        </p:spPr>
+      </p:pic>
+      <p:pic>
+        <p:nvPicPr>
+          <p:cNvPr id="7" name="6 Imagen"/>
+          <p:cNvPicPr>
+            <a:picLocks noChangeAspect="1"/>
+          </p:cNvPicPr>
+          <p:nvPr/>
+        </p:nvPicPr>
+        <p:blipFill>
+          <a:blip r:embed="rId3">
+            <a:extLst>
+              <a:ext uri="{28A0092B-C50C-407E-A947-70E740481C1C}">
+                <a14:useLocalDpi xmlns:a14="http://schemas.microsoft.com/office/drawing/2010/main" val="0"/>
+              </a:ext>
+            </a:extLst>
+          </a:blip>
+          <a:stretch>
+            <a:fillRect/>
+          </a:stretch>
+        </p:blipFill>
+        <p:spPr>
+          <a:xfrm>
+            <a:off x="10011230" y="167399"/>
+            <a:ext cx="1863337" cy="1919237"/>
+          </a:xfrm>
+          <a:prstGeom prst="rect">
+            <a:avLst/>
+          </a:prstGeom>
+        </p:spPr>
+      </p:pic>
     </p:spTree>
     <p:extLst>
       <p:ext uri="{BB962C8B-B14F-4D97-AF65-F5344CB8AC3E}">
@@ -6318,7 +6387,12 @@
             <p:ph type="title"/>
           </p:nvPr>
         </p:nvSpPr>
-        <p:spPr/>
+        <p:spPr>
+          <a:xfrm>
+            <a:off x="1225660" y="2049699"/>
+            <a:ext cx="9404723" cy="1400530"/>
+          </a:xfrm>
+        </p:spPr>
         <p:txBody>
           <a:bodyPr/>
           <a:lstStyle/>
@@ -6351,8 +6425,8 @@
         </p:nvSpPr>
         <p:spPr>
           <a:xfrm>
-            <a:off x="1249251" y="2040038"/>
-            <a:ext cx="8718997" cy="4077426"/>
+            <a:off x="1210615" y="3585503"/>
+            <a:ext cx="8718997" cy="3407725"/>
           </a:xfrm>
         </p:spPr>
         <p:txBody>
@@ -6373,14 +6447,9 @@
               <a:t>nterfaces </a:t>
             </a:r>
             <a:r>
-              <a:rPr lang="es-ES" sz="2000" b="1" dirty="0"/>
-              <a:t>Externas </a:t>
-            </a:r>
-            <a:r>
-              <a:rPr lang="es-ES" sz="2000" dirty="0"/>
-              <a:t>	</a:t>
-            </a:r>
-            <a:endParaRPr lang="es-ES" sz="2000" dirty="0" smtClean="0"/>
+              <a:rPr lang="es-ES" sz="2000" b="1" dirty="0" smtClean="0"/>
+              <a:t>Externas</a:t>
+            </a:r>
           </a:p>
           <a:p>
             <a:pPr marL="457200" lvl="1" indent="0" algn="ctr">
@@ -6392,18 +6461,18 @@
             </a:r>
             <a:r>
               <a:rPr lang="es-ES" b="1" dirty="0"/>
-              <a:t>del Sistema</a:t>
+              <a:t>del </a:t>
+            </a:r>
+            <a:r>
+              <a:rPr lang="es-ES" b="1" dirty="0" smtClean="0"/>
+              <a:t>Sistema</a:t>
             </a:r>
             <a:endParaRPr lang="es-ES" sz="1600" dirty="0"/>
           </a:p>
           <a:p>
-            <a:pPr marL="0" lvl="0" indent="0" algn="ctr">
+            <a:pPr marL="457200" lvl="1" indent="0" algn="ctr">
               <a:buNone/>
             </a:pPr>
-            <a:r>
-              <a:rPr lang="es-ES" b="1" dirty="0"/>
-              <a:t>	</a:t>
-            </a:r>
             <a:r>
               <a:rPr lang="es-ES" b="1" dirty="0" smtClean="0"/>
               <a:t>Rendimiento </a:t>
@@ -6485,27 +6554,37 @@
             <a:pPr marL="457200" lvl="1" indent="0" algn="ctr">
               <a:buNone/>
             </a:pPr>
-            <a:r>
-              <a:rPr lang="es-ES" sz="2000" b="1" dirty="0"/>
-              <a:t>Requerimientos lógicos del sistema de base de datos</a:t>
-            </a:r>
-          </a:p>
-          <a:p>
-            <a:pPr lvl="0"/>
+            <a:endParaRPr lang="es-ES" sz="2000" b="1" dirty="0" smtClean="0"/>
+          </a:p>
+          <a:p>
+            <a:pPr marL="457200" lvl="1" indent="0" algn="ctr">
+              <a:buNone/>
+            </a:pPr>
+            <a:r>
+              <a:rPr lang="es-ES" sz="2400" b="1" dirty="0" smtClean="0"/>
+              <a:t>Requerimientos </a:t>
+            </a:r>
+            <a:r>
+              <a:rPr lang="es-ES" sz="2400" b="1" dirty="0"/>
+              <a:t>lógicos del sistema de base de datos</a:t>
+            </a:r>
+          </a:p>
+          <a:p>
+            <a:pPr lvl="0" algn="just"/>
             <a:r>
               <a:rPr lang="es-ES" dirty="0"/>
               <a:t>El sistema debe permitir la retención de datos para guardar un registro de ellos para posterior reportes.</a:t>
             </a:r>
           </a:p>
           <a:p>
-            <a:pPr lvl="0"/>
+            <a:pPr lvl="0" algn="just"/>
             <a:r>
               <a:rPr lang="es-ES" dirty="0"/>
               <a:t>El sistema debe tener en cuenta que información solo puede ser eliminada y cual es de gran importancia.</a:t>
             </a:r>
           </a:p>
           <a:p>
-            <a:pPr lvl="0"/>
+            <a:pPr lvl="0" algn="just"/>
             <a:r>
               <a:rPr lang="es-ES" dirty="0"/>
               <a:t>La infraestructura debe ser capaz de soportar estos procedimientos</a:t>
@@ -6516,7 +6595,13 @@
             </a:r>
           </a:p>
           <a:p>
-            <a:pPr marL="0" lvl="0" indent="0">
+            <a:pPr marL="0" lvl="0" indent="0" algn="just">
+              <a:buNone/>
+            </a:pPr>
+            <a:endParaRPr lang="es-ES" dirty="0" smtClean="0"/>
+          </a:p>
+          <a:p>
+            <a:pPr marL="0" lvl="0" indent="0" algn="just">
               <a:buNone/>
             </a:pPr>
             <a:endParaRPr lang="es-ES" dirty="0"/>
@@ -6526,32 +6611,19 @@
               <a:buNone/>
             </a:pPr>
             <a:r>
-              <a:rPr lang="es-ES" sz="2000" b="1" dirty="0"/>
+              <a:rPr lang="es-ES" sz="2400" b="1" dirty="0"/>
               <a:t>Propiedades emergentes del Sistema</a:t>
             </a:r>
           </a:p>
           <a:p>
             <a:pPr lvl="0" algn="just"/>
             <a:r>
+              <a:rPr lang="es-ES" dirty="0" smtClean="0"/>
+              <a:t>Seguridad: será </a:t>
+            </a:r>
+            <a:r>
               <a:rPr lang="es-ES" dirty="0"/>
-              <a:t>Seguridad</a:t>
-            </a:r>
-            <a:r>
-              <a:rPr lang="es-ES" dirty="0" smtClean="0"/>
-              <a:t>:</a:t>
-            </a:r>
-          </a:p>
-          <a:p>
-            <a:pPr marL="0" lvl="0" indent="0" algn="just">
-              <a:buNone/>
-            </a:pPr>
-            <a:r>
-              <a:rPr lang="es-ES" dirty="0" smtClean="0"/>
-              <a:t> </a:t>
-            </a:r>
-            <a:r>
-              <a:rPr lang="es-ES" dirty="0"/>
-              <a:t>será por medio de un usuario y una contraseña, el encargado de la </a:t>
+              <a:t>por medio de un usuario y una contraseña, el encargado de la </a:t>
             </a:r>
             <a:r>
               <a:rPr lang="es-ES" dirty="0" smtClean="0"/>
@@ -6666,40 +6738,40 @@
             <p:ph idx="1"/>
           </p:nvPr>
         </p:nvSpPr>
-        <p:spPr/>
+        <p:spPr>
+          <a:xfrm>
+            <a:off x="3910906" y="1730946"/>
+            <a:ext cx="8946541" cy="4195481"/>
+          </a:xfrm>
+        </p:spPr>
         <p:txBody>
           <a:bodyPr/>
           <a:lstStyle/>
           <a:p>
-            <a:pPr algn="ctr"/>
             <a:r>
               <a:rPr lang="es-ES" dirty="0" smtClean="0"/>
               <a:t>De la Empresa</a:t>
             </a:r>
           </a:p>
           <a:p>
-            <a:pPr algn="ctr"/>
             <a:r>
               <a:rPr lang="es-ES" dirty="0" smtClean="0"/>
               <a:t>Registrarse</a:t>
             </a:r>
           </a:p>
           <a:p>
-            <a:pPr algn="ctr"/>
             <a:r>
               <a:rPr lang="es-ES" dirty="0" smtClean="0"/>
               <a:t>Pedido/s</a:t>
             </a:r>
           </a:p>
           <a:p>
-            <a:pPr algn="ctr"/>
             <a:r>
               <a:rPr lang="es-ES" dirty="0" smtClean="0"/>
               <a:t>Cancelación de Pedido/s</a:t>
             </a:r>
           </a:p>
           <a:p>
-            <a:pPr algn="ctr"/>
             <a:r>
               <a:rPr lang="es-ES" dirty="0" smtClean="0"/>
               <a:t>Confirmación del pedido </a:t>
@@ -6755,7 +6827,12 @@
             <p:ph type="title"/>
           </p:nvPr>
         </p:nvSpPr>
-        <p:spPr/>
+        <p:spPr>
+          <a:xfrm>
+            <a:off x="774899" y="851963"/>
+            <a:ext cx="9404723" cy="1144262"/>
+          </a:xfrm>
+        </p:spPr>
         <p:txBody>
           <a:bodyPr/>
           <a:lstStyle/>
@@ -6781,7 +6858,7 @@
         </p:nvSpPr>
         <p:spPr>
           <a:xfrm>
-            <a:off x="1378040" y="1498846"/>
+            <a:off x="1700012" y="1898091"/>
             <a:ext cx="8947150" cy="4195762"/>
           </a:xfrm>
         </p:spPr>
@@ -6987,6 +7064,13 @@
   <p:clrMapOvr>
     <a:masterClrMapping/>
   </p:clrMapOvr>
+  <p:timing>
+    <p:tnLst>
+      <p:par>
+        <p:cTn id="1" dur="indefinite" restart="never" nodeType="tmRoot"/>
+      </p:par>
+    </p:tnLst>
+  </p:timing>
 </p:sld>
 </file>
 
@@ -7259,6 +7343,13 @@
   <p:clrMapOvr>
     <a:masterClrMapping/>
   </p:clrMapOvr>
+  <p:timing>
+    <p:tnLst>
+      <p:par>
+        <p:cTn id="1" dur="indefinite" restart="never" nodeType="tmRoot"/>
+      </p:par>
+    </p:tnLst>
+  </p:timing>
 </p:sld>
 </file>
 
@@ -7359,7 +7450,7 @@
         </p:nvSpPr>
         <p:spPr>
           <a:xfrm>
-            <a:off x="889235" y="1880687"/>
+            <a:off x="921562" y="399617"/>
             <a:ext cx="9404723" cy="1400530"/>
           </a:xfrm>
         </p:spPr>
@@ -7380,6 +7471,36 @@
           </a:p>
         </p:txBody>
       </p:sp>
+      <p:pic>
+        <p:nvPicPr>
+          <p:cNvPr id="4" name="3 Imagen"/>
+          <p:cNvPicPr>
+            <a:picLocks noChangeAspect="1"/>
+          </p:cNvPicPr>
+          <p:nvPr/>
+        </p:nvPicPr>
+        <p:blipFill>
+          <a:blip r:embed="rId2">
+            <a:extLst>
+              <a:ext uri="{28A0092B-C50C-407E-A947-70E740481C1C}">
+                <a14:useLocalDpi xmlns:a14="http://schemas.microsoft.com/office/drawing/2010/main" val="0"/>
+              </a:ext>
+            </a:extLst>
+          </a:blip>
+          <a:stretch>
+            <a:fillRect/>
+          </a:stretch>
+        </p:blipFill>
+        <p:spPr>
+          <a:xfrm>
+            <a:off x="4653618" y="4031061"/>
+            <a:ext cx="1863337" cy="1919237"/>
+          </a:xfrm>
+          <a:prstGeom prst="rect">
+            <a:avLst/>
+          </a:prstGeom>
+        </p:spPr>
+      </p:pic>
     </p:spTree>
     <p:extLst>
       <p:ext uri="{BB962C8B-B14F-4D97-AF65-F5344CB8AC3E}">
@@ -7624,11 +7745,7 @@
             <a:pPr algn="ctr"/>
             <a:r>
               <a:rPr lang="es-ES" dirty="0" smtClean="0"/>
-              <a:t>Myriam </a:t>
-            </a:r>
-            <a:r>
-              <a:rPr lang="es-ES" dirty="0" smtClean="0"/>
-              <a:t>Medina</a:t>
+              <a:t>Myriam Medina</a:t>
             </a:r>
           </a:p>
           <a:p>
@@ -7712,6 +7829,7 @@
           <a:bodyPr/>
           <a:lstStyle/>
           <a:p>
+            <a:pPr algn="ctr"/>
             <a:r>
               <a:rPr lang="es-ES" sz="6000" dirty="0" smtClean="0"/>
               <a:t>Alcance del Producto</a:t>
@@ -7917,7 +8035,7 @@
         </p:nvSpPr>
         <p:spPr>
           <a:xfrm>
-            <a:off x="1103309" y="2316999"/>
+            <a:off x="1103306" y="2519937"/>
             <a:ext cx="9404723" cy="770775"/>
           </a:xfrm>
           <a:prstGeom prst="rect">
@@ -8004,7 +8122,7 @@
             <a:pPr algn="ctr"/>
             <a:r>
               <a:rPr lang="es-ES" dirty="0" smtClean="0"/>
-              <a:t>Los Beneficios del sistemas</a:t>
+              <a:t>Beneficios</a:t>
             </a:r>
             <a:endParaRPr lang="es-ES" dirty="0"/>
           </a:p>
@@ -8020,8 +8138,8 @@
         </p:nvSpPr>
         <p:spPr>
           <a:xfrm>
-            <a:off x="1103309" y="3161923"/>
-            <a:ext cx="8946541" cy="865031"/>
+            <a:off x="1103308" y="3290712"/>
+            <a:ext cx="9933886" cy="865031"/>
           </a:xfrm>
           <a:prstGeom prst="rect">
             <a:avLst/>
@@ -8262,7 +8380,15 @@
             <a:pPr algn="just"/>
             <a:r>
               <a:rPr lang="es-ES" dirty="0"/>
-              <a:t>El beneficio con que cuenta el sistema es el de agilizar los pedidos de tal forma que no se pierda tiempo con las llamadas. </a:t>
+              <a:t>A</a:t>
+            </a:r>
+            <a:r>
+              <a:rPr lang="es-ES" dirty="0" smtClean="0"/>
+              <a:t>gilizar </a:t>
+            </a:r>
+            <a:r>
+              <a:rPr lang="es-ES" dirty="0"/>
+              <a:t>los pedidos de tal forma que no se pierda tiempo con las llamadas. </a:t>
             </a:r>
           </a:p>
           <a:p>
@@ -8284,7 +8410,7 @@
         </p:nvSpPr>
         <p:spPr>
           <a:xfrm>
-            <a:off x="1103308" y="4026954"/>
+            <a:off x="1103308" y="3808013"/>
             <a:ext cx="9404723" cy="770775"/>
           </a:xfrm>
           <a:prstGeom prst="rect">
@@ -8371,7 +8497,7 @@
             <a:pPr algn="ctr"/>
             <a:r>
               <a:rPr lang="es-ES" dirty="0" smtClean="0"/>
-              <a:t>La Meta</a:t>
+              <a:t>Meta</a:t>
             </a:r>
             <a:endParaRPr lang="es-ES" dirty="0"/>
           </a:p>
@@ -8387,8 +8513,8 @@
         </p:nvSpPr>
         <p:spPr>
           <a:xfrm>
-            <a:off x="1103307" y="4797729"/>
-            <a:ext cx="8946541" cy="865031"/>
+            <a:off x="1103306" y="4624213"/>
+            <a:ext cx="9933887" cy="865031"/>
           </a:xfrm>
           <a:prstGeom prst="rect">
             <a:avLst/>
@@ -8628,12 +8754,16 @@
           <a:p>
             <a:pPr algn="just"/>
             <a:r>
+              <a:rPr lang="es-ES" dirty="0"/>
+              <a:t>M</a:t>
+            </a:r>
+            <a:r>
               <a:rPr lang="es-ES" dirty="0" smtClean="0"/>
-              <a:t>La </a:t>
+              <a:t>ejorar </a:t>
             </a:r>
             <a:r>
               <a:rPr lang="es-ES" dirty="0"/>
-              <a:t>meta a alcanzar es mejorar el servicio de </a:t>
+              <a:t>el servicio de </a:t>
             </a:r>
             <a:r>
               <a:rPr lang="es-ES" dirty="0" err="1"/>
@@ -8698,17 +8828,17 @@
         </p:nvSpPr>
         <p:spPr>
           <a:xfrm>
-            <a:off x="1174144" y="2113461"/>
-            <a:ext cx="8542965" cy="3630517"/>
+            <a:off x="1019597" y="2113461"/>
+            <a:ext cx="9914566" cy="3630517"/>
           </a:xfrm>
         </p:spPr>
         <p:txBody>
           <a:bodyPr>
-            <a:normAutofit/>
+            <a:normAutofit fontScale="92500" lnSpcReduction="10000"/>
           </a:bodyPr>
           <a:lstStyle/>
           <a:p>
-            <a:pPr marL="0" indent="0" algn="just">
+            <a:pPr marL="0" indent="0" algn="ctr">
               <a:buNone/>
             </a:pPr>
             <a:r>
@@ -8721,6 +8851,18 @@
             <a:pPr marL="0" indent="0" algn="just">
               <a:buNone/>
             </a:pPr>
+            <a:r>
+              <a:rPr lang="es-ES" sz="3600" dirty="0"/>
+              <a:t>El sistema </a:t>
+            </a:r>
+            <a:r>
+              <a:rPr lang="es-ES" sz="3600" dirty="0" err="1"/>
+              <a:t>DeliverYApp</a:t>
+            </a:r>
+            <a:r>
+              <a:rPr lang="es-ES" sz="3600" dirty="0"/>
+              <a:t> será un producto diseñado para trabajar en entornos web, lo que permitirá su utilización de forma descentralizada, además trabajará de manera independiente por lo tanto no interactuará con otro sistemas.</a:t>
+            </a:r>
             <a:endParaRPr lang="es-ES" sz="3600" dirty="0"/>
           </a:p>
         </p:txBody>
@@ -8735,8 +8877,8 @@
         </p:nvSpPr>
         <p:spPr>
           <a:xfrm>
-            <a:off x="1174144" y="929780"/>
-            <a:ext cx="9404723" cy="629107"/>
+            <a:off x="1431721" y="775233"/>
+            <a:ext cx="9404723" cy="821747"/>
           </a:xfrm>
           <a:prstGeom prst="rect">
             <a:avLst/>
@@ -8913,8 +9055,8 @@
         </p:nvSpPr>
         <p:spPr>
           <a:xfrm>
-            <a:off x="1880316" y="1468193"/>
-            <a:ext cx="8255357" cy="5267459"/>
+            <a:off x="3143191" y="2030385"/>
+            <a:ext cx="10174309" cy="5267459"/>
           </a:xfrm>
         </p:spPr>
         <p:txBody>
@@ -8923,27 +9065,13 @@
           </a:bodyPr>
           <a:lstStyle/>
           <a:p>
-            <a:pPr marL="0" indent="0">
-              <a:buNone/>
-            </a:pPr>
-            <a:r>
-              <a:rPr lang="x-none" b="1" dirty="0"/>
-              <a:t>El sistema DeliverYApp permitirá realizar las siguientes </a:t>
-            </a:r>
-            <a:r>
-              <a:rPr lang="x-none" b="1" dirty="0" smtClean="0"/>
-              <a:t>funciones</a:t>
-            </a:r>
             <a:r>
               <a:rPr lang="es-ES" b="1" dirty="0" smtClean="0"/>
-              <a:t>:</a:t>
-            </a:r>
-          </a:p>
-          <a:p>
-            <a:pPr lvl="0"/>
+              <a:t>Registro </a:t>
+            </a:r>
             <a:r>
               <a:rPr lang="es-ES" b="1" dirty="0"/>
-              <a:t>Registro de Empresa (</a:t>
+              <a:t>de Empresa (</a:t>
             </a:r>
             <a:r>
               <a:rPr lang="es-ES" b="1" dirty="0" err="1"/>
@@ -9072,6 +9200,47 @@
               <a:buNone/>
             </a:pPr>
             <a:endParaRPr lang="es-ES" b="1" dirty="0"/>
+          </a:p>
+        </p:txBody>
+      </p:sp>
+      <p:sp>
+        <p:nvSpPr>
+          <p:cNvPr id="4" name="3 CuadroTexto"/>
+          <p:cNvSpPr txBox="1"/>
+          <p:nvPr/>
+        </p:nvSpPr>
+        <p:spPr>
+          <a:xfrm>
+            <a:off x="1378226" y="1245704"/>
+            <a:ext cx="8799444" cy="646331"/>
+          </a:xfrm>
+          <a:prstGeom prst="rect">
+            <a:avLst/>
+          </a:prstGeom>
+          <a:noFill/>
+        </p:spPr>
+        <p:txBody>
+          <a:bodyPr wrap="square" rtlCol="0">
+            <a:spAutoFit/>
+          </a:bodyPr>
+          <a:lstStyle/>
+          <a:p>
+            <a:pPr algn="ctr"/>
+            <a:r>
+              <a:rPr lang="es-ES" dirty="0"/>
+              <a:t>El sistema </a:t>
+            </a:r>
+            <a:r>
+              <a:rPr lang="es-ES" dirty="0" err="1"/>
+              <a:t>DeliverYApp</a:t>
+            </a:r>
+            <a:r>
+              <a:rPr lang="es-ES" dirty="0"/>
+              <a:t> permitirá realizar las siguientes funciones:</a:t>
+            </a:r>
+          </a:p>
+          <a:p>
+            <a:endParaRPr lang="es-ES" dirty="0"/>
           </a:p>
         </p:txBody>
       </p:sp>
@@ -9124,7 +9293,7 @@
         </p:nvSpPr>
         <p:spPr>
           <a:xfrm>
-            <a:off x="705048" y="443060"/>
+            <a:off x="898231" y="1228672"/>
             <a:ext cx="9971538" cy="5197888"/>
           </a:xfrm>
         </p:spPr>
@@ -9135,9 +9304,19 @@
             <a:pPr marL="0" indent="0" algn="ctr">
               <a:buNone/>
             </a:pPr>
+            <a:endParaRPr lang="es-ES" sz="3000" b="1" dirty="0" smtClean="0"/>
+          </a:p>
+          <a:p>
+            <a:pPr marL="0" indent="0" algn="ctr">
+              <a:buNone/>
+            </a:pPr>
+            <a:r>
+              <a:rPr lang="x-none" sz="3000" b="1" smtClean="0"/>
+              <a:t>Características </a:t>
+            </a:r>
             <a:r>
               <a:rPr lang="x-none" sz="3000" b="1" dirty="0"/>
-              <a:t>Características de </a:t>
+              <a:t>de </a:t>
             </a:r>
             <a:r>
               <a:rPr lang="x-none" sz="3000" b="1"/>
@@ -9147,18 +9326,6 @@
               <a:rPr lang="x-none" sz="3000" b="1" smtClean="0"/>
               <a:t>usuarios</a:t>
             </a:r>
-            <a:endParaRPr lang="es-ES" sz="3000" b="1" dirty="0" smtClean="0"/>
-          </a:p>
-          <a:p>
-            <a:pPr marL="0" indent="0" algn="ctr">
-              <a:buNone/>
-            </a:pPr>
-            <a:endParaRPr lang="es-ES" sz="3000" b="1" dirty="0" smtClean="0"/>
-          </a:p>
-          <a:p>
-            <a:pPr marL="0" indent="0" algn="ctr">
-              <a:buNone/>
-            </a:pPr>
             <a:endParaRPr lang="es-ES" sz="3000" b="1" dirty="0"/>
           </a:p>
           <a:p>
@@ -9260,7 +9427,12 @@
             <p:ph type="title"/>
           </p:nvPr>
         </p:nvSpPr>
-        <p:spPr/>
+        <p:spPr>
+          <a:xfrm>
+            <a:off x="1045356" y="298172"/>
+            <a:ext cx="9404723" cy="1400530"/>
+          </a:xfrm>
+        </p:spPr>
         <p:txBody>
           <a:bodyPr/>
           <a:lstStyle/>
@@ -9663,7 +9835,7 @@
   <a:extraClrSchemeLst/>
   <a:extLst>
     <a:ext uri="{05A4C25C-085E-4340-85A3-A5531E510DB2}">
-      <thm15:themeFamily xmlns:thm15="http://schemas.microsoft.com/office/thememl/2012/main" xmlns="" name="Ion" id="{B8441ADB-2E43-4AF7-B97A-BD870242C6A8}" vid="{292E63A9-BB86-4E3D-B92A-7223C6510D2E}"/>
+      <thm15:themeFamily xmlns="" xmlns:thm15="http://schemas.microsoft.com/office/thememl/2012/main" name="Ion" id="{B8441ADB-2E43-4AF7-B97A-BD870242C6A8}" vid="{292E63A9-BB86-4E3D-B92A-7223C6510D2E}"/>
     </a:ext>
   </a:extLst>
 </a:theme>

--- a/Presentacion de Clase.pptx
+++ b/Presentacion de Clase.pptx
@@ -22,10 +22,6 @@
     <p:sldId id="265" r:id="rId16"/>
     <p:sldId id="259" r:id="rId17"/>
     <p:sldId id="260" r:id="rId18"/>
-    <p:sldId id="276" r:id="rId19"/>
-    <p:sldId id="277" r:id="rId20"/>
-    <p:sldId id="278" r:id="rId21"/>
-    <p:sldId id="279" r:id="rId22"/>
   </p:sldIdLst>
   <p:sldSz cx="12192000" cy="6858000"/>
   <p:notesSz cx="6858000" cy="9144000"/>
@@ -126,7 +122,7 @@
   </p:defaultTextStyle>
   <p:extLst>
     <p:ext uri="{EFAFB233-063F-42B5-8137-9DF3F51BA10A}">
-      <p15:sldGuideLst xmlns="" xmlns:p15="http://schemas.microsoft.com/office/powerpoint/2012/main">
+      <p15:sldGuideLst xmlns:p15="http://schemas.microsoft.com/office/powerpoint/2012/main" xmlns="">
         <p15:guide id="1" orient="horz" pos="2160">
           <p15:clr>
             <a:srgbClr val="A4A3A4"/>
@@ -6056,15 +6052,7 @@
             <a:pPr algn="ctr"/>
             <a:r>
               <a:rPr lang="es-ES" dirty="0" smtClean="0"/>
-              <a:t>Ingeniería </a:t>
-            </a:r>
-            <a:r>
-              <a:rPr lang="es-ES" dirty="0" smtClean="0"/>
-              <a:t>de </a:t>
-            </a:r>
-            <a:r>
-              <a:rPr lang="es-ES" dirty="0" smtClean="0"/>
-              <a:t>Software</a:t>
+              <a:t>Ingeniería de Software</a:t>
             </a:r>
             <a:endParaRPr lang="es-ES" dirty="0"/>
           </a:p>
@@ -6100,21 +6088,8 @@
           <a:p>
             <a:r>
               <a:rPr lang="es-ES" sz="2800" dirty="0" smtClean="0"/>
-              <a:t>Lic. En </a:t>
-            </a:r>
-            <a:r>
-              <a:rPr lang="es-ES" sz="2800" dirty="0" smtClean="0"/>
-              <a:t>Análisis </a:t>
-            </a:r>
-            <a:r>
-              <a:rPr lang="es-ES" sz="2800" dirty="0" smtClean="0"/>
-              <a:t>de Sistemas </a:t>
-            </a:r>
-            <a:r>
-              <a:rPr lang="es-ES" sz="2800" dirty="0" smtClean="0"/>
-              <a:t>Informáticos</a:t>
-            </a:r>
-            <a:endParaRPr lang="es-ES" sz="2800" dirty="0" smtClean="0"/>
+              <a:t>Lic. En Análisis de Sistemas Informáticos</a:t>
+            </a:r>
           </a:p>
           <a:p>
             <a:endParaRPr lang="es-ES" dirty="0"/>
@@ -6137,23 +6112,7 @@
           <a:p>
             <a:r>
               <a:rPr lang="es-ES" sz="2800" dirty="0" smtClean="0"/>
-              <a:t>Universidad </a:t>
-            </a:r>
-            <a:r>
-              <a:rPr lang="es-ES" sz="2800" dirty="0" smtClean="0"/>
-              <a:t>Autónoma </a:t>
-            </a:r>
-            <a:r>
-              <a:rPr lang="es-ES" sz="2800" dirty="0" smtClean="0"/>
-              <a:t>de </a:t>
-            </a:r>
-            <a:r>
-              <a:rPr lang="es-ES" sz="2800" dirty="0" smtClean="0"/>
-              <a:t>Encarnación </a:t>
-            </a:r>
-            <a:r>
-              <a:rPr lang="es-ES" sz="2800" dirty="0" smtClean="0"/>
-              <a:t>- UNAE</a:t>
+              <a:t>Universidad Autónoma de Encarnación - UNAE</a:t>
             </a:r>
             <a:endParaRPr lang="es-ES" sz="2800" dirty="0"/>
           </a:p>
@@ -6444,11 +6403,7 @@
             </a:r>
             <a:r>
               <a:rPr lang="es-ES" sz="2000" b="1" dirty="0" smtClean="0"/>
-              <a:t>nterfaces </a:t>
-            </a:r>
-            <a:r>
-              <a:rPr lang="es-ES" sz="2000" b="1" dirty="0" smtClean="0"/>
-              <a:t>Externas</a:t>
+              <a:t>nterfaces Externas</a:t>
             </a:r>
           </a:p>
           <a:p>
@@ -7199,52 +7154,52 @@
           <a:p>
             <a:pPr lvl="0"/>
             <a:r>
+              <a:rPr lang="es-ES" dirty="0" smtClean="0"/>
+              <a:t>Líder</a:t>
+            </a:r>
+            <a:endParaRPr lang="es-ES" dirty="0"/>
+          </a:p>
+          <a:p>
+            <a:pPr lvl="0"/>
+            <a:r>
+              <a:rPr lang="es-ES" dirty="0" smtClean="0"/>
+              <a:t>Riesgos </a:t>
+            </a:r>
+            <a:endParaRPr lang="es-ES" dirty="0"/>
+          </a:p>
+          <a:p>
+            <a:pPr lvl="0"/>
+            <a:r>
+              <a:rPr lang="es-ES" dirty="0" smtClean="0"/>
+              <a:t>Documentación </a:t>
+            </a:r>
+            <a:endParaRPr lang="es-ES" dirty="0"/>
+          </a:p>
+          <a:p>
+            <a:pPr lvl="0"/>
+            <a:r>
               <a:rPr lang="es-ES" dirty="0"/>
-              <a:t>Líder: </a:t>
-            </a:r>
+              <a:t>Gestor de </a:t>
+            </a:r>
+            <a:r>
+              <a:rPr lang="es-ES" dirty="0" smtClean="0"/>
+              <a:t>configuraciones</a:t>
+            </a:r>
+            <a:endParaRPr lang="es-ES" dirty="0"/>
           </a:p>
           <a:p>
             <a:pPr lvl="0"/>
             <a:r>
-              <a:rPr lang="es-ES" dirty="0"/>
-              <a:t>Riesgos: </a:t>
-            </a:r>
+              <a:rPr lang="es-ES" dirty="0" smtClean="0"/>
+              <a:t>Desarrollador</a:t>
+            </a:r>
+            <a:endParaRPr lang="es-ES" dirty="0"/>
           </a:p>
           <a:p>
             <a:pPr lvl="0"/>
             <a:r>
-              <a:rPr lang="es-ES" dirty="0"/>
-              <a:t>Documentación: </a:t>
-            </a:r>
-          </a:p>
-          <a:p>
-            <a:pPr lvl="0"/>
-            <a:r>
-              <a:rPr lang="es-ES" dirty="0"/>
-              <a:t>Gestor de configuraciones</a:t>
-            </a:r>
-            <a:r>
-              <a:rPr lang="es-ES" dirty="0" smtClean="0"/>
-              <a:t>:</a:t>
-            </a:r>
-            <a:endParaRPr lang="es-ES" dirty="0"/>
-          </a:p>
-          <a:p>
-            <a:pPr lvl="0"/>
-            <a:r>
-              <a:rPr lang="es-ES" dirty="0"/>
-              <a:t>Desarrollador: </a:t>
-            </a:r>
-          </a:p>
-          <a:p>
-            <a:pPr lvl="0"/>
-            <a:r>
-              <a:rPr lang="es-ES" dirty="0" err="1" smtClean="0"/>
+              <a:rPr lang="es-ES" smtClean="0"/>
               <a:t>Testin</a:t>
-            </a:r>
-            <a:r>
-              <a:rPr lang="es-ES" dirty="0" smtClean="0"/>
-              <a:t>:</a:t>
             </a:r>
             <a:endParaRPr lang="es-ES" dirty="0"/>
           </a:p>
@@ -7267,157 +7222,6 @@
       </p:par>
     </p:tnLst>
   </p:timing>
-</p:sld>
-</file>
-
-<file path=ppt/slides/slide18.xml><?xml version="1.0" encoding="utf-8"?>
-<p:sld xmlns:a="http://schemas.openxmlformats.org/drawingml/2006/main" xmlns:r="http://schemas.openxmlformats.org/officeDocument/2006/relationships" xmlns:p="http://schemas.openxmlformats.org/presentationml/2006/main">
-  <p:cSld>
-    <p:spTree>
-      <p:nvGrpSpPr>
-        <p:cNvPr id="1" name=""/>
-        <p:cNvGrpSpPr/>
-        <p:nvPr/>
-      </p:nvGrpSpPr>
-      <p:grpSpPr>
-        <a:xfrm>
-          <a:off x="0" y="0"/>
-          <a:ext cx="0" cy="0"/>
-          <a:chOff x="0" y="0"/>
-          <a:chExt cx="0" cy="0"/>
-        </a:xfrm>
-      </p:grpSpPr>
-      <p:sp>
-        <p:nvSpPr>
-          <p:cNvPr id="2" name="Título 1"/>
-          <p:cNvSpPr>
-            <a:spLocks noGrp="1"/>
-          </p:cNvSpPr>
-          <p:nvPr>
-            <p:ph type="title"/>
-          </p:nvPr>
-        </p:nvSpPr>
-        <p:spPr/>
-        <p:txBody>
-          <a:bodyPr/>
-          <a:lstStyle/>
-          <a:p>
-            <a:r>
-              <a:rPr lang="es-ES" dirty="0" err="1" smtClean="0"/>
-              <a:t>Lider</a:t>
-            </a:r>
-            <a:r>
-              <a:rPr lang="es-ES" dirty="0" smtClean="0"/>
-              <a:t> de Grupo</a:t>
-            </a:r>
-            <a:endParaRPr lang="es-ES" dirty="0"/>
-          </a:p>
-        </p:txBody>
-      </p:sp>
-      <p:sp>
-        <p:nvSpPr>
-          <p:cNvPr id="3" name="Marcador de contenido 2"/>
-          <p:cNvSpPr>
-            <a:spLocks noGrp="1"/>
-          </p:cNvSpPr>
-          <p:nvPr>
-            <p:ph idx="1"/>
-          </p:nvPr>
-        </p:nvSpPr>
-        <p:spPr/>
-        <p:txBody>
-          <a:bodyPr/>
-          <a:lstStyle/>
-          <a:p>
-            <a:endParaRPr lang="es-ES"/>
-          </a:p>
-        </p:txBody>
-      </p:sp>
-    </p:spTree>
-    <p:extLst>
-      <p:ext uri="{BB962C8B-B14F-4D97-AF65-F5344CB8AC3E}">
-        <p14:creationId xmlns:p14="http://schemas.microsoft.com/office/powerpoint/2010/main" val="3579523673"/>
-      </p:ext>
-    </p:extLst>
-  </p:cSld>
-  <p:clrMapOvr>
-    <a:masterClrMapping/>
-  </p:clrMapOvr>
-  <p:timing>
-    <p:tnLst>
-      <p:par>
-        <p:cTn id="1" dur="indefinite" restart="never" nodeType="tmRoot"/>
-      </p:par>
-    </p:tnLst>
-  </p:timing>
-</p:sld>
-</file>
-
-<file path=ppt/slides/slide19.xml><?xml version="1.0" encoding="utf-8"?>
-<p:sld xmlns:a="http://schemas.openxmlformats.org/drawingml/2006/main" xmlns:r="http://schemas.openxmlformats.org/officeDocument/2006/relationships" xmlns:p="http://schemas.openxmlformats.org/presentationml/2006/main">
-  <p:cSld>
-    <p:spTree>
-      <p:nvGrpSpPr>
-        <p:cNvPr id="1" name=""/>
-        <p:cNvGrpSpPr/>
-        <p:nvPr/>
-      </p:nvGrpSpPr>
-      <p:grpSpPr>
-        <a:xfrm>
-          <a:off x="0" y="0"/>
-          <a:ext cx="0" cy="0"/>
-          <a:chOff x="0" y="0"/>
-          <a:chExt cx="0" cy="0"/>
-        </a:xfrm>
-      </p:grpSpPr>
-      <p:sp>
-        <p:nvSpPr>
-          <p:cNvPr id="2" name="Título 1"/>
-          <p:cNvSpPr>
-            <a:spLocks noGrp="1"/>
-          </p:cNvSpPr>
-          <p:nvPr>
-            <p:ph type="title"/>
-          </p:nvPr>
-        </p:nvSpPr>
-        <p:spPr/>
-        <p:txBody>
-          <a:bodyPr/>
-          <a:lstStyle/>
-          <a:p>
-            <a:endParaRPr lang="es-ES"/>
-          </a:p>
-        </p:txBody>
-      </p:sp>
-      <p:sp>
-        <p:nvSpPr>
-          <p:cNvPr id="3" name="Marcador de contenido 2"/>
-          <p:cNvSpPr>
-            <a:spLocks noGrp="1"/>
-          </p:cNvSpPr>
-          <p:nvPr>
-            <p:ph idx="1"/>
-          </p:nvPr>
-        </p:nvSpPr>
-        <p:spPr/>
-        <p:txBody>
-          <a:bodyPr/>
-          <a:lstStyle/>
-          <a:p>
-            <a:endParaRPr lang="es-ES"/>
-          </a:p>
-        </p:txBody>
-      </p:sp>
-    </p:spTree>
-    <p:extLst>
-      <p:ext uri="{BB962C8B-B14F-4D97-AF65-F5344CB8AC3E}">
-        <p14:creationId xmlns:p14="http://schemas.microsoft.com/office/powerpoint/2010/main" val="534596362"/>
-      </p:ext>
-    </p:extLst>
-  </p:cSld>
-  <p:clrMapOvr>
-    <a:masterClrMapping/>
-  </p:clrMapOvr>
 </p:sld>
 </file>
 
@@ -7518,142 +7322,6 @@
       </p:par>
     </p:tnLst>
   </p:timing>
-</p:sld>
-</file>
-
-<file path=ppt/slides/slide20.xml><?xml version="1.0" encoding="utf-8"?>
-<p:sld xmlns:a="http://schemas.openxmlformats.org/drawingml/2006/main" xmlns:r="http://schemas.openxmlformats.org/officeDocument/2006/relationships" xmlns:p="http://schemas.openxmlformats.org/presentationml/2006/main">
-  <p:cSld>
-    <p:spTree>
-      <p:nvGrpSpPr>
-        <p:cNvPr id="1" name=""/>
-        <p:cNvGrpSpPr/>
-        <p:nvPr/>
-      </p:nvGrpSpPr>
-      <p:grpSpPr>
-        <a:xfrm>
-          <a:off x="0" y="0"/>
-          <a:ext cx="0" cy="0"/>
-          <a:chOff x="0" y="0"/>
-          <a:chExt cx="0" cy="0"/>
-        </a:xfrm>
-      </p:grpSpPr>
-      <p:sp>
-        <p:nvSpPr>
-          <p:cNvPr id="2" name="Título 1"/>
-          <p:cNvSpPr>
-            <a:spLocks noGrp="1"/>
-          </p:cNvSpPr>
-          <p:nvPr>
-            <p:ph type="title"/>
-          </p:nvPr>
-        </p:nvSpPr>
-        <p:spPr/>
-        <p:txBody>
-          <a:bodyPr/>
-          <a:lstStyle/>
-          <a:p>
-            <a:endParaRPr lang="es-ES"/>
-          </a:p>
-        </p:txBody>
-      </p:sp>
-      <p:sp>
-        <p:nvSpPr>
-          <p:cNvPr id="3" name="Marcador de contenido 2"/>
-          <p:cNvSpPr>
-            <a:spLocks noGrp="1"/>
-          </p:cNvSpPr>
-          <p:nvPr>
-            <p:ph idx="1"/>
-          </p:nvPr>
-        </p:nvSpPr>
-        <p:spPr/>
-        <p:txBody>
-          <a:bodyPr/>
-          <a:lstStyle/>
-          <a:p>
-            <a:endParaRPr lang="es-ES"/>
-          </a:p>
-        </p:txBody>
-      </p:sp>
-    </p:spTree>
-    <p:extLst>
-      <p:ext uri="{BB962C8B-B14F-4D97-AF65-F5344CB8AC3E}">
-        <p14:creationId xmlns:p14="http://schemas.microsoft.com/office/powerpoint/2010/main" val="2562200567"/>
-      </p:ext>
-    </p:extLst>
-  </p:cSld>
-  <p:clrMapOvr>
-    <a:masterClrMapping/>
-  </p:clrMapOvr>
-</p:sld>
-</file>
-
-<file path=ppt/slides/slide21.xml><?xml version="1.0" encoding="utf-8"?>
-<p:sld xmlns:a="http://schemas.openxmlformats.org/drawingml/2006/main" xmlns:r="http://schemas.openxmlformats.org/officeDocument/2006/relationships" xmlns:p="http://schemas.openxmlformats.org/presentationml/2006/main">
-  <p:cSld>
-    <p:spTree>
-      <p:nvGrpSpPr>
-        <p:cNvPr id="1" name=""/>
-        <p:cNvGrpSpPr/>
-        <p:nvPr/>
-      </p:nvGrpSpPr>
-      <p:grpSpPr>
-        <a:xfrm>
-          <a:off x="0" y="0"/>
-          <a:ext cx="0" cy="0"/>
-          <a:chOff x="0" y="0"/>
-          <a:chExt cx="0" cy="0"/>
-        </a:xfrm>
-      </p:grpSpPr>
-      <p:sp>
-        <p:nvSpPr>
-          <p:cNvPr id="2" name="Título 1"/>
-          <p:cNvSpPr>
-            <a:spLocks noGrp="1"/>
-          </p:cNvSpPr>
-          <p:nvPr>
-            <p:ph type="title"/>
-          </p:nvPr>
-        </p:nvSpPr>
-        <p:spPr/>
-        <p:txBody>
-          <a:bodyPr/>
-          <a:lstStyle/>
-          <a:p>
-            <a:endParaRPr lang="es-ES"/>
-          </a:p>
-        </p:txBody>
-      </p:sp>
-      <p:sp>
-        <p:nvSpPr>
-          <p:cNvPr id="3" name="Marcador de contenido 2"/>
-          <p:cNvSpPr>
-            <a:spLocks noGrp="1"/>
-          </p:cNvSpPr>
-          <p:nvPr>
-            <p:ph idx="1"/>
-          </p:nvPr>
-        </p:nvSpPr>
-        <p:spPr/>
-        <p:txBody>
-          <a:bodyPr/>
-          <a:lstStyle/>
-          <a:p>
-            <a:endParaRPr lang="es-ES"/>
-          </a:p>
-        </p:txBody>
-      </p:sp>
-    </p:spTree>
-    <p:extLst>
-      <p:ext uri="{BB962C8B-B14F-4D97-AF65-F5344CB8AC3E}">
-        <p14:creationId xmlns:p14="http://schemas.microsoft.com/office/powerpoint/2010/main" val="2382399872"/>
-      </p:ext>
-    </p:extLst>
-  </p:cSld>
-  <p:clrMapOvr>
-    <a:masterClrMapping/>
-  </p:clrMapOvr>
 </p:sld>
 </file>
 
@@ -8863,7 +8531,6 @@
               <a:rPr lang="es-ES" sz="3600" dirty="0"/>
               <a:t> será un producto diseñado para trabajar en entornos web, lo que permitirá su utilización de forma descentralizada, además trabajará de manera independiente por lo tanto no interactuará con otro sistemas.</a:t>
             </a:r>
-            <a:endParaRPr lang="es-ES" sz="3600" dirty="0"/>
           </a:p>
         </p:txBody>
       </p:sp>
@@ -9835,7 +9502,7 @@
   <a:extraClrSchemeLst/>
   <a:extLst>
     <a:ext uri="{05A4C25C-085E-4340-85A3-A5531E510DB2}">
-      <thm15:themeFamily xmlns="" xmlns:thm15="http://schemas.microsoft.com/office/thememl/2012/main" name="Ion" id="{B8441ADB-2E43-4AF7-B97A-BD870242C6A8}" vid="{292E63A9-BB86-4E3D-B92A-7223C6510D2E}"/>
+      <thm15:themeFamily xmlns:thm15="http://schemas.microsoft.com/office/thememl/2012/main" xmlns="" name="Ion" id="{B8441ADB-2E43-4AF7-B97A-BD870242C6A8}" vid="{292E63A9-BB86-4E3D-B92A-7223C6510D2E}"/>
     </a:ext>
   </a:extLst>
 </a:theme>
